--- a/figures/figures.pptx
+++ b/figures/figures.pptx
@@ -5,7 +5,7 @@
     <p:sldMasterId id="2147483660" r:id="rId1"/>
   </p:sldMasterIdLst>
   <p:notesMasterIdLst>
-    <p:notesMasterId r:id="rId11"/>
+    <p:notesMasterId r:id="rId15"/>
   </p:notesMasterIdLst>
   <p:sldIdLst>
     <p:sldId id="275" r:id="rId2"/>
@@ -17,6 +17,10 @@
     <p:sldId id="282" r:id="rId8"/>
     <p:sldId id="283" r:id="rId9"/>
     <p:sldId id="286" r:id="rId10"/>
+    <p:sldId id="287" r:id="rId11"/>
+    <p:sldId id="288" r:id="rId12"/>
+    <p:sldId id="289" r:id="rId13"/>
+    <p:sldId id="290" r:id="rId14"/>
   </p:sldIdLst>
   <p:sldSz cx="12192000" cy="7315200"/>
   <p:notesSz cx="6858000" cy="9144000"/>
@@ -205,7 +209,7 @@
           <a:p>
             <a:fld id="{C1CC4EAE-1B05-DC4C-927B-EC74A4CD80C0}" type="datetimeFigureOut">
               <a:rPr lang="en-US" smtClean="0"/>
-              <a:t>4/28/23</a:t>
+              <a:t>5/16/23</a:t>
             </a:fld>
             <a:endParaRPr lang="en-US"/>
           </a:p>
@@ -939,7 +943,7 @@
           <a:p>
             <a:fld id="{36FE6AC1-C819-864F-8E02-BCA5800F2D33}" type="datetimeFigureOut">
               <a:rPr lang="en-US" smtClean="0"/>
-              <a:t>4/28/23</a:t>
+              <a:t>5/16/23</a:t>
             </a:fld>
             <a:endParaRPr lang="en-US"/>
           </a:p>
@@ -1109,7 +1113,7 @@
           <a:p>
             <a:fld id="{36FE6AC1-C819-864F-8E02-BCA5800F2D33}" type="datetimeFigureOut">
               <a:rPr lang="en-US" smtClean="0"/>
-              <a:t>4/28/23</a:t>
+              <a:t>5/16/23</a:t>
             </a:fld>
             <a:endParaRPr lang="en-US"/>
           </a:p>
@@ -1289,7 +1293,7 @@
           <a:p>
             <a:fld id="{36FE6AC1-C819-864F-8E02-BCA5800F2D33}" type="datetimeFigureOut">
               <a:rPr lang="en-US" smtClean="0"/>
-              <a:t>4/28/23</a:t>
+              <a:t>5/16/23</a:t>
             </a:fld>
             <a:endParaRPr lang="en-US"/>
           </a:p>
@@ -1459,7 +1463,7 @@
           <a:p>
             <a:fld id="{36FE6AC1-C819-864F-8E02-BCA5800F2D33}" type="datetimeFigureOut">
               <a:rPr lang="en-US" smtClean="0"/>
-              <a:t>4/28/23</a:t>
+              <a:t>5/16/23</a:t>
             </a:fld>
             <a:endParaRPr lang="en-US"/>
           </a:p>
@@ -1705,7 +1709,7 @@
           <a:p>
             <a:fld id="{36FE6AC1-C819-864F-8E02-BCA5800F2D33}" type="datetimeFigureOut">
               <a:rPr lang="en-US" smtClean="0"/>
-              <a:t>4/28/23</a:t>
+              <a:t>5/16/23</a:t>
             </a:fld>
             <a:endParaRPr lang="en-US"/>
           </a:p>
@@ -1937,7 +1941,7 @@
           <a:p>
             <a:fld id="{36FE6AC1-C819-864F-8E02-BCA5800F2D33}" type="datetimeFigureOut">
               <a:rPr lang="en-US" smtClean="0"/>
-              <a:t>4/28/23</a:t>
+              <a:t>5/16/23</a:t>
             </a:fld>
             <a:endParaRPr lang="en-US"/>
           </a:p>
@@ -2304,7 +2308,7 @@
           <a:p>
             <a:fld id="{36FE6AC1-C819-864F-8E02-BCA5800F2D33}" type="datetimeFigureOut">
               <a:rPr lang="en-US" smtClean="0"/>
-              <a:t>4/28/23</a:t>
+              <a:t>5/16/23</a:t>
             </a:fld>
             <a:endParaRPr lang="en-US"/>
           </a:p>
@@ -2422,7 +2426,7 @@
           <a:p>
             <a:fld id="{36FE6AC1-C819-864F-8E02-BCA5800F2D33}" type="datetimeFigureOut">
               <a:rPr lang="en-US" smtClean="0"/>
-              <a:t>4/28/23</a:t>
+              <a:t>5/16/23</a:t>
             </a:fld>
             <a:endParaRPr lang="en-US"/>
           </a:p>
@@ -2517,7 +2521,7 @@
           <a:p>
             <a:fld id="{36FE6AC1-C819-864F-8E02-BCA5800F2D33}" type="datetimeFigureOut">
               <a:rPr lang="en-US" smtClean="0"/>
-              <a:t>4/28/23</a:t>
+              <a:t>5/16/23</a:t>
             </a:fld>
             <a:endParaRPr lang="en-US"/>
           </a:p>
@@ -2794,7 +2798,7 @@
           <a:p>
             <a:fld id="{36FE6AC1-C819-864F-8E02-BCA5800F2D33}" type="datetimeFigureOut">
               <a:rPr lang="en-US" smtClean="0"/>
-              <a:t>4/28/23</a:t>
+              <a:t>5/16/23</a:t>
             </a:fld>
             <a:endParaRPr lang="en-US"/>
           </a:p>
@@ -3051,7 +3055,7 @@
           <a:p>
             <a:fld id="{36FE6AC1-C819-864F-8E02-BCA5800F2D33}" type="datetimeFigureOut">
               <a:rPr lang="en-US" smtClean="0"/>
-              <a:t>4/28/23</a:t>
+              <a:t>5/16/23</a:t>
             </a:fld>
             <a:endParaRPr lang="en-US"/>
           </a:p>
@@ -3264,7 +3268,7 @@
           <a:p>
             <a:fld id="{36FE6AC1-C819-864F-8E02-BCA5800F2D33}" type="datetimeFigureOut">
               <a:rPr lang="en-US" smtClean="0"/>
-              <a:t>4/28/23</a:t>
+              <a:t>5/16/23</a:t>
             </a:fld>
             <a:endParaRPr lang="en-US"/>
           </a:p>
@@ -4839,6 +4843,270 @@
     <p:extLst>
       <p:ext uri="{BB962C8B-B14F-4D97-AF65-F5344CB8AC3E}">
         <p14:creationId xmlns:p14="http://schemas.microsoft.com/office/powerpoint/2010/main" val="2535394463"/>
+      </p:ext>
+    </p:extLst>
+  </p:cSld>
+  <p:clrMapOvr>
+    <a:masterClrMapping/>
+  </p:clrMapOvr>
+</p:sld>
+</file>
+
+<file path=ppt/slides/slide10.xml><?xml version="1.0" encoding="utf-8"?>
+<p:sld xmlns:a="http://schemas.openxmlformats.org/drawingml/2006/main" xmlns:r="http://schemas.openxmlformats.org/officeDocument/2006/relationships" xmlns:p="http://schemas.openxmlformats.org/presentationml/2006/main">
+  <p:cSld>
+    <p:spTree>
+      <p:nvGrpSpPr>
+        <p:cNvPr id="1" name=""/>
+        <p:cNvGrpSpPr/>
+        <p:nvPr/>
+      </p:nvGrpSpPr>
+      <p:grpSpPr>
+        <a:xfrm>
+          <a:off x="0" y="0"/>
+          <a:ext cx="0" cy="0"/>
+          <a:chOff x="0" y="0"/>
+          <a:chExt cx="0" cy="0"/>
+        </a:xfrm>
+      </p:grpSpPr>
+      <p:pic>
+        <p:nvPicPr>
+          <p:cNvPr id="89" name="Graphic 88">
+            <a:extLst>
+              <a:ext uri="{FF2B5EF4-FFF2-40B4-BE49-F238E27FC236}">
+                <a16:creationId xmlns:a16="http://schemas.microsoft.com/office/drawing/2014/main" id="{1587C859-C95E-1CF0-C8C4-BF14D3BB5C55}"/>
+              </a:ext>
+            </a:extLst>
+          </p:cNvPr>
+          <p:cNvPicPr>
+            <a:picLocks noChangeAspect="1"/>
+          </p:cNvPicPr>
+          <p:nvPr/>
+        </p:nvPicPr>
+        <p:blipFill>
+          <a:blip r:embed="rId2">
+            <a:extLst>
+              <a:ext uri="{96DAC541-7B7A-43D3-8B79-37D633B846F1}">
+                <asvg:svgBlip xmlns:asvg="http://schemas.microsoft.com/office/drawing/2016/SVG/main" r:embed="rId3"/>
+              </a:ext>
+            </a:extLst>
+          </a:blip>
+          <a:stretch>
+            <a:fillRect/>
+          </a:stretch>
+        </p:blipFill>
+        <p:spPr>
+          <a:xfrm>
+            <a:off x="874643" y="160006"/>
+            <a:ext cx="10681579" cy="7155194"/>
+          </a:xfrm>
+          <a:prstGeom prst="rect">
+            <a:avLst/>
+          </a:prstGeom>
+        </p:spPr>
+      </p:pic>
+    </p:spTree>
+    <p:extLst>
+      <p:ext uri="{BB962C8B-B14F-4D97-AF65-F5344CB8AC3E}">
+        <p14:creationId xmlns:p14="http://schemas.microsoft.com/office/powerpoint/2010/main" val="3539631220"/>
+      </p:ext>
+    </p:extLst>
+  </p:cSld>
+  <p:clrMapOvr>
+    <a:masterClrMapping/>
+  </p:clrMapOvr>
+</p:sld>
+</file>
+
+<file path=ppt/slides/slide11.xml><?xml version="1.0" encoding="utf-8"?>
+<p:sld xmlns:a="http://schemas.openxmlformats.org/drawingml/2006/main" xmlns:r="http://schemas.openxmlformats.org/officeDocument/2006/relationships" xmlns:p="http://schemas.openxmlformats.org/presentationml/2006/main">
+  <p:cSld>
+    <p:spTree>
+      <p:nvGrpSpPr>
+        <p:cNvPr id="1" name=""/>
+        <p:cNvGrpSpPr/>
+        <p:nvPr/>
+      </p:nvGrpSpPr>
+      <p:grpSpPr>
+        <a:xfrm>
+          <a:off x="0" y="0"/>
+          <a:ext cx="0" cy="0"/>
+          <a:chOff x="0" y="0"/>
+          <a:chExt cx="0" cy="0"/>
+        </a:xfrm>
+      </p:grpSpPr>
+      <p:pic>
+        <p:nvPicPr>
+          <p:cNvPr id="4" name="Graphic 3">
+            <a:extLst>
+              <a:ext uri="{FF2B5EF4-FFF2-40B4-BE49-F238E27FC236}">
+                <a16:creationId xmlns:a16="http://schemas.microsoft.com/office/drawing/2014/main" id="{48523564-A104-02DF-C399-B4358E43D3B2}"/>
+              </a:ext>
+            </a:extLst>
+          </p:cNvPr>
+          <p:cNvPicPr>
+            <a:picLocks noChangeAspect="1"/>
+          </p:cNvPicPr>
+          <p:nvPr/>
+        </p:nvPicPr>
+        <p:blipFill>
+          <a:blip r:embed="rId2">
+            <a:extLst>
+              <a:ext uri="{96DAC541-7B7A-43D3-8B79-37D633B846F1}">
+                <asvg:svgBlip xmlns:asvg="http://schemas.microsoft.com/office/drawing/2016/SVG/main" r:embed="rId3"/>
+              </a:ext>
+            </a:extLst>
+          </a:blip>
+          <a:stretch>
+            <a:fillRect/>
+          </a:stretch>
+        </p:blipFill>
+        <p:spPr>
+          <a:xfrm>
+            <a:off x="611819" y="1178253"/>
+            <a:ext cx="11580181" cy="4958693"/>
+          </a:xfrm>
+          <a:prstGeom prst="rect">
+            <a:avLst/>
+          </a:prstGeom>
+        </p:spPr>
+      </p:pic>
+    </p:spTree>
+    <p:extLst>
+      <p:ext uri="{BB962C8B-B14F-4D97-AF65-F5344CB8AC3E}">
+        <p14:creationId xmlns:p14="http://schemas.microsoft.com/office/powerpoint/2010/main" val="2049132997"/>
+      </p:ext>
+    </p:extLst>
+  </p:cSld>
+  <p:clrMapOvr>
+    <a:masterClrMapping/>
+  </p:clrMapOvr>
+</p:sld>
+</file>
+
+<file path=ppt/slides/slide12.xml><?xml version="1.0" encoding="utf-8"?>
+<p:sld xmlns:a="http://schemas.openxmlformats.org/drawingml/2006/main" xmlns:r="http://schemas.openxmlformats.org/officeDocument/2006/relationships" xmlns:p="http://schemas.openxmlformats.org/presentationml/2006/main">
+  <p:cSld>
+    <p:spTree>
+      <p:nvGrpSpPr>
+        <p:cNvPr id="1" name=""/>
+        <p:cNvGrpSpPr/>
+        <p:nvPr/>
+      </p:nvGrpSpPr>
+      <p:grpSpPr>
+        <a:xfrm>
+          <a:off x="0" y="0"/>
+          <a:ext cx="0" cy="0"/>
+          <a:chOff x="0" y="0"/>
+          <a:chExt cx="0" cy="0"/>
+        </a:xfrm>
+      </p:grpSpPr>
+      <p:pic>
+        <p:nvPicPr>
+          <p:cNvPr id="4" name="Graphic 3">
+            <a:extLst>
+              <a:ext uri="{FF2B5EF4-FFF2-40B4-BE49-F238E27FC236}">
+                <a16:creationId xmlns:a16="http://schemas.microsoft.com/office/drawing/2014/main" id="{7D9169C0-7FA5-6E3A-CD13-6856CB505F8D}"/>
+              </a:ext>
+            </a:extLst>
+          </p:cNvPr>
+          <p:cNvPicPr>
+            <a:picLocks noChangeAspect="1"/>
+          </p:cNvPicPr>
+          <p:nvPr/>
+        </p:nvPicPr>
+        <p:blipFill>
+          <a:blip r:embed="rId2">
+            <a:extLst>
+              <a:ext uri="{96DAC541-7B7A-43D3-8B79-37D633B846F1}">
+                <asvg:svgBlip xmlns:asvg="http://schemas.microsoft.com/office/drawing/2016/SVG/main" r:embed="rId3"/>
+              </a:ext>
+            </a:extLst>
+          </a:blip>
+          <a:stretch>
+            <a:fillRect/>
+          </a:stretch>
+        </p:blipFill>
+        <p:spPr>
+          <a:xfrm>
+            <a:off x="1208119" y="137161"/>
+            <a:ext cx="9775762" cy="7040877"/>
+          </a:xfrm>
+          <a:prstGeom prst="rect">
+            <a:avLst/>
+          </a:prstGeom>
+        </p:spPr>
+      </p:pic>
+    </p:spTree>
+    <p:extLst>
+      <p:ext uri="{BB962C8B-B14F-4D97-AF65-F5344CB8AC3E}">
+        <p14:creationId xmlns:p14="http://schemas.microsoft.com/office/powerpoint/2010/main" val="3998073265"/>
+      </p:ext>
+    </p:extLst>
+  </p:cSld>
+  <p:clrMapOvr>
+    <a:masterClrMapping/>
+  </p:clrMapOvr>
+</p:sld>
+</file>
+
+<file path=ppt/slides/slide13.xml><?xml version="1.0" encoding="utf-8"?>
+<p:sld xmlns:a="http://schemas.openxmlformats.org/drawingml/2006/main" xmlns:r="http://schemas.openxmlformats.org/officeDocument/2006/relationships" xmlns:p="http://schemas.openxmlformats.org/presentationml/2006/main">
+  <p:cSld>
+    <p:spTree>
+      <p:nvGrpSpPr>
+        <p:cNvPr id="1" name=""/>
+        <p:cNvGrpSpPr/>
+        <p:nvPr/>
+      </p:nvGrpSpPr>
+      <p:grpSpPr>
+        <a:xfrm>
+          <a:off x="0" y="0"/>
+          <a:ext cx="0" cy="0"/>
+          <a:chOff x="0" y="0"/>
+          <a:chExt cx="0" cy="0"/>
+        </a:xfrm>
+      </p:grpSpPr>
+      <p:pic>
+        <p:nvPicPr>
+          <p:cNvPr id="4" name="Graphic 3">
+            <a:extLst>
+              <a:ext uri="{FF2B5EF4-FFF2-40B4-BE49-F238E27FC236}">
+                <a16:creationId xmlns:a16="http://schemas.microsoft.com/office/drawing/2014/main" id="{3490AB5A-FF5C-5381-308C-711B9AC59E4E}"/>
+              </a:ext>
+            </a:extLst>
+          </p:cNvPr>
+          <p:cNvPicPr>
+            <a:picLocks noChangeAspect="1"/>
+          </p:cNvPicPr>
+          <p:nvPr/>
+        </p:nvPicPr>
+        <p:blipFill>
+          <a:blip r:embed="rId2">
+            <a:extLst>
+              <a:ext uri="{96DAC541-7B7A-43D3-8B79-37D633B846F1}">
+                <asvg:svgBlip xmlns:asvg="http://schemas.microsoft.com/office/drawing/2016/SVG/main" r:embed="rId3"/>
+              </a:ext>
+            </a:extLst>
+          </a:blip>
+          <a:stretch>
+            <a:fillRect/>
+          </a:stretch>
+        </p:blipFill>
+        <p:spPr>
+          <a:xfrm>
+            <a:off x="1251965" y="0"/>
+            <a:ext cx="10210583" cy="7129803"/>
+          </a:xfrm>
+          <a:prstGeom prst="rect">
+            <a:avLst/>
+          </a:prstGeom>
+        </p:spPr>
+      </p:pic>
+    </p:spTree>
+    <p:extLst>
+      <p:ext uri="{BB962C8B-B14F-4D97-AF65-F5344CB8AC3E}">
+        <p14:creationId xmlns:p14="http://schemas.microsoft.com/office/powerpoint/2010/main" val="3082640235"/>
       </p:ext>
     </p:extLst>
   </p:cSld>
@@ -9903,8 +10171,8 @@
           </a:p>
         </p:txBody>
       </p:sp>
-      <mc:AlternateContent xmlns:mc="http://schemas.openxmlformats.org/markup-compatibility/2006">
-        <mc:Choice xmlns:a14="http://schemas.microsoft.com/office/drawing/2010/main" Requires="a14">
+      <mc:AlternateContent xmlns:mc="http://schemas.openxmlformats.org/markup-compatibility/2006" xmlns:a14="http://schemas.microsoft.com/office/drawing/2010/main">
+        <mc:Choice Requires="a14">
           <p:sp>
             <p:nvSpPr>
               <p:cNvPr id="42" name="TextBox 41">
@@ -10043,7 +10311,7 @@
             </p:txBody>
           </p:sp>
         </mc:Choice>
-        <mc:Fallback>
+        <mc:Fallback xmlns="">
           <p:sp>
             <p:nvSpPr>
               <p:cNvPr id="42" name="TextBox 41">
@@ -11026,8 +11294,8 @@
           </p:txBody>
         </p:sp>
       </p:grpSp>
-      <mc:AlternateContent xmlns:mc="http://schemas.openxmlformats.org/markup-compatibility/2006">
-        <mc:Choice xmlns:a14="http://schemas.microsoft.com/office/drawing/2010/main" Requires="a14">
+      <mc:AlternateContent xmlns:mc="http://schemas.openxmlformats.org/markup-compatibility/2006" xmlns:a14="http://schemas.microsoft.com/office/drawing/2010/main">
+        <mc:Choice Requires="a14">
           <p:sp>
             <p:nvSpPr>
               <p:cNvPr id="80" name="TextBox 79">
@@ -11166,7 +11434,7 @@
             </p:txBody>
           </p:sp>
         </mc:Choice>
-        <mc:Fallback>
+        <mc:Fallback xmlns="">
           <p:sp>
             <p:nvSpPr>
               <p:cNvPr id="80" name="TextBox 79">
@@ -12157,8 +12425,8 @@
             </a:p>
           </p:txBody>
         </p:sp>
-        <mc:AlternateContent xmlns:mc="http://schemas.openxmlformats.org/markup-compatibility/2006">
-          <mc:Choice xmlns:a14="http://schemas.microsoft.com/office/drawing/2010/main" Requires="a14">
+        <mc:AlternateContent xmlns:mc="http://schemas.openxmlformats.org/markup-compatibility/2006" xmlns:a14="http://schemas.microsoft.com/office/drawing/2010/main">
+          <mc:Choice Requires="a14">
             <p:sp>
               <p:nvSpPr>
                 <p:cNvPr id="101" name="TextBox 100">
@@ -12227,7 +12495,7 @@
               </p:txBody>
             </p:sp>
           </mc:Choice>
-          <mc:Fallback>
+          <mc:Fallback xmlns="">
             <p:sp>
               <p:nvSpPr>
                 <p:cNvPr id="101" name="TextBox 100">
@@ -12342,8 +12610,8 @@
             </a:p>
           </p:txBody>
         </p:sp>
-        <mc:AlternateContent xmlns:mc="http://schemas.openxmlformats.org/markup-compatibility/2006">
-          <mc:Choice xmlns:a14="http://schemas.microsoft.com/office/drawing/2010/main" Requires="a14">
+        <mc:AlternateContent xmlns:mc="http://schemas.openxmlformats.org/markup-compatibility/2006" xmlns:a14="http://schemas.microsoft.com/office/drawing/2010/main">
+          <mc:Choice Requires="a14">
             <p:sp>
               <p:nvSpPr>
                 <p:cNvPr id="109" name="TextBox 108">
@@ -12412,7 +12680,7 @@
               </p:txBody>
             </p:sp>
           </mc:Choice>
-          <mc:Fallback>
+          <mc:Fallback xmlns="">
             <p:sp>
               <p:nvSpPr>
                 <p:cNvPr id="109" name="TextBox 108">
@@ -12527,8 +12795,8 @@
             </a:p>
           </p:txBody>
         </p:sp>
-        <mc:AlternateContent xmlns:mc="http://schemas.openxmlformats.org/markup-compatibility/2006">
-          <mc:Choice xmlns:a14="http://schemas.microsoft.com/office/drawing/2010/main" Requires="a14">
+        <mc:AlternateContent xmlns:mc="http://schemas.openxmlformats.org/markup-compatibility/2006" xmlns:a14="http://schemas.microsoft.com/office/drawing/2010/main">
+          <mc:Choice Requires="a14">
             <p:sp>
               <p:nvSpPr>
                 <p:cNvPr id="112" name="TextBox 111">
@@ -12597,7 +12865,7 @@
               </p:txBody>
             </p:sp>
           </mc:Choice>
-          <mc:Fallback>
+          <mc:Fallback xmlns="">
             <p:sp>
               <p:nvSpPr>
                 <p:cNvPr id="112" name="TextBox 111">
@@ -12712,8 +12980,8 @@
             </a:p>
           </p:txBody>
         </p:sp>
-        <mc:AlternateContent xmlns:mc="http://schemas.openxmlformats.org/markup-compatibility/2006">
-          <mc:Choice xmlns:a14="http://schemas.microsoft.com/office/drawing/2010/main" Requires="a14">
+        <mc:AlternateContent xmlns:mc="http://schemas.openxmlformats.org/markup-compatibility/2006" xmlns:a14="http://schemas.microsoft.com/office/drawing/2010/main">
+          <mc:Choice Requires="a14">
             <p:sp>
               <p:nvSpPr>
                 <p:cNvPr id="115" name="TextBox 114">
@@ -12782,7 +13050,7 @@
               </p:txBody>
             </p:sp>
           </mc:Choice>
-          <mc:Fallback>
+          <mc:Fallback xmlns="">
             <p:sp>
               <p:nvSpPr>
                 <p:cNvPr id="115" name="TextBox 114">
@@ -12897,8 +13165,8 @@
             </a:p>
           </p:txBody>
         </p:sp>
-        <mc:AlternateContent xmlns:mc="http://schemas.openxmlformats.org/markup-compatibility/2006">
-          <mc:Choice xmlns:a14="http://schemas.microsoft.com/office/drawing/2010/main" Requires="a14">
+        <mc:AlternateContent xmlns:mc="http://schemas.openxmlformats.org/markup-compatibility/2006" xmlns:a14="http://schemas.microsoft.com/office/drawing/2010/main">
+          <mc:Choice Requires="a14">
             <p:sp>
               <p:nvSpPr>
                 <p:cNvPr id="118" name="TextBox 117">
@@ -12967,7 +13235,7 @@
               </p:txBody>
             </p:sp>
           </mc:Choice>
-          <mc:Fallback>
+          <mc:Fallback xmlns="">
             <p:sp>
               <p:nvSpPr>
                 <p:cNvPr id="118" name="TextBox 117">
@@ -13082,8 +13350,8 @@
             </a:p>
           </p:txBody>
         </p:sp>
-        <mc:AlternateContent xmlns:mc="http://schemas.openxmlformats.org/markup-compatibility/2006">
-          <mc:Choice xmlns:a14="http://schemas.microsoft.com/office/drawing/2010/main" Requires="a14">
+        <mc:AlternateContent xmlns:mc="http://schemas.openxmlformats.org/markup-compatibility/2006" xmlns:a14="http://schemas.microsoft.com/office/drawing/2010/main">
+          <mc:Choice Requires="a14">
             <p:sp>
               <p:nvSpPr>
                 <p:cNvPr id="121" name="TextBox 120">
@@ -13152,7 +13420,7 @@
               </p:txBody>
             </p:sp>
           </mc:Choice>
-          <mc:Fallback>
+          <mc:Fallback xmlns="">
             <p:sp>
               <p:nvSpPr>
                 <p:cNvPr id="121" name="TextBox 120">
@@ -14572,8 +14840,8 @@
             </a:p>
           </p:txBody>
         </p:sp>
-        <mc:AlternateContent xmlns:mc="http://schemas.openxmlformats.org/markup-compatibility/2006">
-          <mc:Choice xmlns:a14="http://schemas.microsoft.com/office/drawing/2010/main" Requires="a14">
+        <mc:AlternateContent xmlns:mc="http://schemas.openxmlformats.org/markup-compatibility/2006" xmlns:a14="http://schemas.microsoft.com/office/drawing/2010/main">
+          <mc:Choice Requires="a14">
             <p:sp>
               <p:nvSpPr>
                 <p:cNvPr id="144" name="TextBox 143">
@@ -14642,7 +14910,7 @@
               </p:txBody>
             </p:sp>
           </mc:Choice>
-          <mc:Fallback>
+          <mc:Fallback xmlns="">
             <p:sp>
               <p:nvSpPr>
                 <p:cNvPr id="144" name="TextBox 143">
@@ -14757,8 +15025,8 @@
             </a:p>
           </p:txBody>
         </p:sp>
-        <mc:AlternateContent xmlns:mc="http://schemas.openxmlformats.org/markup-compatibility/2006">
-          <mc:Choice xmlns:a14="http://schemas.microsoft.com/office/drawing/2010/main" Requires="a14">
+        <mc:AlternateContent xmlns:mc="http://schemas.openxmlformats.org/markup-compatibility/2006" xmlns:a14="http://schemas.microsoft.com/office/drawing/2010/main">
+          <mc:Choice Requires="a14">
             <p:sp>
               <p:nvSpPr>
                 <p:cNvPr id="147" name="TextBox 146">
@@ -14827,7 +15095,7 @@
               </p:txBody>
             </p:sp>
           </mc:Choice>
-          <mc:Fallback>
+          <mc:Fallback xmlns="">
             <p:sp>
               <p:nvSpPr>
                 <p:cNvPr id="147" name="TextBox 146">
@@ -14942,8 +15210,8 @@
             </a:p>
           </p:txBody>
         </p:sp>
-        <mc:AlternateContent xmlns:mc="http://schemas.openxmlformats.org/markup-compatibility/2006">
-          <mc:Choice xmlns:a14="http://schemas.microsoft.com/office/drawing/2010/main" Requires="a14">
+        <mc:AlternateContent xmlns:mc="http://schemas.openxmlformats.org/markup-compatibility/2006" xmlns:a14="http://schemas.microsoft.com/office/drawing/2010/main">
+          <mc:Choice Requires="a14">
             <p:sp>
               <p:nvSpPr>
                 <p:cNvPr id="150" name="TextBox 149">
@@ -15012,7 +15280,7 @@
               </p:txBody>
             </p:sp>
           </mc:Choice>
-          <mc:Fallback>
+          <mc:Fallback xmlns="">
             <p:sp>
               <p:nvSpPr>
                 <p:cNvPr id="150" name="TextBox 149">
@@ -15127,8 +15395,8 @@
             </a:p>
           </p:txBody>
         </p:sp>
-        <mc:AlternateContent xmlns:mc="http://schemas.openxmlformats.org/markup-compatibility/2006">
-          <mc:Choice xmlns:a14="http://schemas.microsoft.com/office/drawing/2010/main" Requires="a14">
+        <mc:AlternateContent xmlns:mc="http://schemas.openxmlformats.org/markup-compatibility/2006" xmlns:a14="http://schemas.microsoft.com/office/drawing/2010/main">
+          <mc:Choice Requires="a14">
             <p:sp>
               <p:nvSpPr>
                 <p:cNvPr id="153" name="TextBox 152">
@@ -15197,7 +15465,7 @@
               </p:txBody>
             </p:sp>
           </mc:Choice>
-          <mc:Fallback>
+          <mc:Fallback xmlns="">
             <p:sp>
               <p:nvSpPr>
                 <p:cNvPr id="153" name="TextBox 152">
@@ -15312,8 +15580,8 @@
             </a:p>
           </p:txBody>
         </p:sp>
-        <mc:AlternateContent xmlns:mc="http://schemas.openxmlformats.org/markup-compatibility/2006">
-          <mc:Choice xmlns:a14="http://schemas.microsoft.com/office/drawing/2010/main" Requires="a14">
+        <mc:AlternateContent xmlns:mc="http://schemas.openxmlformats.org/markup-compatibility/2006" xmlns:a14="http://schemas.microsoft.com/office/drawing/2010/main">
+          <mc:Choice Requires="a14">
             <p:sp>
               <p:nvSpPr>
                 <p:cNvPr id="156" name="TextBox 155">
@@ -15382,7 +15650,7 @@
               </p:txBody>
             </p:sp>
           </mc:Choice>
-          <mc:Fallback>
+          <mc:Fallback xmlns="">
             <p:sp>
               <p:nvSpPr>
                 <p:cNvPr id="156" name="TextBox 155">
@@ -15428,8 +15696,8 @@
           </mc:Fallback>
         </mc:AlternateContent>
       </p:grpSp>
-      <mc:AlternateContent xmlns:mc="http://schemas.openxmlformats.org/markup-compatibility/2006">
-        <mc:Choice xmlns:a14="http://schemas.microsoft.com/office/drawing/2010/main" Requires="a14">
+      <mc:AlternateContent xmlns:mc="http://schemas.openxmlformats.org/markup-compatibility/2006" xmlns:a14="http://schemas.microsoft.com/office/drawing/2010/main">
+        <mc:Choice Requires="a14">
           <p:sp>
             <p:nvSpPr>
               <p:cNvPr id="157" name="TextBox 156">
@@ -15654,7 +15922,7 @@
             </p:txBody>
           </p:sp>
         </mc:Choice>
-        <mc:Fallback>
+        <mc:Fallback xmlns="">
           <p:sp>
             <p:nvSpPr>
               <p:cNvPr id="157" name="TextBox 156">
@@ -15699,8 +15967,8 @@
           </p:sp>
         </mc:Fallback>
       </mc:AlternateContent>
-      <mc:AlternateContent xmlns:mc="http://schemas.openxmlformats.org/markup-compatibility/2006">
-        <mc:Choice xmlns:a14="http://schemas.microsoft.com/office/drawing/2010/main" Requires="a14">
+      <mc:AlternateContent xmlns:mc="http://schemas.openxmlformats.org/markup-compatibility/2006" xmlns:a14="http://schemas.microsoft.com/office/drawing/2010/main">
+        <mc:Choice Requires="a14">
           <p:sp>
             <p:nvSpPr>
               <p:cNvPr id="158" name="TextBox 157">
@@ -15962,7 +16230,7 @@
             </p:txBody>
           </p:sp>
         </mc:Choice>
-        <mc:Fallback>
+        <mc:Fallback xmlns="">
           <p:sp>
             <p:nvSpPr>
               <p:cNvPr id="158" name="TextBox 157">
@@ -17218,8 +17486,8 @@
             </a:p>
           </p:txBody>
         </p:sp>
-        <mc:AlternateContent xmlns:mc="http://schemas.openxmlformats.org/markup-compatibility/2006">
-          <mc:Choice xmlns:a14="http://schemas.microsoft.com/office/drawing/2010/main" Requires="a14">
+        <mc:AlternateContent xmlns:mc="http://schemas.openxmlformats.org/markup-compatibility/2006" xmlns:a14="http://schemas.microsoft.com/office/drawing/2010/main">
+          <mc:Choice Requires="a14">
             <p:sp>
               <p:nvSpPr>
                 <p:cNvPr id="183" name="TextBox 182">
@@ -17288,7 +17556,7 @@
               </p:txBody>
             </p:sp>
           </mc:Choice>
-          <mc:Fallback>
+          <mc:Fallback xmlns="">
             <p:sp>
               <p:nvSpPr>
                 <p:cNvPr id="183" name="TextBox 182">
@@ -17403,8 +17671,8 @@
             </a:p>
           </p:txBody>
         </p:sp>
-        <mc:AlternateContent xmlns:mc="http://schemas.openxmlformats.org/markup-compatibility/2006">
-          <mc:Choice xmlns:a14="http://schemas.microsoft.com/office/drawing/2010/main" Requires="a14">
+        <mc:AlternateContent xmlns:mc="http://schemas.openxmlformats.org/markup-compatibility/2006" xmlns:a14="http://schemas.microsoft.com/office/drawing/2010/main">
+          <mc:Choice Requires="a14">
             <p:sp>
               <p:nvSpPr>
                 <p:cNvPr id="186" name="TextBox 185">
@@ -17473,7 +17741,7 @@
               </p:txBody>
             </p:sp>
           </mc:Choice>
-          <mc:Fallback>
+          <mc:Fallback xmlns="">
             <p:sp>
               <p:nvSpPr>
                 <p:cNvPr id="186" name="TextBox 185">
@@ -17588,8 +17856,8 @@
             </a:p>
           </p:txBody>
         </p:sp>
-        <mc:AlternateContent xmlns:mc="http://schemas.openxmlformats.org/markup-compatibility/2006">
-          <mc:Choice xmlns:a14="http://schemas.microsoft.com/office/drawing/2010/main" Requires="a14">
+        <mc:AlternateContent xmlns:mc="http://schemas.openxmlformats.org/markup-compatibility/2006" xmlns:a14="http://schemas.microsoft.com/office/drawing/2010/main">
+          <mc:Choice Requires="a14">
             <p:sp>
               <p:nvSpPr>
                 <p:cNvPr id="189" name="TextBox 188">
@@ -17658,7 +17926,7 @@
               </p:txBody>
             </p:sp>
           </mc:Choice>
-          <mc:Fallback>
+          <mc:Fallback xmlns="">
             <p:sp>
               <p:nvSpPr>
                 <p:cNvPr id="189" name="TextBox 188">
@@ -17773,8 +18041,8 @@
             </a:p>
           </p:txBody>
         </p:sp>
-        <mc:AlternateContent xmlns:mc="http://schemas.openxmlformats.org/markup-compatibility/2006">
-          <mc:Choice xmlns:a14="http://schemas.microsoft.com/office/drawing/2010/main" Requires="a14">
+        <mc:AlternateContent xmlns:mc="http://schemas.openxmlformats.org/markup-compatibility/2006" xmlns:a14="http://schemas.microsoft.com/office/drawing/2010/main">
+          <mc:Choice Requires="a14">
             <p:sp>
               <p:nvSpPr>
                 <p:cNvPr id="192" name="TextBox 191">
@@ -17843,7 +18111,7 @@
               </p:txBody>
             </p:sp>
           </mc:Choice>
-          <mc:Fallback>
+          <mc:Fallback xmlns="">
             <p:sp>
               <p:nvSpPr>
                 <p:cNvPr id="192" name="TextBox 191">
@@ -17889,8 +18157,8 @@
           </mc:Fallback>
         </mc:AlternateContent>
       </p:grpSp>
-      <mc:AlternateContent xmlns:mc="http://schemas.openxmlformats.org/markup-compatibility/2006">
-        <mc:Choice xmlns:a14="http://schemas.microsoft.com/office/drawing/2010/main" Requires="a14">
+      <mc:AlternateContent xmlns:mc="http://schemas.openxmlformats.org/markup-compatibility/2006" xmlns:a14="http://schemas.microsoft.com/office/drawing/2010/main">
+        <mc:Choice Requires="a14">
           <p:sp>
             <p:nvSpPr>
               <p:cNvPr id="196" name="TextBox 195">
@@ -18127,7 +18395,7 @@
             </p:txBody>
           </p:sp>
         </mc:Choice>
-        <mc:Fallback>
+        <mc:Fallback xmlns="">
           <p:sp>
             <p:nvSpPr>
               <p:cNvPr id="196" name="TextBox 195">

--- a/figures/figures.pptx
+++ b/figures/figures.pptx
@@ -5,7 +5,7 @@
     <p:sldMasterId id="2147483660" r:id="rId1"/>
   </p:sldMasterIdLst>
   <p:notesMasterIdLst>
-    <p:notesMasterId r:id="rId15"/>
+    <p:notesMasterId r:id="rId17"/>
   </p:notesMasterIdLst>
   <p:sldIdLst>
     <p:sldId id="275" r:id="rId2"/>
@@ -21,6 +21,8 @@
     <p:sldId id="288" r:id="rId12"/>
     <p:sldId id="289" r:id="rId13"/>
     <p:sldId id="290" r:id="rId14"/>
+    <p:sldId id="291" r:id="rId15"/>
+    <p:sldId id="293" r:id="rId16"/>
   </p:sldIdLst>
   <p:sldSz cx="12192000" cy="7315200"/>
   <p:notesSz cx="6858000" cy="9144000"/>
@@ -5116,6 +5118,5490 @@
 </p:sld>
 </file>
 
+<file path=ppt/slides/slide14.xml><?xml version="1.0" encoding="utf-8"?>
+<p:sld xmlns:a="http://schemas.openxmlformats.org/drawingml/2006/main" xmlns:r="http://schemas.openxmlformats.org/officeDocument/2006/relationships" xmlns:p="http://schemas.openxmlformats.org/presentationml/2006/main">
+  <p:cSld>
+    <p:spTree>
+      <p:nvGrpSpPr>
+        <p:cNvPr id="1" name=""/>
+        <p:cNvGrpSpPr/>
+        <p:nvPr/>
+      </p:nvGrpSpPr>
+      <p:grpSpPr>
+        <a:xfrm>
+          <a:off x="0" y="0"/>
+          <a:ext cx="0" cy="0"/>
+          <a:chOff x="0" y="0"/>
+          <a:chExt cx="0" cy="0"/>
+        </a:xfrm>
+      </p:grpSpPr>
+      <p:pic>
+        <p:nvPicPr>
+          <p:cNvPr id="145" name="Graphic 144">
+            <a:extLst>
+              <a:ext uri="{FF2B5EF4-FFF2-40B4-BE49-F238E27FC236}">
+                <a16:creationId xmlns:a16="http://schemas.microsoft.com/office/drawing/2014/main" id="{3DE9F8B9-B158-C9E4-BBC3-958819217425}"/>
+              </a:ext>
+            </a:extLst>
+          </p:cNvPr>
+          <p:cNvPicPr>
+            <a:picLocks noChangeAspect="1"/>
+          </p:cNvPicPr>
+          <p:nvPr/>
+        </p:nvPicPr>
+        <p:blipFill>
+          <a:blip r:embed="rId2">
+            <a:extLst>
+              <a:ext uri="{96DAC541-7B7A-43D3-8B79-37D633B846F1}">
+                <asvg:svgBlip xmlns:asvg="http://schemas.microsoft.com/office/drawing/2016/SVG/main" r:embed="rId3"/>
+              </a:ext>
+            </a:extLst>
+          </a:blip>
+          <a:stretch>
+            <a:fillRect/>
+          </a:stretch>
+        </p:blipFill>
+        <p:spPr>
+          <a:xfrm>
+            <a:off x="2952750" y="793750"/>
+            <a:ext cx="6286500" cy="5727700"/>
+          </a:xfrm>
+          <a:prstGeom prst="rect">
+            <a:avLst/>
+          </a:prstGeom>
+        </p:spPr>
+      </p:pic>
+    </p:spTree>
+    <p:extLst>
+      <p:ext uri="{BB962C8B-B14F-4D97-AF65-F5344CB8AC3E}">
+        <p14:creationId xmlns:p14="http://schemas.microsoft.com/office/powerpoint/2010/main" val="2979339291"/>
+      </p:ext>
+    </p:extLst>
+  </p:cSld>
+  <p:clrMapOvr>
+    <a:masterClrMapping/>
+  </p:clrMapOvr>
+</p:sld>
+</file>
+
+<file path=ppt/slides/slide15.xml><?xml version="1.0" encoding="utf-8"?>
+<p:sld xmlns:a="http://schemas.openxmlformats.org/drawingml/2006/main" xmlns:r="http://schemas.openxmlformats.org/officeDocument/2006/relationships" xmlns:p="http://schemas.openxmlformats.org/presentationml/2006/main">
+  <p:cSld>
+    <p:spTree>
+      <p:nvGrpSpPr>
+        <p:cNvPr id="1" name=""/>
+        <p:cNvGrpSpPr/>
+        <p:nvPr/>
+      </p:nvGrpSpPr>
+      <p:grpSpPr>
+        <a:xfrm>
+          <a:off x="0" y="0"/>
+          <a:ext cx="0" cy="0"/>
+          <a:chOff x="0" y="0"/>
+          <a:chExt cx="0" cy="0"/>
+        </a:xfrm>
+      </p:grpSpPr>
+      <p:grpSp>
+        <p:nvGrpSpPr>
+          <p:cNvPr id="144" name="Group 143">
+            <a:extLst>
+              <a:ext uri="{FF2B5EF4-FFF2-40B4-BE49-F238E27FC236}">
+                <a16:creationId xmlns:a16="http://schemas.microsoft.com/office/drawing/2014/main" id="{C8545728-0A2C-2CD7-FE6F-53C358A5F201}"/>
+              </a:ext>
+            </a:extLst>
+          </p:cNvPr>
+          <p:cNvGrpSpPr/>
+          <p:nvPr/>
+        </p:nvGrpSpPr>
+        <p:grpSpPr>
+          <a:xfrm>
+            <a:off x="642450" y="-721707"/>
+            <a:ext cx="8384761" cy="7628768"/>
+            <a:chOff x="642450" y="-750890"/>
+            <a:chExt cx="8384761" cy="7628768"/>
+          </a:xfrm>
+        </p:grpSpPr>
+        <p:sp>
+          <p:nvSpPr>
+            <p:cNvPr id="4" name="Rectangle 3">
+              <a:extLst>
+                <a:ext uri="{FF2B5EF4-FFF2-40B4-BE49-F238E27FC236}">
+                  <a16:creationId xmlns:a16="http://schemas.microsoft.com/office/drawing/2014/main" id="{207F53B2-53DA-8AAF-5277-331319A93F0E}"/>
+                </a:ext>
+              </a:extLst>
+            </p:cNvPr>
+            <p:cNvSpPr/>
+            <p:nvPr/>
+          </p:nvSpPr>
+          <p:spPr>
+            <a:xfrm>
+              <a:off x="655983" y="6639339"/>
+              <a:ext cx="894521" cy="238539"/>
+            </a:xfrm>
+            <a:prstGeom prst="rect">
+              <a:avLst/>
+            </a:prstGeom>
+          </p:spPr>
+          <p:style>
+            <a:lnRef idx="2">
+              <a:schemeClr val="accent1">
+                <a:shade val="50000"/>
+              </a:schemeClr>
+            </a:lnRef>
+            <a:fillRef idx="1">
+              <a:schemeClr val="accent1"/>
+            </a:fillRef>
+            <a:effectRef idx="0">
+              <a:schemeClr val="accent1"/>
+            </a:effectRef>
+            <a:fontRef idx="minor">
+              <a:schemeClr val="lt1"/>
+            </a:fontRef>
+          </p:style>
+          <p:txBody>
+            <a:bodyPr rtlCol="0" anchor="ctr"/>
+            <a:lstStyle/>
+            <a:p>
+              <a:pPr algn="ctr"/>
+              <a:endParaRPr lang="en-US"/>
+            </a:p>
+          </p:txBody>
+        </p:sp>
+        <p:sp>
+          <p:nvSpPr>
+            <p:cNvPr id="5" name="Rectangle 4">
+              <a:extLst>
+                <a:ext uri="{FF2B5EF4-FFF2-40B4-BE49-F238E27FC236}">
+                  <a16:creationId xmlns:a16="http://schemas.microsoft.com/office/drawing/2014/main" id="{53041D5E-AF4F-07CE-3FAC-6221BCAE981C}"/>
+                </a:ext>
+              </a:extLst>
+            </p:cNvPr>
+            <p:cNvSpPr/>
+            <p:nvPr/>
+          </p:nvSpPr>
+          <p:spPr>
+            <a:xfrm>
+              <a:off x="1722783" y="6639339"/>
+              <a:ext cx="894521" cy="238539"/>
+            </a:xfrm>
+            <a:prstGeom prst="rect">
+              <a:avLst/>
+            </a:prstGeom>
+          </p:spPr>
+          <p:style>
+            <a:lnRef idx="2">
+              <a:schemeClr val="accent1">
+                <a:shade val="50000"/>
+              </a:schemeClr>
+            </a:lnRef>
+            <a:fillRef idx="1">
+              <a:schemeClr val="accent1"/>
+            </a:fillRef>
+            <a:effectRef idx="0">
+              <a:schemeClr val="accent1"/>
+            </a:effectRef>
+            <a:fontRef idx="minor">
+              <a:schemeClr val="lt1"/>
+            </a:fontRef>
+          </p:style>
+          <p:txBody>
+            <a:bodyPr rtlCol="0" anchor="ctr"/>
+            <a:lstStyle/>
+            <a:p>
+              <a:pPr algn="ctr"/>
+              <a:endParaRPr lang="en-US"/>
+            </a:p>
+          </p:txBody>
+        </p:sp>
+        <p:sp>
+          <p:nvSpPr>
+            <p:cNvPr id="6" name="Rectangle 5">
+              <a:extLst>
+                <a:ext uri="{FF2B5EF4-FFF2-40B4-BE49-F238E27FC236}">
+                  <a16:creationId xmlns:a16="http://schemas.microsoft.com/office/drawing/2014/main" id="{B92CF39E-BA49-A7EF-C965-2CA9D9083E0C}"/>
+                </a:ext>
+              </a:extLst>
+            </p:cNvPr>
+            <p:cNvSpPr/>
+            <p:nvPr/>
+          </p:nvSpPr>
+          <p:spPr>
+            <a:xfrm>
+              <a:off x="2789583" y="6639339"/>
+              <a:ext cx="894521" cy="238539"/>
+            </a:xfrm>
+            <a:prstGeom prst="rect">
+              <a:avLst/>
+            </a:prstGeom>
+          </p:spPr>
+          <p:style>
+            <a:lnRef idx="2">
+              <a:schemeClr val="accent1">
+                <a:shade val="50000"/>
+              </a:schemeClr>
+            </a:lnRef>
+            <a:fillRef idx="1">
+              <a:schemeClr val="accent1"/>
+            </a:fillRef>
+            <a:effectRef idx="0">
+              <a:schemeClr val="accent1"/>
+            </a:effectRef>
+            <a:fontRef idx="minor">
+              <a:schemeClr val="lt1"/>
+            </a:fontRef>
+          </p:style>
+          <p:txBody>
+            <a:bodyPr rtlCol="0" anchor="ctr"/>
+            <a:lstStyle/>
+            <a:p>
+              <a:pPr algn="ctr"/>
+              <a:endParaRPr lang="en-US"/>
+            </a:p>
+          </p:txBody>
+        </p:sp>
+        <p:sp>
+          <p:nvSpPr>
+            <p:cNvPr id="7" name="Rectangle 6">
+              <a:extLst>
+                <a:ext uri="{FF2B5EF4-FFF2-40B4-BE49-F238E27FC236}">
+                  <a16:creationId xmlns:a16="http://schemas.microsoft.com/office/drawing/2014/main" id="{F7350536-3EAC-1603-89CD-E90BE389AB79}"/>
+                </a:ext>
+              </a:extLst>
+            </p:cNvPr>
+            <p:cNvSpPr/>
+            <p:nvPr/>
+          </p:nvSpPr>
+          <p:spPr>
+            <a:xfrm>
+              <a:off x="3856383" y="6639339"/>
+              <a:ext cx="894521" cy="238539"/>
+            </a:xfrm>
+            <a:prstGeom prst="rect">
+              <a:avLst/>
+            </a:prstGeom>
+          </p:spPr>
+          <p:style>
+            <a:lnRef idx="2">
+              <a:schemeClr val="accent1">
+                <a:shade val="50000"/>
+              </a:schemeClr>
+            </a:lnRef>
+            <a:fillRef idx="1">
+              <a:schemeClr val="accent1"/>
+            </a:fillRef>
+            <a:effectRef idx="0">
+              <a:schemeClr val="accent1"/>
+            </a:effectRef>
+            <a:fontRef idx="minor">
+              <a:schemeClr val="lt1"/>
+            </a:fontRef>
+          </p:style>
+          <p:txBody>
+            <a:bodyPr rtlCol="0" anchor="ctr"/>
+            <a:lstStyle/>
+            <a:p>
+              <a:pPr algn="ctr"/>
+              <a:endParaRPr lang="en-US"/>
+            </a:p>
+          </p:txBody>
+        </p:sp>
+        <p:sp>
+          <p:nvSpPr>
+            <p:cNvPr id="8" name="Rectangle 7">
+              <a:extLst>
+                <a:ext uri="{FF2B5EF4-FFF2-40B4-BE49-F238E27FC236}">
+                  <a16:creationId xmlns:a16="http://schemas.microsoft.com/office/drawing/2014/main" id="{BA0032BC-36C7-467F-9293-94276B23F79E}"/>
+                </a:ext>
+              </a:extLst>
+            </p:cNvPr>
+            <p:cNvSpPr/>
+            <p:nvPr/>
+          </p:nvSpPr>
+          <p:spPr>
+            <a:xfrm>
+              <a:off x="4923183" y="6639339"/>
+              <a:ext cx="894521" cy="238539"/>
+            </a:xfrm>
+            <a:prstGeom prst="rect">
+              <a:avLst/>
+            </a:prstGeom>
+          </p:spPr>
+          <p:style>
+            <a:lnRef idx="2">
+              <a:schemeClr val="accent1">
+                <a:shade val="50000"/>
+              </a:schemeClr>
+            </a:lnRef>
+            <a:fillRef idx="1">
+              <a:schemeClr val="accent1"/>
+            </a:fillRef>
+            <a:effectRef idx="0">
+              <a:schemeClr val="accent1"/>
+            </a:effectRef>
+            <a:fontRef idx="minor">
+              <a:schemeClr val="lt1"/>
+            </a:fontRef>
+          </p:style>
+          <p:txBody>
+            <a:bodyPr rtlCol="0" anchor="ctr"/>
+            <a:lstStyle/>
+            <a:p>
+              <a:pPr algn="ctr"/>
+              <a:endParaRPr lang="en-US"/>
+            </a:p>
+          </p:txBody>
+        </p:sp>
+        <p:sp>
+          <p:nvSpPr>
+            <p:cNvPr id="9" name="Rectangle 8">
+              <a:extLst>
+                <a:ext uri="{FF2B5EF4-FFF2-40B4-BE49-F238E27FC236}">
+                  <a16:creationId xmlns:a16="http://schemas.microsoft.com/office/drawing/2014/main" id="{237722D0-F9EB-9CE6-202C-7EE342D3AB49}"/>
+                </a:ext>
+              </a:extLst>
+            </p:cNvPr>
+            <p:cNvSpPr/>
+            <p:nvPr/>
+          </p:nvSpPr>
+          <p:spPr>
+            <a:xfrm>
+              <a:off x="5989983" y="6639339"/>
+              <a:ext cx="894521" cy="238539"/>
+            </a:xfrm>
+            <a:prstGeom prst="rect">
+              <a:avLst/>
+            </a:prstGeom>
+          </p:spPr>
+          <p:style>
+            <a:lnRef idx="2">
+              <a:schemeClr val="accent1">
+                <a:shade val="50000"/>
+              </a:schemeClr>
+            </a:lnRef>
+            <a:fillRef idx="1">
+              <a:schemeClr val="accent1"/>
+            </a:fillRef>
+            <a:effectRef idx="0">
+              <a:schemeClr val="accent1"/>
+            </a:effectRef>
+            <a:fontRef idx="minor">
+              <a:schemeClr val="lt1"/>
+            </a:fontRef>
+          </p:style>
+          <p:txBody>
+            <a:bodyPr rtlCol="0" anchor="ctr"/>
+            <a:lstStyle/>
+            <a:p>
+              <a:pPr algn="ctr"/>
+              <a:endParaRPr lang="en-US"/>
+            </a:p>
+          </p:txBody>
+        </p:sp>
+        <p:sp>
+          <p:nvSpPr>
+            <p:cNvPr id="10" name="Rectangle 9">
+              <a:extLst>
+                <a:ext uri="{FF2B5EF4-FFF2-40B4-BE49-F238E27FC236}">
+                  <a16:creationId xmlns:a16="http://schemas.microsoft.com/office/drawing/2014/main" id="{C3497C57-60B7-4D01-4F43-5B355E514466}"/>
+                </a:ext>
+              </a:extLst>
+            </p:cNvPr>
+            <p:cNvSpPr/>
+            <p:nvPr/>
+          </p:nvSpPr>
+          <p:spPr>
+            <a:xfrm>
+              <a:off x="7056783" y="6639339"/>
+              <a:ext cx="894521" cy="238539"/>
+            </a:xfrm>
+            <a:prstGeom prst="rect">
+              <a:avLst/>
+            </a:prstGeom>
+          </p:spPr>
+          <p:style>
+            <a:lnRef idx="2">
+              <a:schemeClr val="accent1">
+                <a:shade val="50000"/>
+              </a:schemeClr>
+            </a:lnRef>
+            <a:fillRef idx="1">
+              <a:schemeClr val="accent1"/>
+            </a:fillRef>
+            <a:effectRef idx="0">
+              <a:schemeClr val="accent1"/>
+            </a:effectRef>
+            <a:fontRef idx="minor">
+              <a:schemeClr val="lt1"/>
+            </a:fontRef>
+          </p:style>
+          <p:txBody>
+            <a:bodyPr rtlCol="0" anchor="ctr"/>
+            <a:lstStyle/>
+            <a:p>
+              <a:pPr algn="ctr"/>
+              <a:endParaRPr lang="en-US"/>
+            </a:p>
+          </p:txBody>
+        </p:sp>
+        <p:sp>
+          <p:nvSpPr>
+            <p:cNvPr id="11" name="Rectangle 10">
+              <a:extLst>
+                <a:ext uri="{FF2B5EF4-FFF2-40B4-BE49-F238E27FC236}">
+                  <a16:creationId xmlns:a16="http://schemas.microsoft.com/office/drawing/2014/main" id="{88AB24FA-FB85-E9CD-3433-52A0F2626C5D}"/>
+                </a:ext>
+              </a:extLst>
+            </p:cNvPr>
+            <p:cNvSpPr/>
+            <p:nvPr/>
+          </p:nvSpPr>
+          <p:spPr>
+            <a:xfrm>
+              <a:off x="8123583" y="6639339"/>
+              <a:ext cx="894521" cy="238539"/>
+            </a:xfrm>
+            <a:prstGeom prst="rect">
+              <a:avLst/>
+            </a:prstGeom>
+          </p:spPr>
+          <p:style>
+            <a:lnRef idx="2">
+              <a:schemeClr val="accent1">
+                <a:shade val="50000"/>
+              </a:schemeClr>
+            </a:lnRef>
+            <a:fillRef idx="1">
+              <a:schemeClr val="accent1"/>
+            </a:fillRef>
+            <a:effectRef idx="0">
+              <a:schemeClr val="accent1"/>
+            </a:effectRef>
+            <a:fontRef idx="minor">
+              <a:schemeClr val="lt1"/>
+            </a:fontRef>
+          </p:style>
+          <p:txBody>
+            <a:bodyPr rtlCol="0" anchor="ctr"/>
+            <a:lstStyle/>
+            <a:p>
+              <a:pPr algn="ctr"/>
+              <a:endParaRPr lang="en-US"/>
+            </a:p>
+          </p:txBody>
+        </p:sp>
+        <p:sp>
+          <p:nvSpPr>
+            <p:cNvPr id="12" name="Rectangle 11">
+              <a:extLst>
+                <a:ext uri="{FF2B5EF4-FFF2-40B4-BE49-F238E27FC236}">
+                  <a16:creationId xmlns:a16="http://schemas.microsoft.com/office/drawing/2014/main" id="{4C34118C-7F1D-BC9D-061E-8474ABAB599E}"/>
+                </a:ext>
+              </a:extLst>
+            </p:cNvPr>
+            <p:cNvSpPr/>
+            <p:nvPr/>
+          </p:nvSpPr>
+          <p:spPr>
+            <a:xfrm>
+              <a:off x="655983" y="5599043"/>
+              <a:ext cx="1961321" cy="238539"/>
+            </a:xfrm>
+            <a:prstGeom prst="rect">
+              <a:avLst/>
+            </a:prstGeom>
+          </p:spPr>
+          <p:style>
+            <a:lnRef idx="2">
+              <a:schemeClr val="accent1">
+                <a:shade val="50000"/>
+              </a:schemeClr>
+            </a:lnRef>
+            <a:fillRef idx="1">
+              <a:schemeClr val="accent1"/>
+            </a:fillRef>
+            <a:effectRef idx="0">
+              <a:schemeClr val="accent1"/>
+            </a:effectRef>
+            <a:fontRef idx="minor">
+              <a:schemeClr val="lt1"/>
+            </a:fontRef>
+          </p:style>
+          <p:txBody>
+            <a:bodyPr rtlCol="0" anchor="ctr"/>
+            <a:lstStyle/>
+            <a:p>
+              <a:pPr algn="ctr"/>
+              <a:endParaRPr lang="en-US"/>
+            </a:p>
+          </p:txBody>
+        </p:sp>
+        <p:sp>
+          <p:nvSpPr>
+            <p:cNvPr id="13" name="Rectangle 12">
+              <a:extLst>
+                <a:ext uri="{FF2B5EF4-FFF2-40B4-BE49-F238E27FC236}">
+                  <a16:creationId xmlns:a16="http://schemas.microsoft.com/office/drawing/2014/main" id="{656A26D1-401D-931F-6697-7EE2186EEBD4}"/>
+                </a:ext>
+              </a:extLst>
+            </p:cNvPr>
+            <p:cNvSpPr/>
+            <p:nvPr/>
+          </p:nvSpPr>
+          <p:spPr>
+            <a:xfrm>
+              <a:off x="2789583" y="5599043"/>
+              <a:ext cx="1961321" cy="238539"/>
+            </a:xfrm>
+            <a:prstGeom prst="rect">
+              <a:avLst/>
+            </a:prstGeom>
+          </p:spPr>
+          <p:style>
+            <a:lnRef idx="2">
+              <a:schemeClr val="accent1">
+                <a:shade val="50000"/>
+              </a:schemeClr>
+            </a:lnRef>
+            <a:fillRef idx="1">
+              <a:schemeClr val="accent1"/>
+            </a:fillRef>
+            <a:effectRef idx="0">
+              <a:schemeClr val="accent1"/>
+            </a:effectRef>
+            <a:fontRef idx="minor">
+              <a:schemeClr val="lt1"/>
+            </a:fontRef>
+          </p:style>
+          <p:txBody>
+            <a:bodyPr rtlCol="0" anchor="ctr"/>
+            <a:lstStyle/>
+            <a:p>
+              <a:pPr algn="ctr"/>
+              <a:endParaRPr lang="en-US"/>
+            </a:p>
+          </p:txBody>
+        </p:sp>
+        <p:sp>
+          <p:nvSpPr>
+            <p:cNvPr id="14" name="Rectangle 13">
+              <a:extLst>
+                <a:ext uri="{FF2B5EF4-FFF2-40B4-BE49-F238E27FC236}">
+                  <a16:creationId xmlns:a16="http://schemas.microsoft.com/office/drawing/2014/main" id="{B0E01E34-20DE-3C73-E569-8BA2265CC4E7}"/>
+                </a:ext>
+              </a:extLst>
+            </p:cNvPr>
+            <p:cNvSpPr/>
+            <p:nvPr/>
+          </p:nvSpPr>
+          <p:spPr>
+            <a:xfrm>
+              <a:off x="4923183" y="5599043"/>
+              <a:ext cx="1961321" cy="238539"/>
+            </a:xfrm>
+            <a:prstGeom prst="rect">
+              <a:avLst/>
+            </a:prstGeom>
+          </p:spPr>
+          <p:style>
+            <a:lnRef idx="2">
+              <a:schemeClr val="accent1">
+                <a:shade val="50000"/>
+              </a:schemeClr>
+            </a:lnRef>
+            <a:fillRef idx="1">
+              <a:schemeClr val="accent1"/>
+            </a:fillRef>
+            <a:effectRef idx="0">
+              <a:schemeClr val="accent1"/>
+            </a:effectRef>
+            <a:fontRef idx="minor">
+              <a:schemeClr val="lt1"/>
+            </a:fontRef>
+          </p:style>
+          <p:txBody>
+            <a:bodyPr rtlCol="0" anchor="ctr"/>
+            <a:lstStyle/>
+            <a:p>
+              <a:pPr algn="ctr"/>
+              <a:endParaRPr lang="en-US"/>
+            </a:p>
+          </p:txBody>
+        </p:sp>
+        <p:sp>
+          <p:nvSpPr>
+            <p:cNvPr id="15" name="Rectangle 14">
+              <a:extLst>
+                <a:ext uri="{FF2B5EF4-FFF2-40B4-BE49-F238E27FC236}">
+                  <a16:creationId xmlns:a16="http://schemas.microsoft.com/office/drawing/2014/main" id="{DA9B6188-96C9-4F78-1664-6B0A2FD74513}"/>
+                </a:ext>
+              </a:extLst>
+            </p:cNvPr>
+            <p:cNvSpPr/>
+            <p:nvPr/>
+          </p:nvSpPr>
+          <p:spPr>
+            <a:xfrm>
+              <a:off x="7056783" y="5599043"/>
+              <a:ext cx="1961321" cy="238539"/>
+            </a:xfrm>
+            <a:prstGeom prst="rect">
+              <a:avLst/>
+            </a:prstGeom>
+          </p:spPr>
+          <p:style>
+            <a:lnRef idx="2">
+              <a:schemeClr val="accent1">
+                <a:shade val="50000"/>
+              </a:schemeClr>
+            </a:lnRef>
+            <a:fillRef idx="1">
+              <a:schemeClr val="accent1"/>
+            </a:fillRef>
+            <a:effectRef idx="0">
+              <a:schemeClr val="accent1"/>
+            </a:effectRef>
+            <a:fontRef idx="minor">
+              <a:schemeClr val="lt1"/>
+            </a:fontRef>
+          </p:style>
+          <p:txBody>
+            <a:bodyPr rtlCol="0" anchor="ctr"/>
+            <a:lstStyle/>
+            <a:p>
+              <a:pPr algn="ctr"/>
+              <a:endParaRPr lang="en-US"/>
+            </a:p>
+          </p:txBody>
+        </p:sp>
+        <p:cxnSp>
+          <p:nvCxnSpPr>
+            <p:cNvPr id="17" name="Straight Arrow Connector 16">
+              <a:extLst>
+                <a:ext uri="{FF2B5EF4-FFF2-40B4-BE49-F238E27FC236}">
+                  <a16:creationId xmlns:a16="http://schemas.microsoft.com/office/drawing/2014/main" id="{7620E865-B25C-8E50-F728-527287FBCD57}"/>
+                </a:ext>
+              </a:extLst>
+            </p:cNvPr>
+            <p:cNvCxnSpPr>
+              <a:cxnSpLocks/>
+            </p:cNvCxnSpPr>
+            <p:nvPr/>
+          </p:nvCxnSpPr>
+          <p:spPr>
+            <a:xfrm flipV="1">
+              <a:off x="1103243" y="6282813"/>
+              <a:ext cx="283104" cy="356526"/>
+            </a:xfrm>
+            <a:prstGeom prst="straightConnector1">
+              <a:avLst/>
+            </a:prstGeom>
+            <a:ln w="38100">
+              <a:solidFill>
+                <a:schemeClr val="tx1"/>
+              </a:solidFill>
+              <a:tailEnd type="triangle"/>
+            </a:ln>
+          </p:spPr>
+          <p:style>
+            <a:lnRef idx="1">
+              <a:schemeClr val="accent1"/>
+            </a:lnRef>
+            <a:fillRef idx="0">
+              <a:schemeClr val="accent1"/>
+            </a:fillRef>
+            <a:effectRef idx="0">
+              <a:schemeClr val="accent1"/>
+            </a:effectRef>
+            <a:fontRef idx="minor">
+              <a:schemeClr val="tx1"/>
+            </a:fontRef>
+          </p:style>
+        </p:cxnSp>
+        <p:cxnSp>
+          <p:nvCxnSpPr>
+            <p:cNvPr id="18" name="Straight Arrow Connector 17">
+              <a:extLst>
+                <a:ext uri="{FF2B5EF4-FFF2-40B4-BE49-F238E27FC236}">
+                  <a16:creationId xmlns:a16="http://schemas.microsoft.com/office/drawing/2014/main" id="{47BCEF90-1040-60C1-B25D-3B0D5C0494A7}"/>
+                </a:ext>
+              </a:extLst>
+            </p:cNvPr>
+            <p:cNvCxnSpPr>
+              <a:cxnSpLocks/>
+            </p:cNvCxnSpPr>
+            <p:nvPr/>
+          </p:nvCxnSpPr>
+          <p:spPr>
+            <a:xfrm flipV="1">
+              <a:off x="3263509" y="6282813"/>
+              <a:ext cx="283104" cy="356526"/>
+            </a:xfrm>
+            <a:prstGeom prst="straightConnector1">
+              <a:avLst/>
+            </a:prstGeom>
+            <a:ln w="38100">
+              <a:solidFill>
+                <a:schemeClr val="tx1"/>
+              </a:solidFill>
+              <a:tailEnd type="triangle"/>
+            </a:ln>
+          </p:spPr>
+          <p:style>
+            <a:lnRef idx="1">
+              <a:schemeClr val="accent1"/>
+            </a:lnRef>
+            <a:fillRef idx="0">
+              <a:schemeClr val="accent1"/>
+            </a:fillRef>
+            <a:effectRef idx="0">
+              <a:schemeClr val="accent1"/>
+            </a:effectRef>
+            <a:fontRef idx="minor">
+              <a:schemeClr val="tx1"/>
+            </a:fontRef>
+          </p:style>
+        </p:cxnSp>
+        <p:cxnSp>
+          <p:nvCxnSpPr>
+            <p:cNvPr id="19" name="Straight Arrow Connector 18">
+              <a:extLst>
+                <a:ext uri="{FF2B5EF4-FFF2-40B4-BE49-F238E27FC236}">
+                  <a16:creationId xmlns:a16="http://schemas.microsoft.com/office/drawing/2014/main" id="{E4DA6C7A-213E-FEFF-45C9-7713BBFBDC47}"/>
+                </a:ext>
+              </a:extLst>
+            </p:cNvPr>
+            <p:cNvCxnSpPr>
+              <a:cxnSpLocks/>
+            </p:cNvCxnSpPr>
+            <p:nvPr/>
+          </p:nvCxnSpPr>
+          <p:spPr>
+            <a:xfrm flipV="1">
+              <a:off x="5383485" y="6282813"/>
+              <a:ext cx="283104" cy="356526"/>
+            </a:xfrm>
+            <a:prstGeom prst="straightConnector1">
+              <a:avLst/>
+            </a:prstGeom>
+            <a:ln w="38100">
+              <a:solidFill>
+                <a:schemeClr val="tx1"/>
+              </a:solidFill>
+              <a:tailEnd type="triangle"/>
+            </a:ln>
+          </p:spPr>
+          <p:style>
+            <a:lnRef idx="1">
+              <a:schemeClr val="accent1"/>
+            </a:lnRef>
+            <a:fillRef idx="0">
+              <a:schemeClr val="accent1"/>
+            </a:fillRef>
+            <a:effectRef idx="0">
+              <a:schemeClr val="accent1"/>
+            </a:effectRef>
+            <a:fontRef idx="minor">
+              <a:schemeClr val="tx1"/>
+            </a:fontRef>
+          </p:style>
+        </p:cxnSp>
+        <p:cxnSp>
+          <p:nvCxnSpPr>
+            <p:cNvPr id="20" name="Straight Arrow Connector 19">
+              <a:extLst>
+                <a:ext uri="{FF2B5EF4-FFF2-40B4-BE49-F238E27FC236}">
+                  <a16:creationId xmlns:a16="http://schemas.microsoft.com/office/drawing/2014/main" id="{FD70739B-3542-90C1-BADC-3619ABFC064D}"/>
+                </a:ext>
+              </a:extLst>
+            </p:cNvPr>
+            <p:cNvCxnSpPr>
+              <a:cxnSpLocks/>
+            </p:cNvCxnSpPr>
+            <p:nvPr/>
+          </p:nvCxnSpPr>
+          <p:spPr>
+            <a:xfrm flipV="1">
+              <a:off x="7513024" y="6282813"/>
+              <a:ext cx="283104" cy="356526"/>
+            </a:xfrm>
+            <a:prstGeom prst="straightConnector1">
+              <a:avLst/>
+            </a:prstGeom>
+            <a:ln w="38100">
+              <a:solidFill>
+                <a:schemeClr val="tx1"/>
+              </a:solidFill>
+              <a:tailEnd type="triangle"/>
+            </a:ln>
+          </p:spPr>
+          <p:style>
+            <a:lnRef idx="1">
+              <a:schemeClr val="accent1"/>
+            </a:lnRef>
+            <a:fillRef idx="0">
+              <a:schemeClr val="accent1"/>
+            </a:fillRef>
+            <a:effectRef idx="0">
+              <a:schemeClr val="accent1"/>
+            </a:effectRef>
+            <a:fontRef idx="minor">
+              <a:schemeClr val="tx1"/>
+            </a:fontRef>
+          </p:style>
+        </p:cxnSp>
+        <p:cxnSp>
+          <p:nvCxnSpPr>
+            <p:cNvPr id="21" name="Straight Arrow Connector 20">
+              <a:extLst>
+                <a:ext uri="{FF2B5EF4-FFF2-40B4-BE49-F238E27FC236}">
+                  <a16:creationId xmlns:a16="http://schemas.microsoft.com/office/drawing/2014/main" id="{AC19D050-72E0-F1C6-4C1F-472DB929F64A}"/>
+                </a:ext>
+              </a:extLst>
+            </p:cNvPr>
+            <p:cNvCxnSpPr>
+              <a:cxnSpLocks/>
+            </p:cNvCxnSpPr>
+            <p:nvPr/>
+          </p:nvCxnSpPr>
+          <p:spPr>
+            <a:xfrm flipH="1" flipV="1">
+              <a:off x="8252369" y="6282813"/>
+              <a:ext cx="359681" cy="356526"/>
+            </a:xfrm>
+            <a:prstGeom prst="straightConnector1">
+              <a:avLst/>
+            </a:prstGeom>
+            <a:ln w="38100">
+              <a:solidFill>
+                <a:schemeClr val="tx1"/>
+              </a:solidFill>
+              <a:tailEnd type="triangle"/>
+            </a:ln>
+          </p:spPr>
+          <p:style>
+            <a:lnRef idx="1">
+              <a:schemeClr val="accent1"/>
+            </a:lnRef>
+            <a:fillRef idx="0">
+              <a:schemeClr val="accent1"/>
+            </a:fillRef>
+            <a:effectRef idx="0">
+              <a:schemeClr val="accent1"/>
+            </a:effectRef>
+            <a:fontRef idx="minor">
+              <a:schemeClr val="tx1"/>
+            </a:fontRef>
+          </p:style>
+        </p:cxnSp>
+        <p:cxnSp>
+          <p:nvCxnSpPr>
+            <p:cNvPr id="23" name="Straight Arrow Connector 22">
+              <a:extLst>
+                <a:ext uri="{FF2B5EF4-FFF2-40B4-BE49-F238E27FC236}">
+                  <a16:creationId xmlns:a16="http://schemas.microsoft.com/office/drawing/2014/main" id="{77531A66-4A81-CAF6-4058-F68796BDE3C1}"/>
+                </a:ext>
+              </a:extLst>
+            </p:cNvPr>
+            <p:cNvCxnSpPr>
+              <a:cxnSpLocks/>
+            </p:cNvCxnSpPr>
+            <p:nvPr/>
+          </p:nvCxnSpPr>
+          <p:spPr>
+            <a:xfrm flipH="1" flipV="1">
+              <a:off x="6117135" y="6282813"/>
+              <a:ext cx="359681" cy="356526"/>
+            </a:xfrm>
+            <a:prstGeom prst="straightConnector1">
+              <a:avLst/>
+            </a:prstGeom>
+            <a:ln w="38100">
+              <a:solidFill>
+                <a:schemeClr val="tx1"/>
+              </a:solidFill>
+              <a:tailEnd type="triangle"/>
+            </a:ln>
+          </p:spPr>
+          <p:style>
+            <a:lnRef idx="1">
+              <a:schemeClr val="accent1"/>
+            </a:lnRef>
+            <a:fillRef idx="0">
+              <a:schemeClr val="accent1"/>
+            </a:fillRef>
+            <a:effectRef idx="0">
+              <a:schemeClr val="accent1"/>
+            </a:effectRef>
+            <a:fontRef idx="minor">
+              <a:schemeClr val="tx1"/>
+            </a:fontRef>
+          </p:style>
+        </p:cxnSp>
+        <p:cxnSp>
+          <p:nvCxnSpPr>
+            <p:cNvPr id="24" name="Straight Arrow Connector 23">
+              <a:extLst>
+                <a:ext uri="{FF2B5EF4-FFF2-40B4-BE49-F238E27FC236}">
+                  <a16:creationId xmlns:a16="http://schemas.microsoft.com/office/drawing/2014/main" id="{BDF67BBE-7707-A8CE-E046-BB6003A3620E}"/>
+                </a:ext>
+              </a:extLst>
+            </p:cNvPr>
+            <p:cNvCxnSpPr>
+              <a:cxnSpLocks/>
+            </p:cNvCxnSpPr>
+            <p:nvPr/>
+          </p:nvCxnSpPr>
+          <p:spPr>
+            <a:xfrm flipH="1" flipV="1">
+              <a:off x="4006915" y="6282813"/>
+              <a:ext cx="359681" cy="356526"/>
+            </a:xfrm>
+            <a:prstGeom prst="straightConnector1">
+              <a:avLst/>
+            </a:prstGeom>
+            <a:ln w="38100">
+              <a:solidFill>
+                <a:schemeClr val="tx1"/>
+              </a:solidFill>
+              <a:tailEnd type="triangle"/>
+            </a:ln>
+          </p:spPr>
+          <p:style>
+            <a:lnRef idx="1">
+              <a:schemeClr val="accent1"/>
+            </a:lnRef>
+            <a:fillRef idx="0">
+              <a:schemeClr val="accent1"/>
+            </a:fillRef>
+            <a:effectRef idx="0">
+              <a:schemeClr val="accent1"/>
+            </a:effectRef>
+            <a:fontRef idx="minor">
+              <a:schemeClr val="tx1"/>
+            </a:fontRef>
+          </p:style>
+        </p:cxnSp>
+        <p:cxnSp>
+          <p:nvCxnSpPr>
+            <p:cNvPr id="25" name="Straight Arrow Connector 24">
+              <a:extLst>
+                <a:ext uri="{FF2B5EF4-FFF2-40B4-BE49-F238E27FC236}">
+                  <a16:creationId xmlns:a16="http://schemas.microsoft.com/office/drawing/2014/main" id="{D56DAAE9-3876-1838-7775-45DAEF89E1D7}"/>
+                </a:ext>
+              </a:extLst>
+            </p:cNvPr>
+            <p:cNvCxnSpPr>
+              <a:cxnSpLocks/>
+            </p:cNvCxnSpPr>
+            <p:nvPr/>
+          </p:nvCxnSpPr>
+          <p:spPr>
+            <a:xfrm flipH="1" flipV="1">
+              <a:off x="1860273" y="6282813"/>
+              <a:ext cx="359681" cy="356526"/>
+            </a:xfrm>
+            <a:prstGeom prst="straightConnector1">
+              <a:avLst/>
+            </a:prstGeom>
+            <a:ln w="38100">
+              <a:solidFill>
+                <a:schemeClr val="tx1"/>
+              </a:solidFill>
+              <a:tailEnd type="triangle"/>
+            </a:ln>
+          </p:spPr>
+          <p:style>
+            <a:lnRef idx="1">
+              <a:schemeClr val="accent1"/>
+            </a:lnRef>
+            <a:fillRef idx="0">
+              <a:schemeClr val="accent1"/>
+            </a:fillRef>
+            <a:effectRef idx="0">
+              <a:schemeClr val="accent1"/>
+            </a:effectRef>
+            <a:fontRef idx="minor">
+              <a:schemeClr val="tx1"/>
+            </a:fontRef>
+          </p:style>
+        </p:cxnSp>
+        <p:grpSp>
+          <p:nvGrpSpPr>
+            <p:cNvPr id="29" name="Group 28">
+              <a:extLst>
+                <a:ext uri="{FF2B5EF4-FFF2-40B4-BE49-F238E27FC236}">
+                  <a16:creationId xmlns:a16="http://schemas.microsoft.com/office/drawing/2014/main" id="{2B76A0FC-9AE8-2F25-116A-408D9AB05955}"/>
+                </a:ext>
+              </a:extLst>
+            </p:cNvPr>
+            <p:cNvGrpSpPr/>
+            <p:nvPr/>
+          </p:nvGrpSpPr>
+          <p:grpSpPr>
+            <a:xfrm>
+              <a:off x="1386347" y="5813215"/>
+              <a:ext cx="473926" cy="720319"/>
+              <a:chOff x="1386347" y="5813215"/>
+              <a:chExt cx="473926" cy="720319"/>
+            </a:xfrm>
+          </p:grpSpPr>
+          <p:sp>
+            <p:nvSpPr>
+              <p:cNvPr id="26" name="Oval 25">
+                <a:extLst>
+                  <a:ext uri="{FF2B5EF4-FFF2-40B4-BE49-F238E27FC236}">
+                    <a16:creationId xmlns:a16="http://schemas.microsoft.com/office/drawing/2014/main" id="{925132FF-FB48-470B-B3F2-4AB9C99175C1}"/>
+                  </a:ext>
+                </a:extLst>
+              </p:cNvPr>
+              <p:cNvSpPr/>
+              <p:nvPr/>
+            </p:nvSpPr>
+            <p:spPr>
+              <a:xfrm>
+                <a:off x="1386347" y="6044273"/>
+                <a:ext cx="473926" cy="489261"/>
+              </a:xfrm>
+              <a:prstGeom prst="ellipse">
+                <a:avLst/>
+              </a:prstGeom>
+              <a:noFill/>
+              <a:ln>
+                <a:solidFill>
+                  <a:schemeClr val="tx1"/>
+                </a:solidFill>
+              </a:ln>
+            </p:spPr>
+            <p:style>
+              <a:lnRef idx="2">
+                <a:schemeClr val="accent1">
+                  <a:shade val="50000"/>
+                </a:schemeClr>
+              </a:lnRef>
+              <a:fillRef idx="1">
+                <a:schemeClr val="accent1"/>
+              </a:fillRef>
+              <a:effectRef idx="0">
+                <a:schemeClr val="accent1"/>
+              </a:effectRef>
+              <a:fontRef idx="minor">
+                <a:schemeClr val="lt1"/>
+              </a:fontRef>
+            </p:style>
+            <p:txBody>
+              <a:bodyPr rtlCol="0" anchor="ctr"/>
+              <a:lstStyle/>
+              <a:p>
+                <a:pPr algn="ctr"/>
+                <a:r>
+                  <a:rPr lang="en-US" dirty="0">
+                    <a:solidFill>
+                      <a:sysClr val="windowText" lastClr="000000"/>
+                    </a:solidFill>
+                  </a:rPr>
+                  <a:t>R</a:t>
+                </a:r>
+              </a:p>
+            </p:txBody>
+          </p:sp>
+          <p:cxnSp>
+            <p:nvCxnSpPr>
+              <p:cNvPr id="27" name="Straight Arrow Connector 26">
+                <a:extLst>
+                  <a:ext uri="{FF2B5EF4-FFF2-40B4-BE49-F238E27FC236}">
+                    <a16:creationId xmlns:a16="http://schemas.microsoft.com/office/drawing/2014/main" id="{C877FEE6-4FFC-1B5B-BB38-57049285DD23}"/>
+                  </a:ext>
+                </a:extLst>
+              </p:cNvPr>
+              <p:cNvCxnSpPr>
+                <a:cxnSpLocks/>
+                <a:stCxn id="26" idx="0"/>
+              </p:cNvCxnSpPr>
+              <p:nvPr/>
+            </p:nvCxnSpPr>
+            <p:spPr>
+              <a:xfrm flipV="1">
+                <a:off x="1623310" y="5813215"/>
+                <a:ext cx="0" cy="231058"/>
+              </a:xfrm>
+              <a:prstGeom prst="straightConnector1">
+                <a:avLst/>
+              </a:prstGeom>
+              <a:ln w="38100">
+                <a:solidFill>
+                  <a:schemeClr val="tx1"/>
+                </a:solidFill>
+                <a:tailEnd type="triangle"/>
+              </a:ln>
+            </p:spPr>
+            <p:style>
+              <a:lnRef idx="1">
+                <a:schemeClr val="accent1"/>
+              </a:lnRef>
+              <a:fillRef idx="0">
+                <a:schemeClr val="accent1"/>
+              </a:fillRef>
+              <a:effectRef idx="0">
+                <a:schemeClr val="accent1"/>
+              </a:effectRef>
+              <a:fontRef idx="minor">
+                <a:schemeClr val="tx1"/>
+              </a:fontRef>
+            </p:style>
+          </p:cxnSp>
+        </p:grpSp>
+        <p:grpSp>
+          <p:nvGrpSpPr>
+            <p:cNvPr id="30" name="Group 29">
+              <a:extLst>
+                <a:ext uri="{FF2B5EF4-FFF2-40B4-BE49-F238E27FC236}">
+                  <a16:creationId xmlns:a16="http://schemas.microsoft.com/office/drawing/2014/main" id="{CAEE0E97-D20D-27D6-C55D-91E0B9E83409}"/>
+                </a:ext>
+              </a:extLst>
+            </p:cNvPr>
+            <p:cNvGrpSpPr/>
+            <p:nvPr/>
+          </p:nvGrpSpPr>
+          <p:grpSpPr>
+            <a:xfrm>
+              <a:off x="3556646" y="5837582"/>
+              <a:ext cx="473926" cy="720319"/>
+              <a:chOff x="1386347" y="5813215"/>
+              <a:chExt cx="473926" cy="720319"/>
+            </a:xfrm>
+          </p:grpSpPr>
+          <p:sp>
+            <p:nvSpPr>
+              <p:cNvPr id="31" name="Oval 30">
+                <a:extLst>
+                  <a:ext uri="{FF2B5EF4-FFF2-40B4-BE49-F238E27FC236}">
+                    <a16:creationId xmlns:a16="http://schemas.microsoft.com/office/drawing/2014/main" id="{7A321587-657A-9957-AB31-AF8E88D5DE6C}"/>
+                  </a:ext>
+                </a:extLst>
+              </p:cNvPr>
+              <p:cNvSpPr/>
+              <p:nvPr/>
+            </p:nvSpPr>
+            <p:spPr>
+              <a:xfrm>
+                <a:off x="1386347" y="6044273"/>
+                <a:ext cx="473926" cy="489261"/>
+              </a:xfrm>
+              <a:prstGeom prst="ellipse">
+                <a:avLst/>
+              </a:prstGeom>
+              <a:noFill/>
+              <a:ln>
+                <a:solidFill>
+                  <a:schemeClr val="tx1"/>
+                </a:solidFill>
+              </a:ln>
+            </p:spPr>
+            <p:style>
+              <a:lnRef idx="2">
+                <a:schemeClr val="accent1">
+                  <a:shade val="50000"/>
+                </a:schemeClr>
+              </a:lnRef>
+              <a:fillRef idx="1">
+                <a:schemeClr val="accent1"/>
+              </a:fillRef>
+              <a:effectRef idx="0">
+                <a:schemeClr val="accent1"/>
+              </a:effectRef>
+              <a:fontRef idx="minor">
+                <a:schemeClr val="lt1"/>
+              </a:fontRef>
+            </p:style>
+            <p:txBody>
+              <a:bodyPr rtlCol="0" anchor="ctr"/>
+              <a:lstStyle/>
+              <a:p>
+                <a:pPr algn="ctr"/>
+                <a:r>
+                  <a:rPr lang="en-US" dirty="0">
+                    <a:solidFill>
+                      <a:sysClr val="windowText" lastClr="000000"/>
+                    </a:solidFill>
+                  </a:rPr>
+                  <a:t>R</a:t>
+                </a:r>
+              </a:p>
+            </p:txBody>
+          </p:sp>
+          <p:cxnSp>
+            <p:nvCxnSpPr>
+              <p:cNvPr id="32" name="Straight Arrow Connector 31">
+                <a:extLst>
+                  <a:ext uri="{FF2B5EF4-FFF2-40B4-BE49-F238E27FC236}">
+                    <a16:creationId xmlns:a16="http://schemas.microsoft.com/office/drawing/2014/main" id="{FDA558C9-21BE-F248-53A1-7982BB3D5596}"/>
+                  </a:ext>
+                </a:extLst>
+              </p:cNvPr>
+              <p:cNvCxnSpPr>
+                <a:cxnSpLocks/>
+                <a:stCxn id="31" idx="0"/>
+              </p:cNvCxnSpPr>
+              <p:nvPr/>
+            </p:nvCxnSpPr>
+            <p:spPr>
+              <a:xfrm flipV="1">
+                <a:off x="1623310" y="5813215"/>
+                <a:ext cx="0" cy="231058"/>
+              </a:xfrm>
+              <a:prstGeom prst="straightConnector1">
+                <a:avLst/>
+              </a:prstGeom>
+              <a:ln w="38100">
+                <a:solidFill>
+                  <a:schemeClr val="tx1"/>
+                </a:solidFill>
+                <a:tailEnd type="triangle"/>
+              </a:ln>
+            </p:spPr>
+            <p:style>
+              <a:lnRef idx="1">
+                <a:schemeClr val="accent1"/>
+              </a:lnRef>
+              <a:fillRef idx="0">
+                <a:schemeClr val="accent1"/>
+              </a:fillRef>
+              <a:effectRef idx="0">
+                <a:schemeClr val="accent1"/>
+              </a:effectRef>
+              <a:fontRef idx="minor">
+                <a:schemeClr val="tx1"/>
+              </a:fontRef>
+            </p:style>
+          </p:cxnSp>
+        </p:grpSp>
+        <p:grpSp>
+          <p:nvGrpSpPr>
+            <p:cNvPr id="33" name="Group 32">
+              <a:extLst>
+                <a:ext uri="{FF2B5EF4-FFF2-40B4-BE49-F238E27FC236}">
+                  <a16:creationId xmlns:a16="http://schemas.microsoft.com/office/drawing/2014/main" id="{F045DB46-C543-2775-1311-66A74D1165C8}"/>
+                </a:ext>
+              </a:extLst>
+            </p:cNvPr>
+            <p:cNvGrpSpPr/>
+            <p:nvPr/>
+          </p:nvGrpSpPr>
+          <p:grpSpPr>
+            <a:xfrm>
+              <a:off x="5643209" y="5822619"/>
+              <a:ext cx="473926" cy="720319"/>
+              <a:chOff x="1386347" y="5813215"/>
+              <a:chExt cx="473926" cy="720319"/>
+            </a:xfrm>
+          </p:grpSpPr>
+          <p:sp>
+            <p:nvSpPr>
+              <p:cNvPr id="34" name="Oval 33">
+                <a:extLst>
+                  <a:ext uri="{FF2B5EF4-FFF2-40B4-BE49-F238E27FC236}">
+                    <a16:creationId xmlns:a16="http://schemas.microsoft.com/office/drawing/2014/main" id="{EC3FD545-B7A6-1455-1338-B89014EAC87B}"/>
+                  </a:ext>
+                </a:extLst>
+              </p:cNvPr>
+              <p:cNvSpPr/>
+              <p:nvPr/>
+            </p:nvSpPr>
+            <p:spPr>
+              <a:xfrm>
+                <a:off x="1386347" y="6044273"/>
+                <a:ext cx="473926" cy="489261"/>
+              </a:xfrm>
+              <a:prstGeom prst="ellipse">
+                <a:avLst/>
+              </a:prstGeom>
+              <a:noFill/>
+              <a:ln>
+                <a:solidFill>
+                  <a:schemeClr val="tx1"/>
+                </a:solidFill>
+              </a:ln>
+            </p:spPr>
+            <p:style>
+              <a:lnRef idx="2">
+                <a:schemeClr val="accent1">
+                  <a:shade val="50000"/>
+                </a:schemeClr>
+              </a:lnRef>
+              <a:fillRef idx="1">
+                <a:schemeClr val="accent1"/>
+              </a:fillRef>
+              <a:effectRef idx="0">
+                <a:schemeClr val="accent1"/>
+              </a:effectRef>
+              <a:fontRef idx="minor">
+                <a:schemeClr val="lt1"/>
+              </a:fontRef>
+            </p:style>
+            <p:txBody>
+              <a:bodyPr rtlCol="0" anchor="ctr"/>
+              <a:lstStyle/>
+              <a:p>
+                <a:pPr algn="ctr"/>
+                <a:r>
+                  <a:rPr lang="en-US" dirty="0">
+                    <a:solidFill>
+                      <a:sysClr val="windowText" lastClr="000000"/>
+                    </a:solidFill>
+                  </a:rPr>
+                  <a:t>R</a:t>
+                </a:r>
+              </a:p>
+            </p:txBody>
+          </p:sp>
+          <p:cxnSp>
+            <p:nvCxnSpPr>
+              <p:cNvPr id="35" name="Straight Arrow Connector 34">
+                <a:extLst>
+                  <a:ext uri="{FF2B5EF4-FFF2-40B4-BE49-F238E27FC236}">
+                    <a16:creationId xmlns:a16="http://schemas.microsoft.com/office/drawing/2014/main" id="{DF7F5F62-D56B-F7A5-23F6-1CE0275E6D5F}"/>
+                  </a:ext>
+                </a:extLst>
+              </p:cNvPr>
+              <p:cNvCxnSpPr>
+                <a:cxnSpLocks/>
+                <a:stCxn id="34" idx="0"/>
+              </p:cNvCxnSpPr>
+              <p:nvPr/>
+            </p:nvCxnSpPr>
+            <p:spPr>
+              <a:xfrm flipV="1">
+                <a:off x="1623310" y="5813215"/>
+                <a:ext cx="0" cy="231058"/>
+              </a:xfrm>
+              <a:prstGeom prst="straightConnector1">
+                <a:avLst/>
+              </a:prstGeom>
+              <a:ln w="38100">
+                <a:solidFill>
+                  <a:schemeClr val="tx1"/>
+                </a:solidFill>
+                <a:tailEnd type="triangle"/>
+              </a:ln>
+            </p:spPr>
+            <p:style>
+              <a:lnRef idx="1">
+                <a:schemeClr val="accent1"/>
+              </a:lnRef>
+              <a:fillRef idx="0">
+                <a:schemeClr val="accent1"/>
+              </a:fillRef>
+              <a:effectRef idx="0">
+                <a:schemeClr val="accent1"/>
+              </a:effectRef>
+              <a:fontRef idx="minor">
+                <a:schemeClr val="tx1"/>
+              </a:fontRef>
+            </p:style>
+          </p:cxnSp>
+        </p:grpSp>
+        <p:grpSp>
+          <p:nvGrpSpPr>
+            <p:cNvPr id="36" name="Group 35">
+              <a:extLst>
+                <a:ext uri="{FF2B5EF4-FFF2-40B4-BE49-F238E27FC236}">
+                  <a16:creationId xmlns:a16="http://schemas.microsoft.com/office/drawing/2014/main" id="{D10BF641-661F-C95F-4203-2DE90EDF8E03}"/>
+                </a:ext>
+              </a:extLst>
+            </p:cNvPr>
+            <p:cNvGrpSpPr/>
+            <p:nvPr/>
+          </p:nvGrpSpPr>
+          <p:grpSpPr>
+            <a:xfrm>
+              <a:off x="7800480" y="5822619"/>
+              <a:ext cx="473926" cy="720319"/>
+              <a:chOff x="1386347" y="5813215"/>
+              <a:chExt cx="473926" cy="720319"/>
+            </a:xfrm>
+          </p:grpSpPr>
+          <p:sp>
+            <p:nvSpPr>
+              <p:cNvPr id="37" name="Oval 36">
+                <a:extLst>
+                  <a:ext uri="{FF2B5EF4-FFF2-40B4-BE49-F238E27FC236}">
+                    <a16:creationId xmlns:a16="http://schemas.microsoft.com/office/drawing/2014/main" id="{7CA252F2-104B-16A7-6FF1-78C6EEE1BEEC}"/>
+                  </a:ext>
+                </a:extLst>
+              </p:cNvPr>
+              <p:cNvSpPr/>
+              <p:nvPr/>
+            </p:nvSpPr>
+            <p:spPr>
+              <a:xfrm>
+                <a:off x="1386347" y="6044273"/>
+                <a:ext cx="473926" cy="489261"/>
+              </a:xfrm>
+              <a:prstGeom prst="ellipse">
+                <a:avLst/>
+              </a:prstGeom>
+              <a:noFill/>
+              <a:ln>
+                <a:solidFill>
+                  <a:schemeClr val="tx1"/>
+                </a:solidFill>
+              </a:ln>
+            </p:spPr>
+            <p:style>
+              <a:lnRef idx="2">
+                <a:schemeClr val="accent1">
+                  <a:shade val="50000"/>
+                </a:schemeClr>
+              </a:lnRef>
+              <a:fillRef idx="1">
+                <a:schemeClr val="accent1"/>
+              </a:fillRef>
+              <a:effectRef idx="0">
+                <a:schemeClr val="accent1"/>
+              </a:effectRef>
+              <a:fontRef idx="minor">
+                <a:schemeClr val="lt1"/>
+              </a:fontRef>
+            </p:style>
+            <p:txBody>
+              <a:bodyPr rtlCol="0" anchor="ctr"/>
+              <a:lstStyle/>
+              <a:p>
+                <a:pPr algn="ctr"/>
+                <a:r>
+                  <a:rPr lang="en-US" dirty="0">
+                    <a:solidFill>
+                      <a:sysClr val="windowText" lastClr="000000"/>
+                    </a:solidFill>
+                  </a:rPr>
+                  <a:t>R</a:t>
+                </a:r>
+              </a:p>
+            </p:txBody>
+          </p:sp>
+          <p:cxnSp>
+            <p:nvCxnSpPr>
+              <p:cNvPr id="38" name="Straight Arrow Connector 37">
+                <a:extLst>
+                  <a:ext uri="{FF2B5EF4-FFF2-40B4-BE49-F238E27FC236}">
+                    <a16:creationId xmlns:a16="http://schemas.microsoft.com/office/drawing/2014/main" id="{4163F99A-E0E7-9C5C-3BAD-B9B31E7F6866}"/>
+                  </a:ext>
+                </a:extLst>
+              </p:cNvPr>
+              <p:cNvCxnSpPr>
+                <a:cxnSpLocks/>
+                <a:stCxn id="37" idx="0"/>
+              </p:cNvCxnSpPr>
+              <p:nvPr/>
+            </p:nvCxnSpPr>
+            <p:spPr>
+              <a:xfrm flipV="1">
+                <a:off x="1623310" y="5813215"/>
+                <a:ext cx="0" cy="231058"/>
+              </a:xfrm>
+              <a:prstGeom prst="straightConnector1">
+                <a:avLst/>
+              </a:prstGeom>
+              <a:ln w="38100">
+                <a:solidFill>
+                  <a:schemeClr val="tx1"/>
+                </a:solidFill>
+                <a:tailEnd type="triangle"/>
+              </a:ln>
+            </p:spPr>
+            <p:style>
+              <a:lnRef idx="1">
+                <a:schemeClr val="accent1"/>
+              </a:lnRef>
+              <a:fillRef idx="0">
+                <a:schemeClr val="accent1"/>
+              </a:fillRef>
+              <a:effectRef idx="0">
+                <a:schemeClr val="accent1"/>
+              </a:effectRef>
+              <a:fontRef idx="minor">
+                <a:schemeClr val="tx1"/>
+              </a:fontRef>
+            </p:style>
+          </p:cxnSp>
+        </p:grpSp>
+        <p:grpSp>
+          <p:nvGrpSpPr>
+            <p:cNvPr id="39" name="Group 38">
+              <a:extLst>
+                <a:ext uri="{FF2B5EF4-FFF2-40B4-BE49-F238E27FC236}">
+                  <a16:creationId xmlns:a16="http://schemas.microsoft.com/office/drawing/2014/main" id="{2B893FE2-DF87-541B-E849-A8B7B3D84397}"/>
+                </a:ext>
+              </a:extLst>
+            </p:cNvPr>
+            <p:cNvGrpSpPr/>
+            <p:nvPr/>
+          </p:nvGrpSpPr>
+          <p:grpSpPr>
+            <a:xfrm>
+              <a:off x="2470616" y="4457219"/>
+              <a:ext cx="473926" cy="720319"/>
+              <a:chOff x="1386347" y="5813215"/>
+              <a:chExt cx="473926" cy="720319"/>
+            </a:xfrm>
+          </p:grpSpPr>
+          <p:sp>
+            <p:nvSpPr>
+              <p:cNvPr id="40" name="Oval 39">
+                <a:extLst>
+                  <a:ext uri="{FF2B5EF4-FFF2-40B4-BE49-F238E27FC236}">
+                    <a16:creationId xmlns:a16="http://schemas.microsoft.com/office/drawing/2014/main" id="{4A6F04A0-9140-2937-64E5-7A52E8FAF0A3}"/>
+                  </a:ext>
+                </a:extLst>
+              </p:cNvPr>
+              <p:cNvSpPr/>
+              <p:nvPr/>
+            </p:nvSpPr>
+            <p:spPr>
+              <a:xfrm>
+                <a:off x="1386347" y="6044273"/>
+                <a:ext cx="473926" cy="489261"/>
+              </a:xfrm>
+              <a:prstGeom prst="ellipse">
+                <a:avLst/>
+              </a:prstGeom>
+              <a:noFill/>
+              <a:ln>
+                <a:solidFill>
+                  <a:schemeClr val="tx1"/>
+                </a:solidFill>
+              </a:ln>
+            </p:spPr>
+            <p:style>
+              <a:lnRef idx="2">
+                <a:schemeClr val="accent1">
+                  <a:shade val="50000"/>
+                </a:schemeClr>
+              </a:lnRef>
+              <a:fillRef idx="1">
+                <a:schemeClr val="accent1"/>
+              </a:fillRef>
+              <a:effectRef idx="0">
+                <a:schemeClr val="accent1"/>
+              </a:effectRef>
+              <a:fontRef idx="minor">
+                <a:schemeClr val="lt1"/>
+              </a:fontRef>
+            </p:style>
+            <p:txBody>
+              <a:bodyPr rtlCol="0" anchor="ctr"/>
+              <a:lstStyle/>
+              <a:p>
+                <a:pPr algn="ctr"/>
+                <a:r>
+                  <a:rPr lang="en-US" dirty="0">
+                    <a:solidFill>
+                      <a:sysClr val="windowText" lastClr="000000"/>
+                    </a:solidFill>
+                  </a:rPr>
+                  <a:t>R</a:t>
+                </a:r>
+              </a:p>
+            </p:txBody>
+          </p:sp>
+          <p:cxnSp>
+            <p:nvCxnSpPr>
+              <p:cNvPr id="41" name="Straight Arrow Connector 40">
+                <a:extLst>
+                  <a:ext uri="{FF2B5EF4-FFF2-40B4-BE49-F238E27FC236}">
+                    <a16:creationId xmlns:a16="http://schemas.microsoft.com/office/drawing/2014/main" id="{6A81FFE8-4034-B824-61AE-3C6323844DFA}"/>
+                  </a:ext>
+                </a:extLst>
+              </p:cNvPr>
+              <p:cNvCxnSpPr>
+                <a:cxnSpLocks/>
+                <a:stCxn id="40" idx="0"/>
+              </p:cNvCxnSpPr>
+              <p:nvPr/>
+            </p:nvCxnSpPr>
+            <p:spPr>
+              <a:xfrm flipV="1">
+                <a:off x="1623310" y="5813215"/>
+                <a:ext cx="0" cy="231058"/>
+              </a:xfrm>
+              <a:prstGeom prst="straightConnector1">
+                <a:avLst/>
+              </a:prstGeom>
+              <a:ln w="38100">
+                <a:solidFill>
+                  <a:schemeClr val="tx1"/>
+                </a:solidFill>
+                <a:tailEnd type="triangle"/>
+              </a:ln>
+            </p:spPr>
+            <p:style>
+              <a:lnRef idx="1">
+                <a:schemeClr val="accent1"/>
+              </a:lnRef>
+              <a:fillRef idx="0">
+                <a:schemeClr val="accent1"/>
+              </a:fillRef>
+              <a:effectRef idx="0">
+                <a:schemeClr val="accent1"/>
+              </a:effectRef>
+              <a:fontRef idx="minor">
+                <a:schemeClr val="tx1"/>
+              </a:fontRef>
+            </p:style>
+          </p:cxnSp>
+        </p:grpSp>
+        <p:cxnSp>
+          <p:nvCxnSpPr>
+            <p:cNvPr id="42" name="Straight Arrow Connector 41">
+              <a:extLst>
+                <a:ext uri="{FF2B5EF4-FFF2-40B4-BE49-F238E27FC236}">
+                  <a16:creationId xmlns:a16="http://schemas.microsoft.com/office/drawing/2014/main" id="{540CC325-3131-7487-3D43-980F0B79C382}"/>
+                </a:ext>
+              </a:extLst>
+            </p:cNvPr>
+            <p:cNvCxnSpPr>
+              <a:cxnSpLocks/>
+              <a:endCxn id="40" idx="3"/>
+            </p:cNvCxnSpPr>
+            <p:nvPr/>
+          </p:nvCxnSpPr>
+          <p:spPr>
+            <a:xfrm flipV="1">
+              <a:off x="1623310" y="5105887"/>
+              <a:ext cx="916711" cy="516882"/>
+            </a:xfrm>
+            <a:prstGeom prst="straightConnector1">
+              <a:avLst/>
+            </a:prstGeom>
+            <a:ln w="38100">
+              <a:solidFill>
+                <a:schemeClr val="tx1"/>
+              </a:solidFill>
+              <a:tailEnd type="triangle"/>
+            </a:ln>
+          </p:spPr>
+          <p:style>
+            <a:lnRef idx="1">
+              <a:schemeClr val="accent1"/>
+            </a:lnRef>
+            <a:fillRef idx="0">
+              <a:schemeClr val="accent1"/>
+            </a:fillRef>
+            <a:effectRef idx="0">
+              <a:schemeClr val="accent1"/>
+            </a:effectRef>
+            <a:fontRef idx="minor">
+              <a:schemeClr val="tx1"/>
+            </a:fontRef>
+          </p:style>
+        </p:cxnSp>
+        <p:cxnSp>
+          <p:nvCxnSpPr>
+            <p:cNvPr id="44" name="Straight Arrow Connector 43">
+              <a:extLst>
+                <a:ext uri="{FF2B5EF4-FFF2-40B4-BE49-F238E27FC236}">
+                  <a16:creationId xmlns:a16="http://schemas.microsoft.com/office/drawing/2014/main" id="{2A218724-30F4-495B-E4DB-0B0E81D05786}"/>
+                </a:ext>
+              </a:extLst>
+            </p:cNvPr>
+            <p:cNvCxnSpPr>
+              <a:cxnSpLocks/>
+              <a:endCxn id="40" idx="5"/>
+            </p:cNvCxnSpPr>
+            <p:nvPr/>
+          </p:nvCxnSpPr>
+          <p:spPr>
+            <a:xfrm flipH="1" flipV="1">
+              <a:off x="2875137" y="5105887"/>
+              <a:ext cx="890132" cy="516882"/>
+            </a:xfrm>
+            <a:prstGeom prst="straightConnector1">
+              <a:avLst/>
+            </a:prstGeom>
+            <a:ln w="38100">
+              <a:solidFill>
+                <a:schemeClr val="tx1"/>
+              </a:solidFill>
+              <a:tailEnd type="triangle"/>
+            </a:ln>
+          </p:spPr>
+          <p:style>
+            <a:lnRef idx="1">
+              <a:schemeClr val="accent1"/>
+            </a:lnRef>
+            <a:fillRef idx="0">
+              <a:schemeClr val="accent1"/>
+            </a:fillRef>
+            <a:effectRef idx="0">
+              <a:schemeClr val="accent1"/>
+            </a:effectRef>
+            <a:fontRef idx="minor">
+              <a:schemeClr val="tx1"/>
+            </a:fontRef>
+          </p:style>
+        </p:cxnSp>
+        <p:grpSp>
+          <p:nvGrpSpPr>
+            <p:cNvPr id="47" name="Group 46">
+              <a:extLst>
+                <a:ext uri="{FF2B5EF4-FFF2-40B4-BE49-F238E27FC236}">
+                  <a16:creationId xmlns:a16="http://schemas.microsoft.com/office/drawing/2014/main" id="{53145999-24DA-FA2D-286A-209C00463359}"/>
+                </a:ext>
+              </a:extLst>
+            </p:cNvPr>
+            <p:cNvGrpSpPr/>
+            <p:nvPr/>
+          </p:nvGrpSpPr>
+          <p:grpSpPr>
+            <a:xfrm>
+              <a:off x="6742790" y="4442369"/>
+              <a:ext cx="473926" cy="720319"/>
+              <a:chOff x="1386347" y="5813215"/>
+              <a:chExt cx="473926" cy="720319"/>
+            </a:xfrm>
+          </p:grpSpPr>
+          <p:sp>
+            <p:nvSpPr>
+              <p:cNvPr id="48" name="Oval 47">
+                <a:extLst>
+                  <a:ext uri="{FF2B5EF4-FFF2-40B4-BE49-F238E27FC236}">
+                    <a16:creationId xmlns:a16="http://schemas.microsoft.com/office/drawing/2014/main" id="{762A1C08-FE41-9351-405F-FDC41AE349E0}"/>
+                  </a:ext>
+                </a:extLst>
+              </p:cNvPr>
+              <p:cNvSpPr/>
+              <p:nvPr/>
+            </p:nvSpPr>
+            <p:spPr>
+              <a:xfrm>
+                <a:off x="1386347" y="6044273"/>
+                <a:ext cx="473926" cy="489261"/>
+              </a:xfrm>
+              <a:prstGeom prst="ellipse">
+                <a:avLst/>
+              </a:prstGeom>
+              <a:noFill/>
+              <a:ln>
+                <a:solidFill>
+                  <a:schemeClr val="tx1"/>
+                </a:solidFill>
+              </a:ln>
+            </p:spPr>
+            <p:style>
+              <a:lnRef idx="2">
+                <a:schemeClr val="accent1">
+                  <a:shade val="50000"/>
+                </a:schemeClr>
+              </a:lnRef>
+              <a:fillRef idx="1">
+                <a:schemeClr val="accent1"/>
+              </a:fillRef>
+              <a:effectRef idx="0">
+                <a:schemeClr val="accent1"/>
+              </a:effectRef>
+              <a:fontRef idx="minor">
+                <a:schemeClr val="lt1"/>
+              </a:fontRef>
+            </p:style>
+            <p:txBody>
+              <a:bodyPr rtlCol="0" anchor="ctr"/>
+              <a:lstStyle/>
+              <a:p>
+                <a:pPr algn="ctr"/>
+                <a:r>
+                  <a:rPr lang="en-US" dirty="0">
+                    <a:solidFill>
+                      <a:sysClr val="windowText" lastClr="000000"/>
+                    </a:solidFill>
+                  </a:rPr>
+                  <a:t>R</a:t>
+                </a:r>
+              </a:p>
+            </p:txBody>
+          </p:sp>
+          <p:cxnSp>
+            <p:nvCxnSpPr>
+              <p:cNvPr id="49" name="Straight Arrow Connector 48">
+                <a:extLst>
+                  <a:ext uri="{FF2B5EF4-FFF2-40B4-BE49-F238E27FC236}">
+                    <a16:creationId xmlns:a16="http://schemas.microsoft.com/office/drawing/2014/main" id="{BA36DE1C-24FD-60EF-5447-073118EF2650}"/>
+                  </a:ext>
+                </a:extLst>
+              </p:cNvPr>
+              <p:cNvCxnSpPr>
+                <a:cxnSpLocks/>
+                <a:stCxn id="48" idx="0"/>
+              </p:cNvCxnSpPr>
+              <p:nvPr/>
+            </p:nvCxnSpPr>
+            <p:spPr>
+              <a:xfrm flipV="1">
+                <a:off x="1623310" y="5813215"/>
+                <a:ext cx="0" cy="231058"/>
+              </a:xfrm>
+              <a:prstGeom prst="straightConnector1">
+                <a:avLst/>
+              </a:prstGeom>
+              <a:ln w="38100">
+                <a:solidFill>
+                  <a:schemeClr val="tx1"/>
+                </a:solidFill>
+                <a:tailEnd type="triangle"/>
+              </a:ln>
+            </p:spPr>
+            <p:style>
+              <a:lnRef idx="1">
+                <a:schemeClr val="accent1"/>
+              </a:lnRef>
+              <a:fillRef idx="0">
+                <a:schemeClr val="accent1"/>
+              </a:fillRef>
+              <a:effectRef idx="0">
+                <a:schemeClr val="accent1"/>
+              </a:effectRef>
+              <a:fontRef idx="minor">
+                <a:schemeClr val="tx1"/>
+              </a:fontRef>
+            </p:style>
+          </p:cxnSp>
+        </p:grpSp>
+        <p:cxnSp>
+          <p:nvCxnSpPr>
+            <p:cNvPr id="50" name="Straight Arrow Connector 49">
+              <a:extLst>
+                <a:ext uri="{FF2B5EF4-FFF2-40B4-BE49-F238E27FC236}">
+                  <a16:creationId xmlns:a16="http://schemas.microsoft.com/office/drawing/2014/main" id="{F9CCA3F0-D7AB-E0FA-2115-DA4169355259}"/>
+                </a:ext>
+              </a:extLst>
+            </p:cNvPr>
+            <p:cNvCxnSpPr>
+              <a:cxnSpLocks/>
+              <a:endCxn id="48" idx="3"/>
+            </p:cNvCxnSpPr>
+            <p:nvPr/>
+          </p:nvCxnSpPr>
+          <p:spPr>
+            <a:xfrm flipV="1">
+              <a:off x="5895484" y="5091037"/>
+              <a:ext cx="916711" cy="516882"/>
+            </a:xfrm>
+            <a:prstGeom prst="straightConnector1">
+              <a:avLst/>
+            </a:prstGeom>
+            <a:ln w="38100">
+              <a:solidFill>
+                <a:schemeClr val="tx1"/>
+              </a:solidFill>
+              <a:tailEnd type="triangle"/>
+            </a:ln>
+          </p:spPr>
+          <p:style>
+            <a:lnRef idx="1">
+              <a:schemeClr val="accent1"/>
+            </a:lnRef>
+            <a:fillRef idx="0">
+              <a:schemeClr val="accent1"/>
+            </a:fillRef>
+            <a:effectRef idx="0">
+              <a:schemeClr val="accent1"/>
+            </a:effectRef>
+            <a:fontRef idx="minor">
+              <a:schemeClr val="tx1"/>
+            </a:fontRef>
+          </p:style>
+        </p:cxnSp>
+        <p:cxnSp>
+          <p:nvCxnSpPr>
+            <p:cNvPr id="51" name="Straight Arrow Connector 50">
+              <a:extLst>
+                <a:ext uri="{FF2B5EF4-FFF2-40B4-BE49-F238E27FC236}">
+                  <a16:creationId xmlns:a16="http://schemas.microsoft.com/office/drawing/2014/main" id="{6D82CB1F-5CFE-6390-ECF7-481C5FDCF3E6}"/>
+                </a:ext>
+              </a:extLst>
+            </p:cNvPr>
+            <p:cNvCxnSpPr>
+              <a:cxnSpLocks/>
+              <a:endCxn id="48" idx="5"/>
+            </p:cNvCxnSpPr>
+            <p:nvPr/>
+          </p:nvCxnSpPr>
+          <p:spPr>
+            <a:xfrm flipH="1" flipV="1">
+              <a:off x="7147311" y="5091037"/>
+              <a:ext cx="890132" cy="516882"/>
+            </a:xfrm>
+            <a:prstGeom prst="straightConnector1">
+              <a:avLst/>
+            </a:prstGeom>
+            <a:ln w="38100">
+              <a:solidFill>
+                <a:schemeClr val="tx1"/>
+              </a:solidFill>
+              <a:tailEnd type="triangle"/>
+            </a:ln>
+          </p:spPr>
+          <p:style>
+            <a:lnRef idx="1">
+              <a:schemeClr val="accent1"/>
+            </a:lnRef>
+            <a:fillRef idx="0">
+              <a:schemeClr val="accent1"/>
+            </a:fillRef>
+            <a:effectRef idx="0">
+              <a:schemeClr val="accent1"/>
+            </a:effectRef>
+            <a:fontRef idx="minor">
+              <a:schemeClr val="tx1"/>
+            </a:fontRef>
+          </p:style>
+        </p:cxnSp>
+        <p:sp>
+          <p:nvSpPr>
+            <p:cNvPr id="52" name="Rectangle 51">
+              <a:extLst>
+                <a:ext uri="{FF2B5EF4-FFF2-40B4-BE49-F238E27FC236}">
+                  <a16:creationId xmlns:a16="http://schemas.microsoft.com/office/drawing/2014/main" id="{02724D97-3AAA-99AC-F225-917073310068}"/>
+                </a:ext>
+              </a:extLst>
+            </p:cNvPr>
+            <p:cNvSpPr/>
+            <p:nvPr/>
+          </p:nvSpPr>
+          <p:spPr>
+            <a:xfrm>
+              <a:off x="655982" y="4211199"/>
+              <a:ext cx="4094916" cy="238539"/>
+            </a:xfrm>
+            <a:prstGeom prst="rect">
+              <a:avLst/>
+            </a:prstGeom>
+          </p:spPr>
+          <p:style>
+            <a:lnRef idx="2">
+              <a:schemeClr val="accent1">
+                <a:shade val="50000"/>
+              </a:schemeClr>
+            </a:lnRef>
+            <a:fillRef idx="1">
+              <a:schemeClr val="accent1"/>
+            </a:fillRef>
+            <a:effectRef idx="0">
+              <a:schemeClr val="accent1"/>
+            </a:effectRef>
+            <a:fontRef idx="minor">
+              <a:schemeClr val="lt1"/>
+            </a:fontRef>
+          </p:style>
+          <p:txBody>
+            <a:bodyPr rtlCol="0" anchor="ctr"/>
+            <a:lstStyle/>
+            <a:p>
+              <a:pPr algn="ctr"/>
+              <a:endParaRPr lang="en-US"/>
+            </a:p>
+          </p:txBody>
+        </p:sp>
+        <p:sp>
+          <p:nvSpPr>
+            <p:cNvPr id="53" name="Rectangle 52">
+              <a:extLst>
+                <a:ext uri="{FF2B5EF4-FFF2-40B4-BE49-F238E27FC236}">
+                  <a16:creationId xmlns:a16="http://schemas.microsoft.com/office/drawing/2014/main" id="{CCFBE397-1494-D94E-E804-3D62801BDA23}"/>
+                </a:ext>
+              </a:extLst>
+            </p:cNvPr>
+            <p:cNvSpPr/>
+            <p:nvPr/>
+          </p:nvSpPr>
+          <p:spPr>
+            <a:xfrm>
+              <a:off x="4932295" y="4211198"/>
+              <a:ext cx="4094916" cy="238539"/>
+            </a:xfrm>
+            <a:prstGeom prst="rect">
+              <a:avLst/>
+            </a:prstGeom>
+          </p:spPr>
+          <p:style>
+            <a:lnRef idx="2">
+              <a:schemeClr val="accent1">
+                <a:shade val="50000"/>
+              </a:schemeClr>
+            </a:lnRef>
+            <a:fillRef idx="1">
+              <a:schemeClr val="accent1"/>
+            </a:fillRef>
+            <a:effectRef idx="0">
+              <a:schemeClr val="accent1"/>
+            </a:effectRef>
+            <a:fontRef idx="minor">
+              <a:schemeClr val="lt1"/>
+            </a:fontRef>
+          </p:style>
+          <p:txBody>
+            <a:bodyPr rtlCol="0" anchor="ctr"/>
+            <a:lstStyle/>
+            <a:p>
+              <a:pPr algn="ctr"/>
+              <a:endParaRPr lang="en-US"/>
+            </a:p>
+          </p:txBody>
+        </p:sp>
+        <p:grpSp>
+          <p:nvGrpSpPr>
+            <p:cNvPr id="54" name="Group 53">
+              <a:extLst>
+                <a:ext uri="{FF2B5EF4-FFF2-40B4-BE49-F238E27FC236}">
+                  <a16:creationId xmlns:a16="http://schemas.microsoft.com/office/drawing/2014/main" id="{2F037D27-DCB1-7669-78C4-4BC6F431DEFA}"/>
+                </a:ext>
+              </a:extLst>
+            </p:cNvPr>
+            <p:cNvGrpSpPr/>
+            <p:nvPr/>
+          </p:nvGrpSpPr>
+          <p:grpSpPr>
+            <a:xfrm>
+              <a:off x="4611532" y="3194889"/>
+              <a:ext cx="473926" cy="720319"/>
+              <a:chOff x="1386347" y="5813215"/>
+              <a:chExt cx="473926" cy="720319"/>
+            </a:xfrm>
+          </p:grpSpPr>
+          <p:sp>
+            <p:nvSpPr>
+              <p:cNvPr id="55" name="Oval 54">
+                <a:extLst>
+                  <a:ext uri="{FF2B5EF4-FFF2-40B4-BE49-F238E27FC236}">
+                    <a16:creationId xmlns:a16="http://schemas.microsoft.com/office/drawing/2014/main" id="{E9DAE1DF-E355-A33D-BAE1-7B181668D420}"/>
+                  </a:ext>
+                </a:extLst>
+              </p:cNvPr>
+              <p:cNvSpPr/>
+              <p:nvPr/>
+            </p:nvSpPr>
+            <p:spPr>
+              <a:xfrm>
+                <a:off x="1386347" y="6044273"/>
+                <a:ext cx="473926" cy="489261"/>
+              </a:xfrm>
+              <a:prstGeom prst="ellipse">
+                <a:avLst/>
+              </a:prstGeom>
+              <a:noFill/>
+              <a:ln>
+                <a:solidFill>
+                  <a:schemeClr val="tx1"/>
+                </a:solidFill>
+              </a:ln>
+            </p:spPr>
+            <p:style>
+              <a:lnRef idx="2">
+                <a:schemeClr val="accent1">
+                  <a:shade val="50000"/>
+                </a:schemeClr>
+              </a:lnRef>
+              <a:fillRef idx="1">
+                <a:schemeClr val="accent1"/>
+              </a:fillRef>
+              <a:effectRef idx="0">
+                <a:schemeClr val="accent1"/>
+              </a:effectRef>
+              <a:fontRef idx="minor">
+                <a:schemeClr val="lt1"/>
+              </a:fontRef>
+            </p:style>
+            <p:txBody>
+              <a:bodyPr rtlCol="0" anchor="ctr"/>
+              <a:lstStyle/>
+              <a:p>
+                <a:pPr algn="ctr"/>
+                <a:r>
+                  <a:rPr lang="en-US" dirty="0">
+                    <a:solidFill>
+                      <a:sysClr val="windowText" lastClr="000000"/>
+                    </a:solidFill>
+                  </a:rPr>
+                  <a:t>R</a:t>
+                </a:r>
+              </a:p>
+            </p:txBody>
+          </p:sp>
+          <p:cxnSp>
+            <p:nvCxnSpPr>
+              <p:cNvPr id="56" name="Straight Arrow Connector 55">
+                <a:extLst>
+                  <a:ext uri="{FF2B5EF4-FFF2-40B4-BE49-F238E27FC236}">
+                    <a16:creationId xmlns:a16="http://schemas.microsoft.com/office/drawing/2014/main" id="{0E5B1EF0-124A-6198-9B3A-4D8C5450ECA6}"/>
+                  </a:ext>
+                </a:extLst>
+              </p:cNvPr>
+              <p:cNvCxnSpPr>
+                <a:cxnSpLocks/>
+                <a:stCxn id="55" idx="0"/>
+              </p:cNvCxnSpPr>
+              <p:nvPr/>
+            </p:nvCxnSpPr>
+            <p:spPr>
+              <a:xfrm flipV="1">
+                <a:off x="1623310" y="5813215"/>
+                <a:ext cx="0" cy="231058"/>
+              </a:xfrm>
+              <a:prstGeom prst="straightConnector1">
+                <a:avLst/>
+              </a:prstGeom>
+              <a:ln w="38100">
+                <a:solidFill>
+                  <a:schemeClr val="tx1"/>
+                </a:solidFill>
+                <a:tailEnd type="triangle"/>
+              </a:ln>
+            </p:spPr>
+            <p:style>
+              <a:lnRef idx="1">
+                <a:schemeClr val="accent1"/>
+              </a:lnRef>
+              <a:fillRef idx="0">
+                <a:schemeClr val="accent1"/>
+              </a:fillRef>
+              <a:effectRef idx="0">
+                <a:schemeClr val="accent1"/>
+              </a:effectRef>
+              <a:fontRef idx="minor">
+                <a:schemeClr val="tx1"/>
+              </a:fontRef>
+            </p:style>
+          </p:cxnSp>
+        </p:grpSp>
+        <p:cxnSp>
+          <p:nvCxnSpPr>
+            <p:cNvPr id="57" name="Straight Arrow Connector 56">
+              <a:extLst>
+                <a:ext uri="{FF2B5EF4-FFF2-40B4-BE49-F238E27FC236}">
+                  <a16:creationId xmlns:a16="http://schemas.microsoft.com/office/drawing/2014/main" id="{31FCD060-88AF-8BBB-A74A-E72CBBD74537}"/>
+                </a:ext>
+              </a:extLst>
+            </p:cNvPr>
+            <p:cNvCxnSpPr>
+              <a:cxnSpLocks/>
+              <a:stCxn id="52" idx="0"/>
+              <a:endCxn id="55" idx="3"/>
+            </p:cNvCxnSpPr>
+            <p:nvPr/>
+          </p:nvCxnSpPr>
+          <p:spPr>
+            <a:xfrm flipV="1">
+              <a:off x="2703440" y="3843557"/>
+              <a:ext cx="1977497" cy="367642"/>
+            </a:xfrm>
+            <a:prstGeom prst="straightConnector1">
+              <a:avLst/>
+            </a:prstGeom>
+            <a:ln w="38100">
+              <a:solidFill>
+                <a:schemeClr val="tx1"/>
+              </a:solidFill>
+              <a:tailEnd type="triangle"/>
+            </a:ln>
+          </p:spPr>
+          <p:style>
+            <a:lnRef idx="1">
+              <a:schemeClr val="accent1"/>
+            </a:lnRef>
+            <a:fillRef idx="0">
+              <a:schemeClr val="accent1"/>
+            </a:fillRef>
+            <a:effectRef idx="0">
+              <a:schemeClr val="accent1"/>
+            </a:effectRef>
+            <a:fontRef idx="minor">
+              <a:schemeClr val="tx1"/>
+            </a:fontRef>
+          </p:style>
+        </p:cxnSp>
+        <p:cxnSp>
+          <p:nvCxnSpPr>
+            <p:cNvPr id="60" name="Straight Arrow Connector 59">
+              <a:extLst>
+                <a:ext uri="{FF2B5EF4-FFF2-40B4-BE49-F238E27FC236}">
+                  <a16:creationId xmlns:a16="http://schemas.microsoft.com/office/drawing/2014/main" id="{1DBF5326-D315-A178-F439-1A1922BA9BC1}"/>
+                </a:ext>
+              </a:extLst>
+            </p:cNvPr>
+            <p:cNvCxnSpPr>
+              <a:cxnSpLocks/>
+              <a:stCxn id="53" idx="0"/>
+              <a:endCxn id="55" idx="5"/>
+            </p:cNvCxnSpPr>
+            <p:nvPr/>
+          </p:nvCxnSpPr>
+          <p:spPr>
+            <a:xfrm flipH="1" flipV="1">
+              <a:off x="5016053" y="3843557"/>
+              <a:ext cx="1963700" cy="367641"/>
+            </a:xfrm>
+            <a:prstGeom prst="straightConnector1">
+              <a:avLst/>
+            </a:prstGeom>
+            <a:ln w="38100">
+              <a:solidFill>
+                <a:schemeClr val="tx1"/>
+              </a:solidFill>
+              <a:tailEnd type="triangle"/>
+            </a:ln>
+          </p:spPr>
+          <p:style>
+            <a:lnRef idx="1">
+              <a:schemeClr val="accent1"/>
+            </a:lnRef>
+            <a:fillRef idx="0">
+              <a:schemeClr val="accent1"/>
+            </a:fillRef>
+            <a:effectRef idx="0">
+              <a:schemeClr val="accent1"/>
+            </a:effectRef>
+            <a:fontRef idx="minor">
+              <a:schemeClr val="tx1"/>
+            </a:fontRef>
+          </p:style>
+        </p:cxnSp>
+        <p:sp>
+          <p:nvSpPr>
+            <p:cNvPr id="63" name="Rectangle 62">
+              <a:extLst>
+                <a:ext uri="{FF2B5EF4-FFF2-40B4-BE49-F238E27FC236}">
+                  <a16:creationId xmlns:a16="http://schemas.microsoft.com/office/drawing/2014/main" id="{2EF0CFCF-9056-4E1C-60E1-75851D661F97}"/>
+                </a:ext>
+              </a:extLst>
+            </p:cNvPr>
+            <p:cNvSpPr/>
+            <p:nvPr/>
+          </p:nvSpPr>
+          <p:spPr>
+            <a:xfrm>
+              <a:off x="653513" y="2936686"/>
+              <a:ext cx="8373687" cy="238539"/>
+            </a:xfrm>
+            <a:prstGeom prst="rect">
+              <a:avLst/>
+            </a:prstGeom>
+          </p:spPr>
+          <p:style>
+            <a:lnRef idx="2">
+              <a:schemeClr val="accent1">
+                <a:shade val="50000"/>
+              </a:schemeClr>
+            </a:lnRef>
+            <a:fillRef idx="1">
+              <a:schemeClr val="accent1"/>
+            </a:fillRef>
+            <a:effectRef idx="0">
+              <a:schemeClr val="accent1"/>
+            </a:effectRef>
+            <a:fontRef idx="minor">
+              <a:schemeClr val="lt1"/>
+            </a:fontRef>
+          </p:style>
+          <p:txBody>
+            <a:bodyPr rtlCol="0" anchor="ctr"/>
+            <a:lstStyle/>
+            <a:p>
+              <a:pPr algn="ctr"/>
+              <a:endParaRPr lang="en-US"/>
+            </a:p>
+          </p:txBody>
+        </p:sp>
+        <p:cxnSp>
+          <p:nvCxnSpPr>
+            <p:cNvPr id="64" name="Straight Arrow Connector 63">
+              <a:extLst>
+                <a:ext uri="{FF2B5EF4-FFF2-40B4-BE49-F238E27FC236}">
+                  <a16:creationId xmlns:a16="http://schemas.microsoft.com/office/drawing/2014/main" id="{2183999B-FD82-3434-FF71-ABFB285C99C3}"/>
+                </a:ext>
+              </a:extLst>
+            </p:cNvPr>
+            <p:cNvCxnSpPr>
+              <a:cxnSpLocks/>
+            </p:cNvCxnSpPr>
+            <p:nvPr/>
+          </p:nvCxnSpPr>
+          <p:spPr>
+            <a:xfrm flipV="1">
+              <a:off x="2634035" y="2667474"/>
+              <a:ext cx="0" cy="269212"/>
+            </a:xfrm>
+            <a:prstGeom prst="straightConnector1">
+              <a:avLst/>
+            </a:prstGeom>
+            <a:ln w="38100">
+              <a:solidFill>
+                <a:schemeClr val="tx1"/>
+              </a:solidFill>
+              <a:tailEnd type="triangle"/>
+            </a:ln>
+          </p:spPr>
+          <p:style>
+            <a:lnRef idx="1">
+              <a:schemeClr val="accent1"/>
+            </a:lnRef>
+            <a:fillRef idx="0">
+              <a:schemeClr val="accent1"/>
+            </a:fillRef>
+            <a:effectRef idx="0">
+              <a:schemeClr val="accent1"/>
+            </a:effectRef>
+            <a:fontRef idx="minor">
+              <a:schemeClr val="tx1"/>
+            </a:fontRef>
+          </p:style>
+        </p:cxnSp>
+        <p:grpSp>
+          <p:nvGrpSpPr>
+            <p:cNvPr id="67" name="Group 66">
+              <a:extLst>
+                <a:ext uri="{FF2B5EF4-FFF2-40B4-BE49-F238E27FC236}">
+                  <a16:creationId xmlns:a16="http://schemas.microsoft.com/office/drawing/2014/main" id="{C6835D29-CBCE-4BE4-D26E-8BB78897916B}"/>
+                </a:ext>
+              </a:extLst>
+            </p:cNvPr>
+            <p:cNvGrpSpPr/>
+            <p:nvPr/>
+          </p:nvGrpSpPr>
+          <p:grpSpPr>
+            <a:xfrm>
+              <a:off x="2404757" y="1944215"/>
+              <a:ext cx="473926" cy="720319"/>
+              <a:chOff x="1386347" y="5813215"/>
+              <a:chExt cx="473926" cy="720319"/>
+            </a:xfrm>
+          </p:grpSpPr>
+          <p:sp>
+            <p:nvSpPr>
+              <p:cNvPr id="68" name="Oval 67">
+                <a:extLst>
+                  <a:ext uri="{FF2B5EF4-FFF2-40B4-BE49-F238E27FC236}">
+                    <a16:creationId xmlns:a16="http://schemas.microsoft.com/office/drawing/2014/main" id="{81B5687E-FFA5-6747-9BC5-0178F8ED4343}"/>
+                  </a:ext>
+                </a:extLst>
+              </p:cNvPr>
+              <p:cNvSpPr/>
+              <p:nvPr/>
+            </p:nvSpPr>
+            <p:spPr>
+              <a:xfrm>
+                <a:off x="1386347" y="6044273"/>
+                <a:ext cx="473926" cy="489261"/>
+              </a:xfrm>
+              <a:prstGeom prst="ellipse">
+                <a:avLst/>
+              </a:prstGeom>
+              <a:noFill/>
+              <a:ln>
+                <a:solidFill>
+                  <a:schemeClr val="tx1"/>
+                </a:solidFill>
+              </a:ln>
+            </p:spPr>
+            <p:style>
+              <a:lnRef idx="2">
+                <a:schemeClr val="accent1">
+                  <a:shade val="50000"/>
+                </a:schemeClr>
+              </a:lnRef>
+              <a:fillRef idx="1">
+                <a:schemeClr val="accent1"/>
+              </a:fillRef>
+              <a:effectRef idx="0">
+                <a:schemeClr val="accent1"/>
+              </a:effectRef>
+              <a:fontRef idx="minor">
+                <a:schemeClr val="lt1"/>
+              </a:fontRef>
+            </p:style>
+            <p:txBody>
+              <a:bodyPr rtlCol="0" anchor="ctr"/>
+              <a:lstStyle/>
+              <a:p>
+                <a:pPr algn="ctr"/>
+                <a:r>
+                  <a:rPr lang="en-US" dirty="0">
+                    <a:solidFill>
+                      <a:sysClr val="windowText" lastClr="000000"/>
+                    </a:solidFill>
+                  </a:rPr>
+                  <a:t>%</a:t>
+                </a:r>
+              </a:p>
+            </p:txBody>
+          </p:sp>
+          <p:cxnSp>
+            <p:nvCxnSpPr>
+              <p:cNvPr id="69" name="Straight Arrow Connector 68">
+                <a:extLst>
+                  <a:ext uri="{FF2B5EF4-FFF2-40B4-BE49-F238E27FC236}">
+                    <a16:creationId xmlns:a16="http://schemas.microsoft.com/office/drawing/2014/main" id="{5C2F3446-C980-AE5B-0333-A834EB482B68}"/>
+                  </a:ext>
+                </a:extLst>
+              </p:cNvPr>
+              <p:cNvCxnSpPr>
+                <a:cxnSpLocks/>
+                <a:stCxn id="68" idx="0"/>
+              </p:cNvCxnSpPr>
+              <p:nvPr/>
+            </p:nvCxnSpPr>
+            <p:spPr>
+              <a:xfrm flipV="1">
+                <a:off x="1623310" y="5813215"/>
+                <a:ext cx="0" cy="231058"/>
+              </a:xfrm>
+              <a:prstGeom prst="straightConnector1">
+                <a:avLst/>
+              </a:prstGeom>
+              <a:ln w="38100">
+                <a:solidFill>
+                  <a:schemeClr val="tx1"/>
+                </a:solidFill>
+                <a:tailEnd type="triangle"/>
+              </a:ln>
+            </p:spPr>
+            <p:style>
+              <a:lnRef idx="1">
+                <a:schemeClr val="accent1"/>
+              </a:lnRef>
+              <a:fillRef idx="0">
+                <a:schemeClr val="accent1"/>
+              </a:fillRef>
+              <a:effectRef idx="0">
+                <a:schemeClr val="accent1"/>
+              </a:effectRef>
+              <a:fontRef idx="minor">
+                <a:schemeClr val="tx1"/>
+              </a:fontRef>
+            </p:style>
+          </p:cxnSp>
+        </p:grpSp>
+        <p:cxnSp>
+          <p:nvCxnSpPr>
+            <p:cNvPr id="70" name="Straight Arrow Connector 69">
+              <a:extLst>
+                <a:ext uri="{FF2B5EF4-FFF2-40B4-BE49-F238E27FC236}">
+                  <a16:creationId xmlns:a16="http://schemas.microsoft.com/office/drawing/2014/main" id="{BB1DFF5F-1D7D-D570-0BCF-90B8129E2859}"/>
+                </a:ext>
+              </a:extLst>
+            </p:cNvPr>
+            <p:cNvCxnSpPr>
+              <a:cxnSpLocks/>
+            </p:cNvCxnSpPr>
+            <p:nvPr/>
+          </p:nvCxnSpPr>
+          <p:spPr>
+            <a:xfrm flipV="1">
+              <a:off x="7069233" y="2667474"/>
+              <a:ext cx="0" cy="269212"/>
+            </a:xfrm>
+            <a:prstGeom prst="straightConnector1">
+              <a:avLst/>
+            </a:prstGeom>
+            <a:ln w="38100">
+              <a:solidFill>
+                <a:schemeClr val="tx1"/>
+              </a:solidFill>
+              <a:tailEnd type="triangle"/>
+            </a:ln>
+          </p:spPr>
+          <p:style>
+            <a:lnRef idx="1">
+              <a:schemeClr val="accent1"/>
+            </a:lnRef>
+            <a:fillRef idx="0">
+              <a:schemeClr val="accent1"/>
+            </a:fillRef>
+            <a:effectRef idx="0">
+              <a:schemeClr val="accent1"/>
+            </a:effectRef>
+            <a:fontRef idx="minor">
+              <a:schemeClr val="tx1"/>
+            </a:fontRef>
+          </p:style>
+        </p:cxnSp>
+        <p:grpSp>
+          <p:nvGrpSpPr>
+            <p:cNvPr id="71" name="Group 70">
+              <a:extLst>
+                <a:ext uri="{FF2B5EF4-FFF2-40B4-BE49-F238E27FC236}">
+                  <a16:creationId xmlns:a16="http://schemas.microsoft.com/office/drawing/2014/main" id="{99CB8F78-5AA9-F3FB-9FEA-DB8DCE024C32}"/>
+                </a:ext>
+              </a:extLst>
+            </p:cNvPr>
+            <p:cNvGrpSpPr/>
+            <p:nvPr/>
+          </p:nvGrpSpPr>
+          <p:grpSpPr>
+            <a:xfrm>
+              <a:off x="6839955" y="1944215"/>
+              <a:ext cx="473926" cy="720319"/>
+              <a:chOff x="1386347" y="5813215"/>
+              <a:chExt cx="473926" cy="720319"/>
+            </a:xfrm>
+          </p:grpSpPr>
+          <p:sp>
+            <p:nvSpPr>
+              <p:cNvPr id="72" name="Oval 71">
+                <a:extLst>
+                  <a:ext uri="{FF2B5EF4-FFF2-40B4-BE49-F238E27FC236}">
+                    <a16:creationId xmlns:a16="http://schemas.microsoft.com/office/drawing/2014/main" id="{E585593F-C353-3EE7-717D-8228FCF22608}"/>
+                  </a:ext>
+                </a:extLst>
+              </p:cNvPr>
+              <p:cNvSpPr/>
+              <p:nvPr/>
+            </p:nvSpPr>
+            <p:spPr>
+              <a:xfrm>
+                <a:off x="1386347" y="6044273"/>
+                <a:ext cx="473926" cy="489261"/>
+              </a:xfrm>
+              <a:prstGeom prst="ellipse">
+                <a:avLst/>
+              </a:prstGeom>
+              <a:noFill/>
+              <a:ln>
+                <a:solidFill>
+                  <a:schemeClr val="tx1"/>
+                </a:solidFill>
+              </a:ln>
+            </p:spPr>
+            <p:style>
+              <a:lnRef idx="2">
+                <a:schemeClr val="accent1">
+                  <a:shade val="50000"/>
+                </a:schemeClr>
+              </a:lnRef>
+              <a:fillRef idx="1">
+                <a:schemeClr val="accent1"/>
+              </a:fillRef>
+              <a:effectRef idx="0">
+                <a:schemeClr val="accent1"/>
+              </a:effectRef>
+              <a:fontRef idx="minor">
+                <a:schemeClr val="lt1"/>
+              </a:fontRef>
+            </p:style>
+            <p:txBody>
+              <a:bodyPr rtlCol="0" anchor="ctr"/>
+              <a:lstStyle/>
+              <a:p>
+                <a:pPr algn="ctr"/>
+                <a:r>
+                  <a:rPr lang="en-US" dirty="0">
+                    <a:solidFill>
+                      <a:sysClr val="windowText" lastClr="000000"/>
+                    </a:solidFill>
+                  </a:rPr>
+                  <a:t>%</a:t>
+                </a:r>
+              </a:p>
+            </p:txBody>
+          </p:sp>
+          <p:cxnSp>
+            <p:nvCxnSpPr>
+              <p:cNvPr id="73" name="Straight Arrow Connector 72">
+                <a:extLst>
+                  <a:ext uri="{FF2B5EF4-FFF2-40B4-BE49-F238E27FC236}">
+                    <a16:creationId xmlns:a16="http://schemas.microsoft.com/office/drawing/2014/main" id="{F60E0B17-59F7-6D60-B4EB-FBF41C8EC882}"/>
+                  </a:ext>
+                </a:extLst>
+              </p:cNvPr>
+              <p:cNvCxnSpPr>
+                <a:cxnSpLocks/>
+                <a:stCxn id="72" idx="0"/>
+              </p:cNvCxnSpPr>
+              <p:nvPr/>
+            </p:nvCxnSpPr>
+            <p:spPr>
+              <a:xfrm flipV="1">
+                <a:off x="1623310" y="5813215"/>
+                <a:ext cx="0" cy="231058"/>
+              </a:xfrm>
+              <a:prstGeom prst="straightConnector1">
+                <a:avLst/>
+              </a:prstGeom>
+              <a:ln w="38100">
+                <a:solidFill>
+                  <a:schemeClr val="tx1"/>
+                </a:solidFill>
+                <a:tailEnd type="triangle"/>
+              </a:ln>
+            </p:spPr>
+            <p:style>
+              <a:lnRef idx="1">
+                <a:schemeClr val="accent1"/>
+              </a:lnRef>
+              <a:fillRef idx="0">
+                <a:schemeClr val="accent1"/>
+              </a:fillRef>
+              <a:effectRef idx="0">
+                <a:schemeClr val="accent1"/>
+              </a:effectRef>
+              <a:fontRef idx="minor">
+                <a:schemeClr val="tx1"/>
+              </a:fontRef>
+            </p:style>
+          </p:cxnSp>
+        </p:grpSp>
+        <p:sp>
+          <p:nvSpPr>
+            <p:cNvPr id="74" name="Rectangle 73">
+              <a:extLst>
+                <a:ext uri="{FF2B5EF4-FFF2-40B4-BE49-F238E27FC236}">
+                  <a16:creationId xmlns:a16="http://schemas.microsoft.com/office/drawing/2014/main" id="{574483A2-E4EA-2F73-0A14-AB039C9A0F86}"/>
+                </a:ext>
+              </a:extLst>
+            </p:cNvPr>
+            <p:cNvSpPr/>
+            <p:nvPr/>
+          </p:nvSpPr>
+          <p:spPr>
+            <a:xfrm>
+              <a:off x="653513" y="1696496"/>
+              <a:ext cx="4094916" cy="238539"/>
+            </a:xfrm>
+            <a:prstGeom prst="rect">
+              <a:avLst/>
+            </a:prstGeom>
+          </p:spPr>
+          <p:style>
+            <a:lnRef idx="2">
+              <a:schemeClr val="accent1">
+                <a:shade val="50000"/>
+              </a:schemeClr>
+            </a:lnRef>
+            <a:fillRef idx="1">
+              <a:schemeClr val="accent1"/>
+            </a:fillRef>
+            <a:effectRef idx="0">
+              <a:schemeClr val="accent1"/>
+            </a:effectRef>
+            <a:fontRef idx="minor">
+              <a:schemeClr val="lt1"/>
+            </a:fontRef>
+          </p:style>
+          <p:txBody>
+            <a:bodyPr rtlCol="0" anchor="ctr"/>
+            <a:lstStyle/>
+            <a:p>
+              <a:pPr algn="ctr"/>
+              <a:endParaRPr lang="en-US"/>
+            </a:p>
+          </p:txBody>
+        </p:sp>
+        <p:sp>
+          <p:nvSpPr>
+            <p:cNvPr id="75" name="Rectangle 74">
+              <a:extLst>
+                <a:ext uri="{FF2B5EF4-FFF2-40B4-BE49-F238E27FC236}">
+                  <a16:creationId xmlns:a16="http://schemas.microsoft.com/office/drawing/2014/main" id="{34ED210A-D371-F323-7967-362786EBD5F3}"/>
+                </a:ext>
+              </a:extLst>
+            </p:cNvPr>
+            <p:cNvSpPr/>
+            <p:nvPr/>
+          </p:nvSpPr>
+          <p:spPr>
+            <a:xfrm>
+              <a:off x="4929826" y="1696495"/>
+              <a:ext cx="4094916" cy="238539"/>
+            </a:xfrm>
+            <a:prstGeom prst="rect">
+              <a:avLst/>
+            </a:prstGeom>
+          </p:spPr>
+          <p:style>
+            <a:lnRef idx="2">
+              <a:schemeClr val="accent1">
+                <a:shade val="50000"/>
+              </a:schemeClr>
+            </a:lnRef>
+            <a:fillRef idx="1">
+              <a:schemeClr val="accent1"/>
+            </a:fillRef>
+            <a:effectRef idx="0">
+              <a:schemeClr val="accent1"/>
+            </a:effectRef>
+            <a:fontRef idx="minor">
+              <a:schemeClr val="lt1"/>
+            </a:fontRef>
+          </p:style>
+          <p:txBody>
+            <a:bodyPr rtlCol="0" anchor="ctr"/>
+            <a:lstStyle/>
+            <a:p>
+              <a:pPr algn="ctr"/>
+              <a:endParaRPr lang="en-US"/>
+            </a:p>
+          </p:txBody>
+        </p:sp>
+        <p:sp>
+          <p:nvSpPr>
+            <p:cNvPr id="76" name="Rectangle 75">
+              <a:extLst>
+                <a:ext uri="{FF2B5EF4-FFF2-40B4-BE49-F238E27FC236}">
+                  <a16:creationId xmlns:a16="http://schemas.microsoft.com/office/drawing/2014/main" id="{D677C7E6-3479-63C6-88C8-799C97F7A56A}"/>
+                </a:ext>
+              </a:extLst>
+            </p:cNvPr>
+            <p:cNvSpPr/>
+            <p:nvPr/>
+          </p:nvSpPr>
+          <p:spPr>
+            <a:xfrm>
+              <a:off x="655982" y="470025"/>
+              <a:ext cx="1961321" cy="238539"/>
+            </a:xfrm>
+            <a:prstGeom prst="rect">
+              <a:avLst/>
+            </a:prstGeom>
+          </p:spPr>
+          <p:style>
+            <a:lnRef idx="2">
+              <a:schemeClr val="accent1">
+                <a:shade val="50000"/>
+              </a:schemeClr>
+            </a:lnRef>
+            <a:fillRef idx="1">
+              <a:schemeClr val="accent1"/>
+            </a:fillRef>
+            <a:effectRef idx="0">
+              <a:schemeClr val="accent1"/>
+            </a:effectRef>
+            <a:fontRef idx="minor">
+              <a:schemeClr val="lt1"/>
+            </a:fontRef>
+          </p:style>
+          <p:txBody>
+            <a:bodyPr rtlCol="0" anchor="ctr"/>
+            <a:lstStyle/>
+            <a:p>
+              <a:pPr algn="ctr"/>
+              <a:endParaRPr lang="en-US"/>
+            </a:p>
+          </p:txBody>
+        </p:sp>
+        <p:sp>
+          <p:nvSpPr>
+            <p:cNvPr id="77" name="Rectangle 76">
+              <a:extLst>
+                <a:ext uri="{FF2B5EF4-FFF2-40B4-BE49-F238E27FC236}">
+                  <a16:creationId xmlns:a16="http://schemas.microsoft.com/office/drawing/2014/main" id="{3A99137C-FA85-070C-0953-D650DA0385AE}"/>
+                </a:ext>
+              </a:extLst>
+            </p:cNvPr>
+            <p:cNvSpPr/>
+            <p:nvPr/>
+          </p:nvSpPr>
+          <p:spPr>
+            <a:xfrm>
+              <a:off x="2789582" y="470025"/>
+              <a:ext cx="1961321" cy="238539"/>
+            </a:xfrm>
+            <a:prstGeom prst="rect">
+              <a:avLst/>
+            </a:prstGeom>
+          </p:spPr>
+          <p:style>
+            <a:lnRef idx="2">
+              <a:schemeClr val="accent1">
+                <a:shade val="50000"/>
+              </a:schemeClr>
+            </a:lnRef>
+            <a:fillRef idx="1">
+              <a:schemeClr val="accent1"/>
+            </a:fillRef>
+            <a:effectRef idx="0">
+              <a:schemeClr val="accent1"/>
+            </a:effectRef>
+            <a:fontRef idx="minor">
+              <a:schemeClr val="lt1"/>
+            </a:fontRef>
+          </p:style>
+          <p:txBody>
+            <a:bodyPr rtlCol="0" anchor="ctr"/>
+            <a:lstStyle/>
+            <a:p>
+              <a:pPr algn="ctr"/>
+              <a:endParaRPr lang="en-US"/>
+            </a:p>
+          </p:txBody>
+        </p:sp>
+        <p:sp>
+          <p:nvSpPr>
+            <p:cNvPr id="78" name="Rectangle 77">
+              <a:extLst>
+                <a:ext uri="{FF2B5EF4-FFF2-40B4-BE49-F238E27FC236}">
+                  <a16:creationId xmlns:a16="http://schemas.microsoft.com/office/drawing/2014/main" id="{0E3C023B-DC9E-2EB5-9C84-3DD8BDDDB723}"/>
+                </a:ext>
+              </a:extLst>
+            </p:cNvPr>
+            <p:cNvSpPr/>
+            <p:nvPr/>
+          </p:nvSpPr>
+          <p:spPr>
+            <a:xfrm>
+              <a:off x="4923182" y="470025"/>
+              <a:ext cx="1961321" cy="238539"/>
+            </a:xfrm>
+            <a:prstGeom prst="rect">
+              <a:avLst/>
+            </a:prstGeom>
+          </p:spPr>
+          <p:style>
+            <a:lnRef idx="2">
+              <a:schemeClr val="accent1">
+                <a:shade val="50000"/>
+              </a:schemeClr>
+            </a:lnRef>
+            <a:fillRef idx="1">
+              <a:schemeClr val="accent1"/>
+            </a:fillRef>
+            <a:effectRef idx="0">
+              <a:schemeClr val="accent1"/>
+            </a:effectRef>
+            <a:fontRef idx="minor">
+              <a:schemeClr val="lt1"/>
+            </a:fontRef>
+          </p:style>
+          <p:txBody>
+            <a:bodyPr rtlCol="0" anchor="ctr"/>
+            <a:lstStyle/>
+            <a:p>
+              <a:pPr algn="ctr"/>
+              <a:endParaRPr lang="en-US"/>
+            </a:p>
+          </p:txBody>
+        </p:sp>
+        <p:sp>
+          <p:nvSpPr>
+            <p:cNvPr id="79" name="Rectangle 78">
+              <a:extLst>
+                <a:ext uri="{FF2B5EF4-FFF2-40B4-BE49-F238E27FC236}">
+                  <a16:creationId xmlns:a16="http://schemas.microsoft.com/office/drawing/2014/main" id="{EF520F10-3BBD-AFC9-7E41-A1BB788564EA}"/>
+                </a:ext>
+              </a:extLst>
+            </p:cNvPr>
+            <p:cNvSpPr/>
+            <p:nvPr/>
+          </p:nvSpPr>
+          <p:spPr>
+            <a:xfrm>
+              <a:off x="7056782" y="470025"/>
+              <a:ext cx="1961321" cy="238539"/>
+            </a:xfrm>
+            <a:prstGeom prst="rect">
+              <a:avLst/>
+            </a:prstGeom>
+          </p:spPr>
+          <p:style>
+            <a:lnRef idx="2">
+              <a:schemeClr val="accent1">
+                <a:shade val="50000"/>
+              </a:schemeClr>
+            </a:lnRef>
+            <a:fillRef idx="1">
+              <a:schemeClr val="accent1"/>
+            </a:fillRef>
+            <a:effectRef idx="0">
+              <a:schemeClr val="accent1"/>
+            </a:effectRef>
+            <a:fontRef idx="minor">
+              <a:schemeClr val="lt1"/>
+            </a:fontRef>
+          </p:style>
+          <p:txBody>
+            <a:bodyPr rtlCol="0" anchor="ctr"/>
+            <a:lstStyle/>
+            <a:p>
+              <a:pPr algn="ctr"/>
+              <a:endParaRPr lang="en-US"/>
+            </a:p>
+          </p:txBody>
+        </p:sp>
+        <p:cxnSp>
+          <p:nvCxnSpPr>
+            <p:cNvPr id="80" name="Straight Arrow Connector 79">
+              <a:extLst>
+                <a:ext uri="{FF2B5EF4-FFF2-40B4-BE49-F238E27FC236}">
+                  <a16:creationId xmlns:a16="http://schemas.microsoft.com/office/drawing/2014/main" id="{DA7C5863-4019-0369-0AEE-28CFE281ABE6}"/>
+                </a:ext>
+              </a:extLst>
+            </p:cNvPr>
+            <p:cNvCxnSpPr>
+              <a:cxnSpLocks/>
+            </p:cNvCxnSpPr>
+            <p:nvPr/>
+          </p:nvCxnSpPr>
+          <p:spPr>
+            <a:xfrm flipV="1">
+              <a:off x="1722783" y="1430001"/>
+              <a:ext cx="0" cy="269212"/>
+            </a:xfrm>
+            <a:prstGeom prst="straightConnector1">
+              <a:avLst/>
+            </a:prstGeom>
+            <a:ln w="38100">
+              <a:solidFill>
+                <a:schemeClr val="tx1"/>
+              </a:solidFill>
+              <a:tailEnd type="triangle"/>
+            </a:ln>
+          </p:spPr>
+          <p:style>
+            <a:lnRef idx="1">
+              <a:schemeClr val="accent1"/>
+            </a:lnRef>
+            <a:fillRef idx="0">
+              <a:schemeClr val="accent1"/>
+            </a:fillRef>
+            <a:effectRef idx="0">
+              <a:schemeClr val="accent1"/>
+            </a:effectRef>
+            <a:fontRef idx="minor">
+              <a:schemeClr val="tx1"/>
+            </a:fontRef>
+          </p:style>
+        </p:cxnSp>
+        <p:grpSp>
+          <p:nvGrpSpPr>
+            <p:cNvPr id="81" name="Group 80">
+              <a:extLst>
+                <a:ext uri="{FF2B5EF4-FFF2-40B4-BE49-F238E27FC236}">
+                  <a16:creationId xmlns:a16="http://schemas.microsoft.com/office/drawing/2014/main" id="{E2135886-B01F-388F-EBA8-FADE02D345EF}"/>
+                </a:ext>
+              </a:extLst>
+            </p:cNvPr>
+            <p:cNvGrpSpPr/>
+            <p:nvPr/>
+          </p:nvGrpSpPr>
+          <p:grpSpPr>
+            <a:xfrm>
+              <a:off x="1493505" y="706742"/>
+              <a:ext cx="473926" cy="720319"/>
+              <a:chOff x="1386347" y="5813215"/>
+              <a:chExt cx="473926" cy="720319"/>
+            </a:xfrm>
+          </p:grpSpPr>
+          <p:sp>
+            <p:nvSpPr>
+              <p:cNvPr id="82" name="Oval 81">
+                <a:extLst>
+                  <a:ext uri="{FF2B5EF4-FFF2-40B4-BE49-F238E27FC236}">
+                    <a16:creationId xmlns:a16="http://schemas.microsoft.com/office/drawing/2014/main" id="{8D98A633-FA3A-1B03-B3E0-BCDBDB508B21}"/>
+                  </a:ext>
+                </a:extLst>
+              </p:cNvPr>
+              <p:cNvSpPr/>
+              <p:nvPr/>
+            </p:nvSpPr>
+            <p:spPr>
+              <a:xfrm>
+                <a:off x="1386347" y="6044273"/>
+                <a:ext cx="473926" cy="489261"/>
+              </a:xfrm>
+              <a:prstGeom prst="ellipse">
+                <a:avLst/>
+              </a:prstGeom>
+              <a:noFill/>
+              <a:ln>
+                <a:solidFill>
+                  <a:schemeClr val="tx1"/>
+                </a:solidFill>
+              </a:ln>
+            </p:spPr>
+            <p:style>
+              <a:lnRef idx="2">
+                <a:schemeClr val="accent1">
+                  <a:shade val="50000"/>
+                </a:schemeClr>
+              </a:lnRef>
+              <a:fillRef idx="1">
+                <a:schemeClr val="accent1"/>
+              </a:fillRef>
+              <a:effectRef idx="0">
+                <a:schemeClr val="accent1"/>
+              </a:effectRef>
+              <a:fontRef idx="minor">
+                <a:schemeClr val="lt1"/>
+              </a:fontRef>
+            </p:style>
+            <p:txBody>
+              <a:bodyPr rtlCol="0" anchor="ctr"/>
+              <a:lstStyle/>
+              <a:p>
+                <a:pPr algn="ctr"/>
+                <a:r>
+                  <a:rPr lang="en-US" dirty="0">
+                    <a:solidFill>
+                      <a:sysClr val="windowText" lastClr="000000"/>
+                    </a:solidFill>
+                  </a:rPr>
+                  <a:t>%</a:t>
+                </a:r>
+              </a:p>
+            </p:txBody>
+          </p:sp>
+          <p:cxnSp>
+            <p:nvCxnSpPr>
+              <p:cNvPr id="83" name="Straight Arrow Connector 82">
+                <a:extLst>
+                  <a:ext uri="{FF2B5EF4-FFF2-40B4-BE49-F238E27FC236}">
+                    <a16:creationId xmlns:a16="http://schemas.microsoft.com/office/drawing/2014/main" id="{138DD223-331A-CCF1-B9BA-9287C66D1312}"/>
+                  </a:ext>
+                </a:extLst>
+              </p:cNvPr>
+              <p:cNvCxnSpPr>
+                <a:cxnSpLocks/>
+                <a:stCxn id="82" idx="0"/>
+              </p:cNvCxnSpPr>
+              <p:nvPr/>
+            </p:nvCxnSpPr>
+            <p:spPr>
+              <a:xfrm flipV="1">
+                <a:off x="1623310" y="5813215"/>
+                <a:ext cx="0" cy="231058"/>
+              </a:xfrm>
+              <a:prstGeom prst="straightConnector1">
+                <a:avLst/>
+              </a:prstGeom>
+              <a:ln w="38100">
+                <a:solidFill>
+                  <a:schemeClr val="tx1"/>
+                </a:solidFill>
+                <a:tailEnd type="triangle"/>
+              </a:ln>
+            </p:spPr>
+            <p:style>
+              <a:lnRef idx="1">
+                <a:schemeClr val="accent1"/>
+              </a:lnRef>
+              <a:fillRef idx="0">
+                <a:schemeClr val="accent1"/>
+              </a:fillRef>
+              <a:effectRef idx="0">
+                <a:schemeClr val="accent1"/>
+              </a:effectRef>
+              <a:fontRef idx="minor">
+                <a:schemeClr val="tx1"/>
+              </a:fontRef>
+            </p:style>
+          </p:cxnSp>
+        </p:grpSp>
+        <p:cxnSp>
+          <p:nvCxnSpPr>
+            <p:cNvPr id="84" name="Straight Arrow Connector 83">
+              <a:extLst>
+                <a:ext uri="{FF2B5EF4-FFF2-40B4-BE49-F238E27FC236}">
+                  <a16:creationId xmlns:a16="http://schemas.microsoft.com/office/drawing/2014/main" id="{BC5D88F9-E229-6DA6-FAE0-360151B5B100}"/>
+                </a:ext>
+              </a:extLst>
+            </p:cNvPr>
+            <p:cNvCxnSpPr>
+              <a:cxnSpLocks/>
+            </p:cNvCxnSpPr>
+            <p:nvPr/>
+          </p:nvCxnSpPr>
+          <p:spPr>
+            <a:xfrm flipV="1">
+              <a:off x="3765269" y="1441003"/>
+              <a:ext cx="0" cy="269212"/>
+            </a:xfrm>
+            <a:prstGeom prst="straightConnector1">
+              <a:avLst/>
+            </a:prstGeom>
+            <a:ln w="38100">
+              <a:solidFill>
+                <a:schemeClr val="tx1"/>
+              </a:solidFill>
+              <a:tailEnd type="triangle"/>
+            </a:ln>
+          </p:spPr>
+          <p:style>
+            <a:lnRef idx="1">
+              <a:schemeClr val="accent1"/>
+            </a:lnRef>
+            <a:fillRef idx="0">
+              <a:schemeClr val="accent1"/>
+            </a:fillRef>
+            <a:effectRef idx="0">
+              <a:schemeClr val="accent1"/>
+            </a:effectRef>
+            <a:fontRef idx="minor">
+              <a:schemeClr val="tx1"/>
+            </a:fontRef>
+          </p:style>
+        </p:cxnSp>
+        <p:grpSp>
+          <p:nvGrpSpPr>
+            <p:cNvPr id="85" name="Group 84">
+              <a:extLst>
+                <a:ext uri="{FF2B5EF4-FFF2-40B4-BE49-F238E27FC236}">
+                  <a16:creationId xmlns:a16="http://schemas.microsoft.com/office/drawing/2014/main" id="{DA28C98B-EB1E-C540-186F-F046F49139CC}"/>
+                </a:ext>
+              </a:extLst>
+            </p:cNvPr>
+            <p:cNvGrpSpPr/>
+            <p:nvPr/>
+          </p:nvGrpSpPr>
+          <p:grpSpPr>
+            <a:xfrm>
+              <a:off x="3535991" y="717744"/>
+              <a:ext cx="473926" cy="720319"/>
+              <a:chOff x="1386347" y="5813215"/>
+              <a:chExt cx="473926" cy="720319"/>
+            </a:xfrm>
+          </p:grpSpPr>
+          <p:sp>
+            <p:nvSpPr>
+              <p:cNvPr id="86" name="Oval 85">
+                <a:extLst>
+                  <a:ext uri="{FF2B5EF4-FFF2-40B4-BE49-F238E27FC236}">
+                    <a16:creationId xmlns:a16="http://schemas.microsoft.com/office/drawing/2014/main" id="{C42BF2DB-2E34-210A-A62B-40E0198AD720}"/>
+                  </a:ext>
+                </a:extLst>
+              </p:cNvPr>
+              <p:cNvSpPr/>
+              <p:nvPr/>
+            </p:nvSpPr>
+            <p:spPr>
+              <a:xfrm>
+                <a:off x="1386347" y="6044273"/>
+                <a:ext cx="473926" cy="489261"/>
+              </a:xfrm>
+              <a:prstGeom prst="ellipse">
+                <a:avLst/>
+              </a:prstGeom>
+              <a:noFill/>
+              <a:ln>
+                <a:solidFill>
+                  <a:schemeClr val="tx1"/>
+                </a:solidFill>
+              </a:ln>
+            </p:spPr>
+            <p:style>
+              <a:lnRef idx="2">
+                <a:schemeClr val="accent1">
+                  <a:shade val="50000"/>
+                </a:schemeClr>
+              </a:lnRef>
+              <a:fillRef idx="1">
+                <a:schemeClr val="accent1"/>
+              </a:fillRef>
+              <a:effectRef idx="0">
+                <a:schemeClr val="accent1"/>
+              </a:effectRef>
+              <a:fontRef idx="minor">
+                <a:schemeClr val="lt1"/>
+              </a:fontRef>
+            </p:style>
+            <p:txBody>
+              <a:bodyPr rtlCol="0" anchor="ctr"/>
+              <a:lstStyle/>
+              <a:p>
+                <a:pPr algn="ctr"/>
+                <a:r>
+                  <a:rPr lang="en-US" dirty="0">
+                    <a:solidFill>
+                      <a:sysClr val="windowText" lastClr="000000"/>
+                    </a:solidFill>
+                  </a:rPr>
+                  <a:t>%</a:t>
+                </a:r>
+              </a:p>
+            </p:txBody>
+          </p:sp>
+          <p:cxnSp>
+            <p:nvCxnSpPr>
+              <p:cNvPr id="87" name="Straight Arrow Connector 86">
+                <a:extLst>
+                  <a:ext uri="{FF2B5EF4-FFF2-40B4-BE49-F238E27FC236}">
+                    <a16:creationId xmlns:a16="http://schemas.microsoft.com/office/drawing/2014/main" id="{23AD3917-C0F2-83F5-6E22-F9AAAC07DD1D}"/>
+                  </a:ext>
+                </a:extLst>
+              </p:cNvPr>
+              <p:cNvCxnSpPr>
+                <a:cxnSpLocks/>
+                <a:stCxn id="86" idx="0"/>
+              </p:cNvCxnSpPr>
+              <p:nvPr/>
+            </p:nvCxnSpPr>
+            <p:spPr>
+              <a:xfrm flipV="1">
+                <a:off x="1623310" y="5813215"/>
+                <a:ext cx="0" cy="231058"/>
+              </a:xfrm>
+              <a:prstGeom prst="straightConnector1">
+                <a:avLst/>
+              </a:prstGeom>
+              <a:ln w="38100">
+                <a:solidFill>
+                  <a:schemeClr val="tx1"/>
+                </a:solidFill>
+                <a:tailEnd type="triangle"/>
+              </a:ln>
+            </p:spPr>
+            <p:style>
+              <a:lnRef idx="1">
+                <a:schemeClr val="accent1"/>
+              </a:lnRef>
+              <a:fillRef idx="0">
+                <a:schemeClr val="accent1"/>
+              </a:fillRef>
+              <a:effectRef idx="0">
+                <a:schemeClr val="accent1"/>
+              </a:effectRef>
+              <a:fontRef idx="minor">
+                <a:schemeClr val="tx1"/>
+              </a:fontRef>
+            </p:style>
+          </p:cxnSp>
+        </p:grpSp>
+        <p:cxnSp>
+          <p:nvCxnSpPr>
+            <p:cNvPr id="88" name="Straight Arrow Connector 87">
+              <a:extLst>
+                <a:ext uri="{FF2B5EF4-FFF2-40B4-BE49-F238E27FC236}">
+                  <a16:creationId xmlns:a16="http://schemas.microsoft.com/office/drawing/2014/main" id="{A1D058C8-5411-9205-2A4D-9A74C0947376}"/>
+                </a:ext>
+              </a:extLst>
+            </p:cNvPr>
+            <p:cNvCxnSpPr>
+              <a:cxnSpLocks/>
+            </p:cNvCxnSpPr>
+            <p:nvPr/>
+          </p:nvCxnSpPr>
+          <p:spPr>
+            <a:xfrm flipV="1">
+              <a:off x="5807755" y="1418102"/>
+              <a:ext cx="0" cy="269212"/>
+            </a:xfrm>
+            <a:prstGeom prst="straightConnector1">
+              <a:avLst/>
+            </a:prstGeom>
+            <a:ln w="38100">
+              <a:solidFill>
+                <a:schemeClr val="tx1"/>
+              </a:solidFill>
+              <a:tailEnd type="triangle"/>
+            </a:ln>
+          </p:spPr>
+          <p:style>
+            <a:lnRef idx="1">
+              <a:schemeClr val="accent1"/>
+            </a:lnRef>
+            <a:fillRef idx="0">
+              <a:schemeClr val="accent1"/>
+            </a:fillRef>
+            <a:effectRef idx="0">
+              <a:schemeClr val="accent1"/>
+            </a:effectRef>
+            <a:fontRef idx="minor">
+              <a:schemeClr val="tx1"/>
+            </a:fontRef>
+          </p:style>
+        </p:cxnSp>
+        <p:grpSp>
+          <p:nvGrpSpPr>
+            <p:cNvPr id="89" name="Group 88">
+              <a:extLst>
+                <a:ext uri="{FF2B5EF4-FFF2-40B4-BE49-F238E27FC236}">
+                  <a16:creationId xmlns:a16="http://schemas.microsoft.com/office/drawing/2014/main" id="{67700C08-4CB8-369E-224B-D8EDDB15E117}"/>
+                </a:ext>
+              </a:extLst>
+            </p:cNvPr>
+            <p:cNvGrpSpPr/>
+            <p:nvPr/>
+          </p:nvGrpSpPr>
+          <p:grpSpPr>
+            <a:xfrm>
+              <a:off x="5578477" y="694843"/>
+              <a:ext cx="473926" cy="720319"/>
+              <a:chOff x="1386347" y="5813215"/>
+              <a:chExt cx="473926" cy="720319"/>
+            </a:xfrm>
+          </p:grpSpPr>
+          <p:sp>
+            <p:nvSpPr>
+              <p:cNvPr id="90" name="Oval 89">
+                <a:extLst>
+                  <a:ext uri="{FF2B5EF4-FFF2-40B4-BE49-F238E27FC236}">
+                    <a16:creationId xmlns:a16="http://schemas.microsoft.com/office/drawing/2014/main" id="{42894AD1-3F1C-BFCA-9CF7-D9979018BEEA}"/>
+                  </a:ext>
+                </a:extLst>
+              </p:cNvPr>
+              <p:cNvSpPr/>
+              <p:nvPr/>
+            </p:nvSpPr>
+            <p:spPr>
+              <a:xfrm>
+                <a:off x="1386347" y="6044273"/>
+                <a:ext cx="473926" cy="489261"/>
+              </a:xfrm>
+              <a:prstGeom prst="ellipse">
+                <a:avLst/>
+              </a:prstGeom>
+              <a:noFill/>
+              <a:ln>
+                <a:solidFill>
+                  <a:schemeClr val="tx1"/>
+                </a:solidFill>
+              </a:ln>
+            </p:spPr>
+            <p:style>
+              <a:lnRef idx="2">
+                <a:schemeClr val="accent1">
+                  <a:shade val="50000"/>
+                </a:schemeClr>
+              </a:lnRef>
+              <a:fillRef idx="1">
+                <a:schemeClr val="accent1"/>
+              </a:fillRef>
+              <a:effectRef idx="0">
+                <a:schemeClr val="accent1"/>
+              </a:effectRef>
+              <a:fontRef idx="minor">
+                <a:schemeClr val="lt1"/>
+              </a:fontRef>
+            </p:style>
+            <p:txBody>
+              <a:bodyPr rtlCol="0" anchor="ctr"/>
+              <a:lstStyle/>
+              <a:p>
+                <a:pPr algn="ctr"/>
+                <a:r>
+                  <a:rPr lang="en-US" dirty="0">
+                    <a:solidFill>
+                      <a:sysClr val="windowText" lastClr="000000"/>
+                    </a:solidFill>
+                  </a:rPr>
+                  <a:t>%</a:t>
+                </a:r>
+              </a:p>
+            </p:txBody>
+          </p:sp>
+          <p:cxnSp>
+            <p:nvCxnSpPr>
+              <p:cNvPr id="91" name="Straight Arrow Connector 90">
+                <a:extLst>
+                  <a:ext uri="{FF2B5EF4-FFF2-40B4-BE49-F238E27FC236}">
+                    <a16:creationId xmlns:a16="http://schemas.microsoft.com/office/drawing/2014/main" id="{59369995-3E94-1FBA-6DE2-B1F13A559E79}"/>
+                  </a:ext>
+                </a:extLst>
+              </p:cNvPr>
+              <p:cNvCxnSpPr>
+                <a:cxnSpLocks/>
+                <a:stCxn id="90" idx="0"/>
+              </p:cNvCxnSpPr>
+              <p:nvPr/>
+            </p:nvCxnSpPr>
+            <p:spPr>
+              <a:xfrm flipV="1">
+                <a:off x="1623310" y="5813215"/>
+                <a:ext cx="0" cy="231058"/>
+              </a:xfrm>
+              <a:prstGeom prst="straightConnector1">
+                <a:avLst/>
+              </a:prstGeom>
+              <a:ln w="38100">
+                <a:solidFill>
+                  <a:schemeClr val="tx1"/>
+                </a:solidFill>
+                <a:tailEnd type="triangle"/>
+              </a:ln>
+            </p:spPr>
+            <p:style>
+              <a:lnRef idx="1">
+                <a:schemeClr val="accent1"/>
+              </a:lnRef>
+              <a:fillRef idx="0">
+                <a:schemeClr val="accent1"/>
+              </a:fillRef>
+              <a:effectRef idx="0">
+                <a:schemeClr val="accent1"/>
+              </a:effectRef>
+              <a:fontRef idx="minor">
+                <a:schemeClr val="tx1"/>
+              </a:fontRef>
+            </p:style>
+          </p:cxnSp>
+        </p:grpSp>
+        <p:cxnSp>
+          <p:nvCxnSpPr>
+            <p:cNvPr id="92" name="Straight Arrow Connector 91">
+              <a:extLst>
+                <a:ext uri="{FF2B5EF4-FFF2-40B4-BE49-F238E27FC236}">
+                  <a16:creationId xmlns:a16="http://schemas.microsoft.com/office/drawing/2014/main" id="{A20D9778-2E7E-EA25-D5A3-51E03807F6A8}"/>
+                </a:ext>
+              </a:extLst>
+            </p:cNvPr>
+            <p:cNvCxnSpPr>
+              <a:cxnSpLocks/>
+            </p:cNvCxnSpPr>
+            <p:nvPr/>
+          </p:nvCxnSpPr>
+          <p:spPr>
+            <a:xfrm flipV="1">
+              <a:off x="8115898" y="1428189"/>
+              <a:ext cx="0" cy="269212"/>
+            </a:xfrm>
+            <a:prstGeom prst="straightConnector1">
+              <a:avLst/>
+            </a:prstGeom>
+            <a:ln w="38100">
+              <a:solidFill>
+                <a:schemeClr val="tx1"/>
+              </a:solidFill>
+              <a:tailEnd type="triangle"/>
+            </a:ln>
+          </p:spPr>
+          <p:style>
+            <a:lnRef idx="1">
+              <a:schemeClr val="accent1"/>
+            </a:lnRef>
+            <a:fillRef idx="0">
+              <a:schemeClr val="accent1"/>
+            </a:fillRef>
+            <a:effectRef idx="0">
+              <a:schemeClr val="accent1"/>
+            </a:effectRef>
+            <a:fontRef idx="minor">
+              <a:schemeClr val="tx1"/>
+            </a:fontRef>
+          </p:style>
+        </p:cxnSp>
+        <p:grpSp>
+          <p:nvGrpSpPr>
+            <p:cNvPr id="93" name="Group 92">
+              <a:extLst>
+                <a:ext uri="{FF2B5EF4-FFF2-40B4-BE49-F238E27FC236}">
+                  <a16:creationId xmlns:a16="http://schemas.microsoft.com/office/drawing/2014/main" id="{F27FF036-8DE5-409C-25B9-5AB54CBE03BA}"/>
+                </a:ext>
+              </a:extLst>
+            </p:cNvPr>
+            <p:cNvGrpSpPr/>
+            <p:nvPr/>
+          </p:nvGrpSpPr>
+          <p:grpSpPr>
+            <a:xfrm>
+              <a:off x="7886620" y="704930"/>
+              <a:ext cx="473926" cy="720319"/>
+              <a:chOff x="1386347" y="5813215"/>
+              <a:chExt cx="473926" cy="720319"/>
+            </a:xfrm>
+          </p:grpSpPr>
+          <p:sp>
+            <p:nvSpPr>
+              <p:cNvPr id="94" name="Oval 93">
+                <a:extLst>
+                  <a:ext uri="{FF2B5EF4-FFF2-40B4-BE49-F238E27FC236}">
+                    <a16:creationId xmlns:a16="http://schemas.microsoft.com/office/drawing/2014/main" id="{87D19353-96FE-498A-5CCB-0864B09A2D81}"/>
+                  </a:ext>
+                </a:extLst>
+              </p:cNvPr>
+              <p:cNvSpPr/>
+              <p:nvPr/>
+            </p:nvSpPr>
+            <p:spPr>
+              <a:xfrm>
+                <a:off x="1386347" y="6044273"/>
+                <a:ext cx="473926" cy="489261"/>
+              </a:xfrm>
+              <a:prstGeom prst="ellipse">
+                <a:avLst/>
+              </a:prstGeom>
+              <a:noFill/>
+              <a:ln>
+                <a:solidFill>
+                  <a:schemeClr val="tx1"/>
+                </a:solidFill>
+              </a:ln>
+            </p:spPr>
+            <p:style>
+              <a:lnRef idx="2">
+                <a:schemeClr val="accent1">
+                  <a:shade val="50000"/>
+                </a:schemeClr>
+              </a:lnRef>
+              <a:fillRef idx="1">
+                <a:schemeClr val="accent1"/>
+              </a:fillRef>
+              <a:effectRef idx="0">
+                <a:schemeClr val="accent1"/>
+              </a:effectRef>
+              <a:fontRef idx="minor">
+                <a:schemeClr val="lt1"/>
+              </a:fontRef>
+            </p:style>
+            <p:txBody>
+              <a:bodyPr rtlCol="0" anchor="ctr"/>
+              <a:lstStyle/>
+              <a:p>
+                <a:pPr algn="ctr"/>
+                <a:r>
+                  <a:rPr lang="en-US" dirty="0">
+                    <a:solidFill>
+                      <a:sysClr val="windowText" lastClr="000000"/>
+                    </a:solidFill>
+                  </a:rPr>
+                  <a:t>%</a:t>
+                </a:r>
+              </a:p>
+            </p:txBody>
+          </p:sp>
+          <p:cxnSp>
+            <p:nvCxnSpPr>
+              <p:cNvPr id="95" name="Straight Arrow Connector 94">
+                <a:extLst>
+                  <a:ext uri="{FF2B5EF4-FFF2-40B4-BE49-F238E27FC236}">
+                    <a16:creationId xmlns:a16="http://schemas.microsoft.com/office/drawing/2014/main" id="{01B70D62-1869-E8A4-9F5D-73701111E1FC}"/>
+                  </a:ext>
+                </a:extLst>
+              </p:cNvPr>
+              <p:cNvCxnSpPr>
+                <a:cxnSpLocks/>
+                <a:stCxn id="94" idx="0"/>
+              </p:cNvCxnSpPr>
+              <p:nvPr/>
+            </p:nvCxnSpPr>
+            <p:spPr>
+              <a:xfrm flipV="1">
+                <a:off x="1623310" y="5813215"/>
+                <a:ext cx="0" cy="231058"/>
+              </a:xfrm>
+              <a:prstGeom prst="straightConnector1">
+                <a:avLst/>
+              </a:prstGeom>
+              <a:ln w="38100">
+                <a:solidFill>
+                  <a:schemeClr val="tx1"/>
+                </a:solidFill>
+                <a:tailEnd type="triangle"/>
+              </a:ln>
+            </p:spPr>
+            <p:style>
+              <a:lnRef idx="1">
+                <a:schemeClr val="accent1"/>
+              </a:lnRef>
+              <a:fillRef idx="0">
+                <a:schemeClr val="accent1"/>
+              </a:fillRef>
+              <a:effectRef idx="0">
+                <a:schemeClr val="accent1"/>
+              </a:effectRef>
+              <a:fontRef idx="minor">
+                <a:schemeClr val="tx1"/>
+              </a:fontRef>
+            </p:style>
+          </p:cxnSp>
+        </p:grpSp>
+        <p:sp>
+          <p:nvSpPr>
+            <p:cNvPr id="96" name="Rectangle 95">
+              <a:extLst>
+                <a:ext uri="{FF2B5EF4-FFF2-40B4-BE49-F238E27FC236}">
+                  <a16:creationId xmlns:a16="http://schemas.microsoft.com/office/drawing/2014/main" id="{4C33C4A5-C954-0372-E86E-BFB5DA0BD936}"/>
+                </a:ext>
+              </a:extLst>
+            </p:cNvPr>
+            <p:cNvSpPr/>
+            <p:nvPr/>
+          </p:nvSpPr>
+          <p:spPr>
+            <a:xfrm>
+              <a:off x="642450" y="-750890"/>
+              <a:ext cx="894521" cy="238539"/>
+            </a:xfrm>
+            <a:prstGeom prst="rect">
+              <a:avLst/>
+            </a:prstGeom>
+          </p:spPr>
+          <p:style>
+            <a:lnRef idx="2">
+              <a:schemeClr val="accent1">
+                <a:shade val="50000"/>
+              </a:schemeClr>
+            </a:lnRef>
+            <a:fillRef idx="1">
+              <a:schemeClr val="accent1"/>
+            </a:fillRef>
+            <a:effectRef idx="0">
+              <a:schemeClr val="accent1"/>
+            </a:effectRef>
+            <a:fontRef idx="minor">
+              <a:schemeClr val="lt1"/>
+            </a:fontRef>
+          </p:style>
+          <p:txBody>
+            <a:bodyPr rtlCol="0" anchor="ctr"/>
+            <a:lstStyle/>
+            <a:p>
+              <a:pPr algn="ctr"/>
+              <a:endParaRPr lang="en-US"/>
+            </a:p>
+          </p:txBody>
+        </p:sp>
+        <p:sp>
+          <p:nvSpPr>
+            <p:cNvPr id="97" name="Rectangle 96">
+              <a:extLst>
+                <a:ext uri="{FF2B5EF4-FFF2-40B4-BE49-F238E27FC236}">
+                  <a16:creationId xmlns:a16="http://schemas.microsoft.com/office/drawing/2014/main" id="{3B2ECAF8-C849-973E-43B3-E46F8DC519A4}"/>
+                </a:ext>
+              </a:extLst>
+            </p:cNvPr>
+            <p:cNvSpPr/>
+            <p:nvPr/>
+          </p:nvSpPr>
+          <p:spPr>
+            <a:xfrm>
+              <a:off x="1709250" y="-750890"/>
+              <a:ext cx="894521" cy="238539"/>
+            </a:xfrm>
+            <a:prstGeom prst="rect">
+              <a:avLst/>
+            </a:prstGeom>
+          </p:spPr>
+          <p:style>
+            <a:lnRef idx="2">
+              <a:schemeClr val="accent1">
+                <a:shade val="50000"/>
+              </a:schemeClr>
+            </a:lnRef>
+            <a:fillRef idx="1">
+              <a:schemeClr val="accent1"/>
+            </a:fillRef>
+            <a:effectRef idx="0">
+              <a:schemeClr val="accent1"/>
+            </a:effectRef>
+            <a:fontRef idx="minor">
+              <a:schemeClr val="lt1"/>
+            </a:fontRef>
+          </p:style>
+          <p:txBody>
+            <a:bodyPr rtlCol="0" anchor="ctr"/>
+            <a:lstStyle/>
+            <a:p>
+              <a:pPr algn="ctr"/>
+              <a:endParaRPr lang="en-US"/>
+            </a:p>
+          </p:txBody>
+        </p:sp>
+        <p:sp>
+          <p:nvSpPr>
+            <p:cNvPr id="98" name="Rectangle 97">
+              <a:extLst>
+                <a:ext uri="{FF2B5EF4-FFF2-40B4-BE49-F238E27FC236}">
+                  <a16:creationId xmlns:a16="http://schemas.microsoft.com/office/drawing/2014/main" id="{4678596D-441D-0C80-5CBB-1C516DF5F750}"/>
+                </a:ext>
+              </a:extLst>
+            </p:cNvPr>
+            <p:cNvSpPr/>
+            <p:nvPr/>
+          </p:nvSpPr>
+          <p:spPr>
+            <a:xfrm>
+              <a:off x="2776050" y="-750890"/>
+              <a:ext cx="894521" cy="238539"/>
+            </a:xfrm>
+            <a:prstGeom prst="rect">
+              <a:avLst/>
+            </a:prstGeom>
+          </p:spPr>
+          <p:style>
+            <a:lnRef idx="2">
+              <a:schemeClr val="accent1">
+                <a:shade val="50000"/>
+              </a:schemeClr>
+            </a:lnRef>
+            <a:fillRef idx="1">
+              <a:schemeClr val="accent1"/>
+            </a:fillRef>
+            <a:effectRef idx="0">
+              <a:schemeClr val="accent1"/>
+            </a:effectRef>
+            <a:fontRef idx="minor">
+              <a:schemeClr val="lt1"/>
+            </a:fontRef>
+          </p:style>
+          <p:txBody>
+            <a:bodyPr rtlCol="0" anchor="ctr"/>
+            <a:lstStyle/>
+            <a:p>
+              <a:pPr algn="ctr"/>
+              <a:endParaRPr lang="en-US"/>
+            </a:p>
+          </p:txBody>
+        </p:sp>
+        <p:sp>
+          <p:nvSpPr>
+            <p:cNvPr id="99" name="Rectangle 98">
+              <a:extLst>
+                <a:ext uri="{FF2B5EF4-FFF2-40B4-BE49-F238E27FC236}">
+                  <a16:creationId xmlns:a16="http://schemas.microsoft.com/office/drawing/2014/main" id="{4C3CD015-49E9-BAD0-3D91-2F26D72B84C4}"/>
+                </a:ext>
+              </a:extLst>
+            </p:cNvPr>
+            <p:cNvSpPr/>
+            <p:nvPr/>
+          </p:nvSpPr>
+          <p:spPr>
+            <a:xfrm>
+              <a:off x="3842850" y="-750890"/>
+              <a:ext cx="894521" cy="238539"/>
+            </a:xfrm>
+            <a:prstGeom prst="rect">
+              <a:avLst/>
+            </a:prstGeom>
+          </p:spPr>
+          <p:style>
+            <a:lnRef idx="2">
+              <a:schemeClr val="accent1">
+                <a:shade val="50000"/>
+              </a:schemeClr>
+            </a:lnRef>
+            <a:fillRef idx="1">
+              <a:schemeClr val="accent1"/>
+            </a:fillRef>
+            <a:effectRef idx="0">
+              <a:schemeClr val="accent1"/>
+            </a:effectRef>
+            <a:fontRef idx="minor">
+              <a:schemeClr val="lt1"/>
+            </a:fontRef>
+          </p:style>
+          <p:txBody>
+            <a:bodyPr rtlCol="0" anchor="ctr"/>
+            <a:lstStyle/>
+            <a:p>
+              <a:pPr algn="ctr"/>
+              <a:endParaRPr lang="en-US"/>
+            </a:p>
+          </p:txBody>
+        </p:sp>
+        <p:sp>
+          <p:nvSpPr>
+            <p:cNvPr id="100" name="Rectangle 99">
+              <a:extLst>
+                <a:ext uri="{FF2B5EF4-FFF2-40B4-BE49-F238E27FC236}">
+                  <a16:creationId xmlns:a16="http://schemas.microsoft.com/office/drawing/2014/main" id="{42D7BEFC-36F3-DD82-3BCE-93678907BBB6}"/>
+                </a:ext>
+              </a:extLst>
+            </p:cNvPr>
+            <p:cNvSpPr/>
+            <p:nvPr/>
+          </p:nvSpPr>
+          <p:spPr>
+            <a:xfrm>
+              <a:off x="4909650" y="-750890"/>
+              <a:ext cx="894521" cy="238539"/>
+            </a:xfrm>
+            <a:prstGeom prst="rect">
+              <a:avLst/>
+            </a:prstGeom>
+          </p:spPr>
+          <p:style>
+            <a:lnRef idx="2">
+              <a:schemeClr val="accent1">
+                <a:shade val="50000"/>
+              </a:schemeClr>
+            </a:lnRef>
+            <a:fillRef idx="1">
+              <a:schemeClr val="accent1"/>
+            </a:fillRef>
+            <a:effectRef idx="0">
+              <a:schemeClr val="accent1"/>
+            </a:effectRef>
+            <a:fontRef idx="minor">
+              <a:schemeClr val="lt1"/>
+            </a:fontRef>
+          </p:style>
+          <p:txBody>
+            <a:bodyPr rtlCol="0" anchor="ctr"/>
+            <a:lstStyle/>
+            <a:p>
+              <a:pPr algn="ctr"/>
+              <a:endParaRPr lang="en-US"/>
+            </a:p>
+          </p:txBody>
+        </p:sp>
+        <p:sp>
+          <p:nvSpPr>
+            <p:cNvPr id="101" name="Rectangle 100">
+              <a:extLst>
+                <a:ext uri="{FF2B5EF4-FFF2-40B4-BE49-F238E27FC236}">
+                  <a16:creationId xmlns:a16="http://schemas.microsoft.com/office/drawing/2014/main" id="{2ADD52E4-9B2E-F01B-98F7-440933F336EE}"/>
+                </a:ext>
+              </a:extLst>
+            </p:cNvPr>
+            <p:cNvSpPr/>
+            <p:nvPr/>
+          </p:nvSpPr>
+          <p:spPr>
+            <a:xfrm>
+              <a:off x="5976450" y="-750890"/>
+              <a:ext cx="894521" cy="238539"/>
+            </a:xfrm>
+            <a:prstGeom prst="rect">
+              <a:avLst/>
+            </a:prstGeom>
+          </p:spPr>
+          <p:style>
+            <a:lnRef idx="2">
+              <a:schemeClr val="accent1">
+                <a:shade val="50000"/>
+              </a:schemeClr>
+            </a:lnRef>
+            <a:fillRef idx="1">
+              <a:schemeClr val="accent1"/>
+            </a:fillRef>
+            <a:effectRef idx="0">
+              <a:schemeClr val="accent1"/>
+            </a:effectRef>
+            <a:fontRef idx="minor">
+              <a:schemeClr val="lt1"/>
+            </a:fontRef>
+          </p:style>
+          <p:txBody>
+            <a:bodyPr rtlCol="0" anchor="ctr"/>
+            <a:lstStyle/>
+            <a:p>
+              <a:pPr algn="ctr"/>
+              <a:endParaRPr lang="en-US"/>
+            </a:p>
+          </p:txBody>
+        </p:sp>
+        <p:sp>
+          <p:nvSpPr>
+            <p:cNvPr id="102" name="Rectangle 101">
+              <a:extLst>
+                <a:ext uri="{FF2B5EF4-FFF2-40B4-BE49-F238E27FC236}">
+                  <a16:creationId xmlns:a16="http://schemas.microsoft.com/office/drawing/2014/main" id="{E1A51A33-2B80-D792-D3AC-E6F00E7C52DC}"/>
+                </a:ext>
+              </a:extLst>
+            </p:cNvPr>
+            <p:cNvSpPr/>
+            <p:nvPr/>
+          </p:nvSpPr>
+          <p:spPr>
+            <a:xfrm>
+              <a:off x="7043250" y="-750890"/>
+              <a:ext cx="894521" cy="238539"/>
+            </a:xfrm>
+            <a:prstGeom prst="rect">
+              <a:avLst/>
+            </a:prstGeom>
+          </p:spPr>
+          <p:style>
+            <a:lnRef idx="2">
+              <a:schemeClr val="accent1">
+                <a:shade val="50000"/>
+              </a:schemeClr>
+            </a:lnRef>
+            <a:fillRef idx="1">
+              <a:schemeClr val="accent1"/>
+            </a:fillRef>
+            <a:effectRef idx="0">
+              <a:schemeClr val="accent1"/>
+            </a:effectRef>
+            <a:fontRef idx="minor">
+              <a:schemeClr val="lt1"/>
+            </a:fontRef>
+          </p:style>
+          <p:txBody>
+            <a:bodyPr rtlCol="0" anchor="ctr"/>
+            <a:lstStyle/>
+            <a:p>
+              <a:pPr algn="ctr"/>
+              <a:endParaRPr lang="en-US"/>
+            </a:p>
+          </p:txBody>
+        </p:sp>
+        <p:sp>
+          <p:nvSpPr>
+            <p:cNvPr id="103" name="Rectangle 102">
+              <a:extLst>
+                <a:ext uri="{FF2B5EF4-FFF2-40B4-BE49-F238E27FC236}">
+                  <a16:creationId xmlns:a16="http://schemas.microsoft.com/office/drawing/2014/main" id="{CFF34215-FEE5-EE1C-02C7-B3CB5B592FD8}"/>
+                </a:ext>
+              </a:extLst>
+            </p:cNvPr>
+            <p:cNvSpPr/>
+            <p:nvPr/>
+          </p:nvSpPr>
+          <p:spPr>
+            <a:xfrm>
+              <a:off x="8110050" y="-750890"/>
+              <a:ext cx="894521" cy="238539"/>
+            </a:xfrm>
+            <a:prstGeom prst="rect">
+              <a:avLst/>
+            </a:prstGeom>
+          </p:spPr>
+          <p:style>
+            <a:lnRef idx="2">
+              <a:schemeClr val="accent1">
+                <a:shade val="50000"/>
+              </a:schemeClr>
+            </a:lnRef>
+            <a:fillRef idx="1">
+              <a:schemeClr val="accent1"/>
+            </a:fillRef>
+            <a:effectRef idx="0">
+              <a:schemeClr val="accent1"/>
+            </a:effectRef>
+            <a:fontRef idx="minor">
+              <a:schemeClr val="lt1"/>
+            </a:fontRef>
+          </p:style>
+          <p:txBody>
+            <a:bodyPr rtlCol="0" anchor="ctr"/>
+            <a:lstStyle/>
+            <a:p>
+              <a:pPr algn="ctr"/>
+              <a:endParaRPr lang="en-US"/>
+            </a:p>
+          </p:txBody>
+        </p:sp>
+        <p:grpSp>
+          <p:nvGrpSpPr>
+            <p:cNvPr id="108" name="Group 107">
+              <a:extLst>
+                <a:ext uri="{FF2B5EF4-FFF2-40B4-BE49-F238E27FC236}">
+                  <a16:creationId xmlns:a16="http://schemas.microsoft.com/office/drawing/2014/main" id="{E780B159-5CAB-DEE5-CB0D-A08F76D7440D}"/>
+                </a:ext>
+              </a:extLst>
+            </p:cNvPr>
+            <p:cNvGrpSpPr/>
+            <p:nvPr/>
+          </p:nvGrpSpPr>
+          <p:grpSpPr>
+            <a:xfrm>
+              <a:off x="8382772" y="-504870"/>
+              <a:ext cx="473926" cy="992471"/>
+              <a:chOff x="8382772" y="-504870"/>
+              <a:chExt cx="473926" cy="992471"/>
+            </a:xfrm>
+          </p:grpSpPr>
+          <p:cxnSp>
+            <p:nvCxnSpPr>
+              <p:cNvPr id="104" name="Straight Arrow Connector 103">
+                <a:extLst>
+                  <a:ext uri="{FF2B5EF4-FFF2-40B4-BE49-F238E27FC236}">
+                    <a16:creationId xmlns:a16="http://schemas.microsoft.com/office/drawing/2014/main" id="{358A9E01-233E-D72C-E982-5E1E9DE5451A}"/>
+                  </a:ext>
+                </a:extLst>
+              </p:cNvPr>
+              <p:cNvCxnSpPr>
+                <a:cxnSpLocks/>
+              </p:cNvCxnSpPr>
+              <p:nvPr/>
+            </p:nvCxnSpPr>
+            <p:spPr>
+              <a:xfrm flipV="1">
+                <a:off x="8612050" y="218389"/>
+                <a:ext cx="0" cy="269212"/>
+              </a:xfrm>
+              <a:prstGeom prst="straightConnector1">
+                <a:avLst/>
+              </a:prstGeom>
+              <a:ln w="38100">
+                <a:solidFill>
+                  <a:schemeClr val="tx1"/>
+                </a:solidFill>
+                <a:tailEnd type="triangle"/>
+              </a:ln>
+            </p:spPr>
+            <p:style>
+              <a:lnRef idx="1">
+                <a:schemeClr val="accent1"/>
+              </a:lnRef>
+              <a:fillRef idx="0">
+                <a:schemeClr val="accent1"/>
+              </a:fillRef>
+              <a:effectRef idx="0">
+                <a:schemeClr val="accent1"/>
+              </a:effectRef>
+              <a:fontRef idx="minor">
+                <a:schemeClr val="tx1"/>
+              </a:fontRef>
+            </p:style>
+          </p:cxnSp>
+          <p:grpSp>
+            <p:nvGrpSpPr>
+              <p:cNvPr id="105" name="Group 104">
+                <a:extLst>
+                  <a:ext uri="{FF2B5EF4-FFF2-40B4-BE49-F238E27FC236}">
+                    <a16:creationId xmlns:a16="http://schemas.microsoft.com/office/drawing/2014/main" id="{01AB1B79-A952-67B6-7B81-08D648F83B03}"/>
+                  </a:ext>
+                </a:extLst>
+              </p:cNvPr>
+              <p:cNvGrpSpPr/>
+              <p:nvPr/>
+            </p:nvGrpSpPr>
+            <p:grpSpPr>
+              <a:xfrm>
+                <a:off x="8382772" y="-504870"/>
+                <a:ext cx="473926" cy="720319"/>
+                <a:chOff x="1386347" y="5813215"/>
+                <a:chExt cx="473926" cy="720319"/>
+              </a:xfrm>
+            </p:grpSpPr>
+            <p:sp>
+              <p:nvSpPr>
+                <p:cNvPr id="106" name="Oval 105">
+                  <a:extLst>
+                    <a:ext uri="{FF2B5EF4-FFF2-40B4-BE49-F238E27FC236}">
+                      <a16:creationId xmlns:a16="http://schemas.microsoft.com/office/drawing/2014/main" id="{3E4B84DA-E71E-2519-AE28-8D16F92A34D9}"/>
+                    </a:ext>
+                  </a:extLst>
+                </p:cNvPr>
+                <p:cNvSpPr/>
+                <p:nvPr/>
+              </p:nvSpPr>
+              <p:spPr>
+                <a:xfrm>
+                  <a:off x="1386347" y="6044273"/>
+                  <a:ext cx="473926" cy="489261"/>
+                </a:xfrm>
+                <a:prstGeom prst="ellipse">
+                  <a:avLst/>
+                </a:prstGeom>
+                <a:noFill/>
+                <a:ln>
+                  <a:solidFill>
+                    <a:schemeClr val="tx1"/>
+                  </a:solidFill>
+                </a:ln>
+              </p:spPr>
+              <p:style>
+                <a:lnRef idx="2">
+                  <a:schemeClr val="accent1">
+                    <a:shade val="50000"/>
+                  </a:schemeClr>
+                </a:lnRef>
+                <a:fillRef idx="1">
+                  <a:schemeClr val="accent1"/>
+                </a:fillRef>
+                <a:effectRef idx="0">
+                  <a:schemeClr val="accent1"/>
+                </a:effectRef>
+                <a:fontRef idx="minor">
+                  <a:schemeClr val="lt1"/>
+                </a:fontRef>
+              </p:style>
+              <p:txBody>
+                <a:bodyPr rtlCol="0" anchor="ctr"/>
+                <a:lstStyle/>
+                <a:p>
+                  <a:pPr algn="ctr"/>
+                  <a:r>
+                    <a:rPr lang="en-US" dirty="0">
+                      <a:solidFill>
+                        <a:sysClr val="windowText" lastClr="000000"/>
+                      </a:solidFill>
+                    </a:rPr>
+                    <a:t>%</a:t>
+                  </a:r>
+                </a:p>
+              </p:txBody>
+            </p:sp>
+            <p:cxnSp>
+              <p:nvCxnSpPr>
+                <p:cNvPr id="107" name="Straight Arrow Connector 106">
+                  <a:extLst>
+                    <a:ext uri="{FF2B5EF4-FFF2-40B4-BE49-F238E27FC236}">
+                      <a16:creationId xmlns:a16="http://schemas.microsoft.com/office/drawing/2014/main" id="{5EB566AF-2DD5-A8F5-4BFA-A43C413C10CC}"/>
+                    </a:ext>
+                  </a:extLst>
+                </p:cNvPr>
+                <p:cNvCxnSpPr>
+                  <a:cxnSpLocks/>
+                  <a:stCxn id="106" idx="0"/>
+                </p:cNvCxnSpPr>
+                <p:nvPr/>
+              </p:nvCxnSpPr>
+              <p:spPr>
+                <a:xfrm flipV="1">
+                  <a:off x="1623310" y="5813215"/>
+                  <a:ext cx="0" cy="231058"/>
+                </a:xfrm>
+                <a:prstGeom prst="straightConnector1">
+                  <a:avLst/>
+                </a:prstGeom>
+                <a:ln w="38100">
+                  <a:solidFill>
+                    <a:schemeClr val="tx1"/>
+                  </a:solidFill>
+                  <a:tailEnd type="triangle"/>
+                </a:ln>
+              </p:spPr>
+              <p:style>
+                <a:lnRef idx="1">
+                  <a:schemeClr val="accent1"/>
+                </a:lnRef>
+                <a:fillRef idx="0">
+                  <a:schemeClr val="accent1"/>
+                </a:fillRef>
+                <a:effectRef idx="0">
+                  <a:schemeClr val="accent1"/>
+                </a:effectRef>
+                <a:fontRef idx="minor">
+                  <a:schemeClr val="tx1"/>
+                </a:fontRef>
+              </p:style>
+            </p:cxnSp>
+          </p:grpSp>
+        </p:grpSp>
+        <p:grpSp>
+          <p:nvGrpSpPr>
+            <p:cNvPr id="109" name="Group 108">
+              <a:extLst>
+                <a:ext uri="{FF2B5EF4-FFF2-40B4-BE49-F238E27FC236}">
+                  <a16:creationId xmlns:a16="http://schemas.microsoft.com/office/drawing/2014/main" id="{E63411A5-7313-3C3C-D8FE-447B22D0E72F}"/>
+                </a:ext>
+              </a:extLst>
+            </p:cNvPr>
+            <p:cNvGrpSpPr/>
+            <p:nvPr/>
+          </p:nvGrpSpPr>
+          <p:grpSpPr>
+            <a:xfrm>
+              <a:off x="7267080" y="-527069"/>
+              <a:ext cx="473926" cy="992471"/>
+              <a:chOff x="8382772" y="-504870"/>
+              <a:chExt cx="473926" cy="992471"/>
+            </a:xfrm>
+          </p:grpSpPr>
+          <p:cxnSp>
+            <p:nvCxnSpPr>
+              <p:cNvPr id="110" name="Straight Arrow Connector 109">
+                <a:extLst>
+                  <a:ext uri="{FF2B5EF4-FFF2-40B4-BE49-F238E27FC236}">
+                    <a16:creationId xmlns:a16="http://schemas.microsoft.com/office/drawing/2014/main" id="{743418E4-DDAF-8F6A-2B5F-856812BA10EC}"/>
+                  </a:ext>
+                </a:extLst>
+              </p:cNvPr>
+              <p:cNvCxnSpPr>
+                <a:cxnSpLocks/>
+              </p:cNvCxnSpPr>
+              <p:nvPr/>
+            </p:nvCxnSpPr>
+            <p:spPr>
+              <a:xfrm flipV="1">
+                <a:off x="8612050" y="218389"/>
+                <a:ext cx="0" cy="269212"/>
+              </a:xfrm>
+              <a:prstGeom prst="straightConnector1">
+                <a:avLst/>
+              </a:prstGeom>
+              <a:ln w="38100">
+                <a:solidFill>
+                  <a:schemeClr val="tx1"/>
+                </a:solidFill>
+                <a:tailEnd type="triangle"/>
+              </a:ln>
+            </p:spPr>
+            <p:style>
+              <a:lnRef idx="1">
+                <a:schemeClr val="accent1"/>
+              </a:lnRef>
+              <a:fillRef idx="0">
+                <a:schemeClr val="accent1"/>
+              </a:fillRef>
+              <a:effectRef idx="0">
+                <a:schemeClr val="accent1"/>
+              </a:effectRef>
+              <a:fontRef idx="minor">
+                <a:schemeClr val="tx1"/>
+              </a:fontRef>
+            </p:style>
+          </p:cxnSp>
+          <p:grpSp>
+            <p:nvGrpSpPr>
+              <p:cNvPr id="111" name="Group 110">
+                <a:extLst>
+                  <a:ext uri="{FF2B5EF4-FFF2-40B4-BE49-F238E27FC236}">
+                    <a16:creationId xmlns:a16="http://schemas.microsoft.com/office/drawing/2014/main" id="{4FC714BB-AD13-BC67-CE83-9A62F9F19BD1}"/>
+                  </a:ext>
+                </a:extLst>
+              </p:cNvPr>
+              <p:cNvGrpSpPr/>
+              <p:nvPr/>
+            </p:nvGrpSpPr>
+            <p:grpSpPr>
+              <a:xfrm>
+                <a:off x="8382772" y="-504870"/>
+                <a:ext cx="473926" cy="720319"/>
+                <a:chOff x="1386347" y="5813215"/>
+                <a:chExt cx="473926" cy="720319"/>
+              </a:xfrm>
+            </p:grpSpPr>
+            <p:sp>
+              <p:nvSpPr>
+                <p:cNvPr id="112" name="Oval 111">
+                  <a:extLst>
+                    <a:ext uri="{FF2B5EF4-FFF2-40B4-BE49-F238E27FC236}">
+                      <a16:creationId xmlns:a16="http://schemas.microsoft.com/office/drawing/2014/main" id="{D1FC2814-DC6A-031E-97B7-56EB2D6810ED}"/>
+                    </a:ext>
+                  </a:extLst>
+                </p:cNvPr>
+                <p:cNvSpPr/>
+                <p:nvPr/>
+              </p:nvSpPr>
+              <p:spPr>
+                <a:xfrm>
+                  <a:off x="1386347" y="6044273"/>
+                  <a:ext cx="473926" cy="489261"/>
+                </a:xfrm>
+                <a:prstGeom prst="ellipse">
+                  <a:avLst/>
+                </a:prstGeom>
+                <a:noFill/>
+                <a:ln>
+                  <a:solidFill>
+                    <a:schemeClr val="tx1"/>
+                  </a:solidFill>
+                </a:ln>
+              </p:spPr>
+              <p:style>
+                <a:lnRef idx="2">
+                  <a:schemeClr val="accent1">
+                    <a:shade val="50000"/>
+                  </a:schemeClr>
+                </a:lnRef>
+                <a:fillRef idx="1">
+                  <a:schemeClr val="accent1"/>
+                </a:fillRef>
+                <a:effectRef idx="0">
+                  <a:schemeClr val="accent1"/>
+                </a:effectRef>
+                <a:fontRef idx="minor">
+                  <a:schemeClr val="lt1"/>
+                </a:fontRef>
+              </p:style>
+              <p:txBody>
+                <a:bodyPr rtlCol="0" anchor="ctr"/>
+                <a:lstStyle/>
+                <a:p>
+                  <a:pPr algn="ctr"/>
+                  <a:r>
+                    <a:rPr lang="en-US" dirty="0">
+                      <a:solidFill>
+                        <a:sysClr val="windowText" lastClr="000000"/>
+                      </a:solidFill>
+                    </a:rPr>
+                    <a:t>%</a:t>
+                  </a:r>
+                </a:p>
+              </p:txBody>
+            </p:sp>
+            <p:cxnSp>
+              <p:nvCxnSpPr>
+                <p:cNvPr id="113" name="Straight Arrow Connector 112">
+                  <a:extLst>
+                    <a:ext uri="{FF2B5EF4-FFF2-40B4-BE49-F238E27FC236}">
+                      <a16:creationId xmlns:a16="http://schemas.microsoft.com/office/drawing/2014/main" id="{4F396BCF-31FC-FA4D-BCAA-15B65F6820EA}"/>
+                    </a:ext>
+                  </a:extLst>
+                </p:cNvPr>
+                <p:cNvCxnSpPr>
+                  <a:cxnSpLocks/>
+                  <a:stCxn id="112" idx="0"/>
+                </p:cNvCxnSpPr>
+                <p:nvPr/>
+              </p:nvCxnSpPr>
+              <p:spPr>
+                <a:xfrm flipV="1">
+                  <a:off x="1623310" y="5813215"/>
+                  <a:ext cx="0" cy="231058"/>
+                </a:xfrm>
+                <a:prstGeom prst="straightConnector1">
+                  <a:avLst/>
+                </a:prstGeom>
+                <a:ln w="38100">
+                  <a:solidFill>
+                    <a:schemeClr val="tx1"/>
+                  </a:solidFill>
+                  <a:tailEnd type="triangle"/>
+                </a:ln>
+              </p:spPr>
+              <p:style>
+                <a:lnRef idx="1">
+                  <a:schemeClr val="accent1"/>
+                </a:lnRef>
+                <a:fillRef idx="0">
+                  <a:schemeClr val="accent1"/>
+                </a:fillRef>
+                <a:effectRef idx="0">
+                  <a:schemeClr val="accent1"/>
+                </a:effectRef>
+                <a:fontRef idx="minor">
+                  <a:schemeClr val="tx1"/>
+                </a:fontRef>
+              </p:style>
+            </p:cxnSp>
+          </p:grpSp>
+        </p:grpSp>
+        <p:grpSp>
+          <p:nvGrpSpPr>
+            <p:cNvPr id="114" name="Group 113">
+              <a:extLst>
+                <a:ext uri="{FF2B5EF4-FFF2-40B4-BE49-F238E27FC236}">
+                  <a16:creationId xmlns:a16="http://schemas.microsoft.com/office/drawing/2014/main" id="{4CF264CD-704F-33A0-1150-79AA5BCE3962}"/>
+                </a:ext>
+              </a:extLst>
+            </p:cNvPr>
+            <p:cNvGrpSpPr/>
+            <p:nvPr/>
+          </p:nvGrpSpPr>
+          <p:grpSpPr>
+            <a:xfrm>
+              <a:off x="6235308" y="-521357"/>
+              <a:ext cx="473926" cy="992471"/>
+              <a:chOff x="8382772" y="-504870"/>
+              <a:chExt cx="473926" cy="992471"/>
+            </a:xfrm>
+          </p:grpSpPr>
+          <p:cxnSp>
+            <p:nvCxnSpPr>
+              <p:cNvPr id="115" name="Straight Arrow Connector 114">
+                <a:extLst>
+                  <a:ext uri="{FF2B5EF4-FFF2-40B4-BE49-F238E27FC236}">
+                    <a16:creationId xmlns:a16="http://schemas.microsoft.com/office/drawing/2014/main" id="{2EC432F5-019A-28B5-04E7-675357CF9046}"/>
+                  </a:ext>
+                </a:extLst>
+              </p:cNvPr>
+              <p:cNvCxnSpPr>
+                <a:cxnSpLocks/>
+              </p:cNvCxnSpPr>
+              <p:nvPr/>
+            </p:nvCxnSpPr>
+            <p:spPr>
+              <a:xfrm flipV="1">
+                <a:off x="8612050" y="218389"/>
+                <a:ext cx="0" cy="269212"/>
+              </a:xfrm>
+              <a:prstGeom prst="straightConnector1">
+                <a:avLst/>
+              </a:prstGeom>
+              <a:ln w="38100">
+                <a:solidFill>
+                  <a:schemeClr val="tx1"/>
+                </a:solidFill>
+                <a:tailEnd type="triangle"/>
+              </a:ln>
+            </p:spPr>
+            <p:style>
+              <a:lnRef idx="1">
+                <a:schemeClr val="accent1"/>
+              </a:lnRef>
+              <a:fillRef idx="0">
+                <a:schemeClr val="accent1"/>
+              </a:fillRef>
+              <a:effectRef idx="0">
+                <a:schemeClr val="accent1"/>
+              </a:effectRef>
+              <a:fontRef idx="minor">
+                <a:schemeClr val="tx1"/>
+              </a:fontRef>
+            </p:style>
+          </p:cxnSp>
+          <p:grpSp>
+            <p:nvGrpSpPr>
+              <p:cNvPr id="116" name="Group 115">
+                <a:extLst>
+                  <a:ext uri="{FF2B5EF4-FFF2-40B4-BE49-F238E27FC236}">
+                    <a16:creationId xmlns:a16="http://schemas.microsoft.com/office/drawing/2014/main" id="{43E4E43A-D5E2-5F92-798F-E37F3869E607}"/>
+                  </a:ext>
+                </a:extLst>
+              </p:cNvPr>
+              <p:cNvGrpSpPr/>
+              <p:nvPr/>
+            </p:nvGrpSpPr>
+            <p:grpSpPr>
+              <a:xfrm>
+                <a:off x="8382772" y="-504870"/>
+                <a:ext cx="473926" cy="720319"/>
+                <a:chOff x="1386347" y="5813215"/>
+                <a:chExt cx="473926" cy="720319"/>
+              </a:xfrm>
+            </p:grpSpPr>
+            <p:sp>
+              <p:nvSpPr>
+                <p:cNvPr id="117" name="Oval 116">
+                  <a:extLst>
+                    <a:ext uri="{FF2B5EF4-FFF2-40B4-BE49-F238E27FC236}">
+                      <a16:creationId xmlns:a16="http://schemas.microsoft.com/office/drawing/2014/main" id="{17B10438-3C07-3DE1-E634-83BBBC6D4224}"/>
+                    </a:ext>
+                  </a:extLst>
+                </p:cNvPr>
+                <p:cNvSpPr/>
+                <p:nvPr/>
+              </p:nvSpPr>
+              <p:spPr>
+                <a:xfrm>
+                  <a:off x="1386347" y="6044273"/>
+                  <a:ext cx="473926" cy="489261"/>
+                </a:xfrm>
+                <a:prstGeom prst="ellipse">
+                  <a:avLst/>
+                </a:prstGeom>
+                <a:noFill/>
+                <a:ln>
+                  <a:solidFill>
+                    <a:schemeClr val="tx1"/>
+                  </a:solidFill>
+                </a:ln>
+              </p:spPr>
+              <p:style>
+                <a:lnRef idx="2">
+                  <a:schemeClr val="accent1">
+                    <a:shade val="50000"/>
+                  </a:schemeClr>
+                </a:lnRef>
+                <a:fillRef idx="1">
+                  <a:schemeClr val="accent1"/>
+                </a:fillRef>
+                <a:effectRef idx="0">
+                  <a:schemeClr val="accent1"/>
+                </a:effectRef>
+                <a:fontRef idx="minor">
+                  <a:schemeClr val="lt1"/>
+                </a:fontRef>
+              </p:style>
+              <p:txBody>
+                <a:bodyPr rtlCol="0" anchor="ctr"/>
+                <a:lstStyle/>
+                <a:p>
+                  <a:pPr algn="ctr"/>
+                  <a:r>
+                    <a:rPr lang="en-US" dirty="0">
+                      <a:solidFill>
+                        <a:sysClr val="windowText" lastClr="000000"/>
+                      </a:solidFill>
+                    </a:rPr>
+                    <a:t>%</a:t>
+                  </a:r>
+                </a:p>
+              </p:txBody>
+            </p:sp>
+            <p:cxnSp>
+              <p:nvCxnSpPr>
+                <p:cNvPr id="118" name="Straight Arrow Connector 117">
+                  <a:extLst>
+                    <a:ext uri="{FF2B5EF4-FFF2-40B4-BE49-F238E27FC236}">
+                      <a16:creationId xmlns:a16="http://schemas.microsoft.com/office/drawing/2014/main" id="{3B285304-DFE9-D11C-B7DD-82CCD8BD9E86}"/>
+                    </a:ext>
+                  </a:extLst>
+                </p:cNvPr>
+                <p:cNvCxnSpPr>
+                  <a:cxnSpLocks/>
+                  <a:stCxn id="117" idx="0"/>
+                </p:cNvCxnSpPr>
+                <p:nvPr/>
+              </p:nvCxnSpPr>
+              <p:spPr>
+                <a:xfrm flipV="1">
+                  <a:off x="1623310" y="5813215"/>
+                  <a:ext cx="0" cy="231058"/>
+                </a:xfrm>
+                <a:prstGeom prst="straightConnector1">
+                  <a:avLst/>
+                </a:prstGeom>
+                <a:ln w="38100">
+                  <a:solidFill>
+                    <a:schemeClr val="tx1"/>
+                  </a:solidFill>
+                  <a:tailEnd type="triangle"/>
+                </a:ln>
+              </p:spPr>
+              <p:style>
+                <a:lnRef idx="1">
+                  <a:schemeClr val="accent1"/>
+                </a:lnRef>
+                <a:fillRef idx="0">
+                  <a:schemeClr val="accent1"/>
+                </a:fillRef>
+                <a:effectRef idx="0">
+                  <a:schemeClr val="accent1"/>
+                </a:effectRef>
+                <a:fontRef idx="minor">
+                  <a:schemeClr val="tx1"/>
+                </a:fontRef>
+              </p:style>
+            </p:cxnSp>
+          </p:grpSp>
+        </p:grpSp>
+        <p:grpSp>
+          <p:nvGrpSpPr>
+            <p:cNvPr id="119" name="Group 118">
+              <a:extLst>
+                <a:ext uri="{FF2B5EF4-FFF2-40B4-BE49-F238E27FC236}">
+                  <a16:creationId xmlns:a16="http://schemas.microsoft.com/office/drawing/2014/main" id="{E8E617FA-79DB-037A-CD30-64808D3993DE}"/>
+                </a:ext>
+              </a:extLst>
+            </p:cNvPr>
+            <p:cNvGrpSpPr/>
+            <p:nvPr/>
+          </p:nvGrpSpPr>
+          <p:grpSpPr>
+            <a:xfrm>
+              <a:off x="5147384" y="-524259"/>
+              <a:ext cx="473926" cy="992471"/>
+              <a:chOff x="8382772" y="-504870"/>
+              <a:chExt cx="473926" cy="992471"/>
+            </a:xfrm>
+          </p:grpSpPr>
+          <p:cxnSp>
+            <p:nvCxnSpPr>
+              <p:cNvPr id="120" name="Straight Arrow Connector 119">
+                <a:extLst>
+                  <a:ext uri="{FF2B5EF4-FFF2-40B4-BE49-F238E27FC236}">
+                    <a16:creationId xmlns:a16="http://schemas.microsoft.com/office/drawing/2014/main" id="{3E230180-58BC-AF0B-D94B-0E3739BAD7E1}"/>
+                  </a:ext>
+                </a:extLst>
+              </p:cNvPr>
+              <p:cNvCxnSpPr>
+                <a:cxnSpLocks/>
+              </p:cNvCxnSpPr>
+              <p:nvPr/>
+            </p:nvCxnSpPr>
+            <p:spPr>
+              <a:xfrm flipV="1">
+                <a:off x="8612050" y="218389"/>
+                <a:ext cx="0" cy="269212"/>
+              </a:xfrm>
+              <a:prstGeom prst="straightConnector1">
+                <a:avLst/>
+              </a:prstGeom>
+              <a:ln w="38100">
+                <a:solidFill>
+                  <a:schemeClr val="tx1"/>
+                </a:solidFill>
+                <a:tailEnd type="triangle"/>
+              </a:ln>
+            </p:spPr>
+            <p:style>
+              <a:lnRef idx="1">
+                <a:schemeClr val="accent1"/>
+              </a:lnRef>
+              <a:fillRef idx="0">
+                <a:schemeClr val="accent1"/>
+              </a:fillRef>
+              <a:effectRef idx="0">
+                <a:schemeClr val="accent1"/>
+              </a:effectRef>
+              <a:fontRef idx="minor">
+                <a:schemeClr val="tx1"/>
+              </a:fontRef>
+            </p:style>
+          </p:cxnSp>
+          <p:grpSp>
+            <p:nvGrpSpPr>
+              <p:cNvPr id="121" name="Group 120">
+                <a:extLst>
+                  <a:ext uri="{FF2B5EF4-FFF2-40B4-BE49-F238E27FC236}">
+                    <a16:creationId xmlns:a16="http://schemas.microsoft.com/office/drawing/2014/main" id="{43C236C2-A40C-5C75-3BD7-423B49519324}"/>
+                  </a:ext>
+                </a:extLst>
+              </p:cNvPr>
+              <p:cNvGrpSpPr/>
+              <p:nvPr/>
+            </p:nvGrpSpPr>
+            <p:grpSpPr>
+              <a:xfrm>
+                <a:off x="8382772" y="-504870"/>
+                <a:ext cx="473926" cy="720319"/>
+                <a:chOff x="1386347" y="5813215"/>
+                <a:chExt cx="473926" cy="720319"/>
+              </a:xfrm>
+            </p:grpSpPr>
+            <p:sp>
+              <p:nvSpPr>
+                <p:cNvPr id="122" name="Oval 121">
+                  <a:extLst>
+                    <a:ext uri="{FF2B5EF4-FFF2-40B4-BE49-F238E27FC236}">
+                      <a16:creationId xmlns:a16="http://schemas.microsoft.com/office/drawing/2014/main" id="{7B3F2117-5FB7-3C78-35DF-3640F49A14B2}"/>
+                    </a:ext>
+                  </a:extLst>
+                </p:cNvPr>
+                <p:cNvSpPr/>
+                <p:nvPr/>
+              </p:nvSpPr>
+              <p:spPr>
+                <a:xfrm>
+                  <a:off x="1386347" y="6044273"/>
+                  <a:ext cx="473926" cy="489261"/>
+                </a:xfrm>
+                <a:prstGeom prst="ellipse">
+                  <a:avLst/>
+                </a:prstGeom>
+                <a:noFill/>
+                <a:ln>
+                  <a:solidFill>
+                    <a:schemeClr val="tx1"/>
+                  </a:solidFill>
+                </a:ln>
+              </p:spPr>
+              <p:style>
+                <a:lnRef idx="2">
+                  <a:schemeClr val="accent1">
+                    <a:shade val="50000"/>
+                  </a:schemeClr>
+                </a:lnRef>
+                <a:fillRef idx="1">
+                  <a:schemeClr val="accent1"/>
+                </a:fillRef>
+                <a:effectRef idx="0">
+                  <a:schemeClr val="accent1"/>
+                </a:effectRef>
+                <a:fontRef idx="minor">
+                  <a:schemeClr val="lt1"/>
+                </a:fontRef>
+              </p:style>
+              <p:txBody>
+                <a:bodyPr rtlCol="0" anchor="ctr"/>
+                <a:lstStyle/>
+                <a:p>
+                  <a:pPr algn="ctr"/>
+                  <a:r>
+                    <a:rPr lang="en-US" dirty="0">
+                      <a:solidFill>
+                        <a:sysClr val="windowText" lastClr="000000"/>
+                      </a:solidFill>
+                    </a:rPr>
+                    <a:t>%</a:t>
+                  </a:r>
+                </a:p>
+              </p:txBody>
+            </p:sp>
+            <p:cxnSp>
+              <p:nvCxnSpPr>
+                <p:cNvPr id="123" name="Straight Arrow Connector 122">
+                  <a:extLst>
+                    <a:ext uri="{FF2B5EF4-FFF2-40B4-BE49-F238E27FC236}">
+                      <a16:creationId xmlns:a16="http://schemas.microsoft.com/office/drawing/2014/main" id="{1B3909BA-DFF5-1800-0221-1A52589F3492}"/>
+                    </a:ext>
+                  </a:extLst>
+                </p:cNvPr>
+                <p:cNvCxnSpPr>
+                  <a:cxnSpLocks/>
+                  <a:stCxn id="122" idx="0"/>
+                </p:cNvCxnSpPr>
+                <p:nvPr/>
+              </p:nvCxnSpPr>
+              <p:spPr>
+                <a:xfrm flipV="1">
+                  <a:off x="1623310" y="5813215"/>
+                  <a:ext cx="0" cy="231058"/>
+                </a:xfrm>
+                <a:prstGeom prst="straightConnector1">
+                  <a:avLst/>
+                </a:prstGeom>
+                <a:ln w="38100">
+                  <a:solidFill>
+                    <a:schemeClr val="tx1"/>
+                  </a:solidFill>
+                  <a:tailEnd type="triangle"/>
+                </a:ln>
+              </p:spPr>
+              <p:style>
+                <a:lnRef idx="1">
+                  <a:schemeClr val="accent1"/>
+                </a:lnRef>
+                <a:fillRef idx="0">
+                  <a:schemeClr val="accent1"/>
+                </a:fillRef>
+                <a:effectRef idx="0">
+                  <a:schemeClr val="accent1"/>
+                </a:effectRef>
+                <a:fontRef idx="minor">
+                  <a:schemeClr val="tx1"/>
+                </a:fontRef>
+              </p:style>
+            </p:cxnSp>
+          </p:grpSp>
+        </p:grpSp>
+        <p:grpSp>
+          <p:nvGrpSpPr>
+            <p:cNvPr id="124" name="Group 123">
+              <a:extLst>
+                <a:ext uri="{FF2B5EF4-FFF2-40B4-BE49-F238E27FC236}">
+                  <a16:creationId xmlns:a16="http://schemas.microsoft.com/office/drawing/2014/main" id="{01421265-CC1A-1411-E6C0-BE3E206BF4A4}"/>
+                </a:ext>
+              </a:extLst>
+            </p:cNvPr>
+            <p:cNvGrpSpPr/>
+            <p:nvPr/>
+          </p:nvGrpSpPr>
+          <p:grpSpPr>
+            <a:xfrm>
+              <a:off x="4059460" y="-527161"/>
+              <a:ext cx="473926" cy="992471"/>
+              <a:chOff x="8382772" y="-504870"/>
+              <a:chExt cx="473926" cy="992471"/>
+            </a:xfrm>
+          </p:grpSpPr>
+          <p:cxnSp>
+            <p:nvCxnSpPr>
+              <p:cNvPr id="125" name="Straight Arrow Connector 124">
+                <a:extLst>
+                  <a:ext uri="{FF2B5EF4-FFF2-40B4-BE49-F238E27FC236}">
+                    <a16:creationId xmlns:a16="http://schemas.microsoft.com/office/drawing/2014/main" id="{F3488222-BDDB-3F1A-80AD-21796632BE65}"/>
+                  </a:ext>
+                </a:extLst>
+              </p:cNvPr>
+              <p:cNvCxnSpPr>
+                <a:cxnSpLocks/>
+              </p:cNvCxnSpPr>
+              <p:nvPr/>
+            </p:nvCxnSpPr>
+            <p:spPr>
+              <a:xfrm flipV="1">
+                <a:off x="8612050" y="218389"/>
+                <a:ext cx="0" cy="269212"/>
+              </a:xfrm>
+              <a:prstGeom prst="straightConnector1">
+                <a:avLst/>
+              </a:prstGeom>
+              <a:ln w="38100">
+                <a:solidFill>
+                  <a:schemeClr val="tx1"/>
+                </a:solidFill>
+                <a:tailEnd type="triangle"/>
+              </a:ln>
+            </p:spPr>
+            <p:style>
+              <a:lnRef idx="1">
+                <a:schemeClr val="accent1"/>
+              </a:lnRef>
+              <a:fillRef idx="0">
+                <a:schemeClr val="accent1"/>
+              </a:fillRef>
+              <a:effectRef idx="0">
+                <a:schemeClr val="accent1"/>
+              </a:effectRef>
+              <a:fontRef idx="minor">
+                <a:schemeClr val="tx1"/>
+              </a:fontRef>
+            </p:style>
+          </p:cxnSp>
+          <p:grpSp>
+            <p:nvGrpSpPr>
+              <p:cNvPr id="126" name="Group 125">
+                <a:extLst>
+                  <a:ext uri="{FF2B5EF4-FFF2-40B4-BE49-F238E27FC236}">
+                    <a16:creationId xmlns:a16="http://schemas.microsoft.com/office/drawing/2014/main" id="{E444342D-35E7-37BB-36CA-F43863672ED7}"/>
+                  </a:ext>
+                </a:extLst>
+              </p:cNvPr>
+              <p:cNvGrpSpPr/>
+              <p:nvPr/>
+            </p:nvGrpSpPr>
+            <p:grpSpPr>
+              <a:xfrm>
+                <a:off x="8382772" y="-504870"/>
+                <a:ext cx="473926" cy="720319"/>
+                <a:chOff x="1386347" y="5813215"/>
+                <a:chExt cx="473926" cy="720319"/>
+              </a:xfrm>
+            </p:grpSpPr>
+            <p:sp>
+              <p:nvSpPr>
+                <p:cNvPr id="127" name="Oval 126">
+                  <a:extLst>
+                    <a:ext uri="{FF2B5EF4-FFF2-40B4-BE49-F238E27FC236}">
+                      <a16:creationId xmlns:a16="http://schemas.microsoft.com/office/drawing/2014/main" id="{CA06E566-A883-B614-6D85-61A662DDE9EE}"/>
+                    </a:ext>
+                  </a:extLst>
+                </p:cNvPr>
+                <p:cNvSpPr/>
+                <p:nvPr/>
+              </p:nvSpPr>
+              <p:spPr>
+                <a:xfrm>
+                  <a:off x="1386347" y="6044273"/>
+                  <a:ext cx="473926" cy="489261"/>
+                </a:xfrm>
+                <a:prstGeom prst="ellipse">
+                  <a:avLst/>
+                </a:prstGeom>
+                <a:noFill/>
+                <a:ln>
+                  <a:solidFill>
+                    <a:schemeClr val="tx1"/>
+                  </a:solidFill>
+                </a:ln>
+              </p:spPr>
+              <p:style>
+                <a:lnRef idx="2">
+                  <a:schemeClr val="accent1">
+                    <a:shade val="50000"/>
+                  </a:schemeClr>
+                </a:lnRef>
+                <a:fillRef idx="1">
+                  <a:schemeClr val="accent1"/>
+                </a:fillRef>
+                <a:effectRef idx="0">
+                  <a:schemeClr val="accent1"/>
+                </a:effectRef>
+                <a:fontRef idx="minor">
+                  <a:schemeClr val="lt1"/>
+                </a:fontRef>
+              </p:style>
+              <p:txBody>
+                <a:bodyPr rtlCol="0" anchor="ctr"/>
+                <a:lstStyle/>
+                <a:p>
+                  <a:pPr algn="ctr"/>
+                  <a:r>
+                    <a:rPr lang="en-US" dirty="0">
+                      <a:solidFill>
+                        <a:sysClr val="windowText" lastClr="000000"/>
+                      </a:solidFill>
+                    </a:rPr>
+                    <a:t>%</a:t>
+                  </a:r>
+                </a:p>
+              </p:txBody>
+            </p:sp>
+            <p:cxnSp>
+              <p:nvCxnSpPr>
+                <p:cNvPr id="128" name="Straight Arrow Connector 127">
+                  <a:extLst>
+                    <a:ext uri="{FF2B5EF4-FFF2-40B4-BE49-F238E27FC236}">
+                      <a16:creationId xmlns:a16="http://schemas.microsoft.com/office/drawing/2014/main" id="{97ED3215-A41E-5552-0926-19BCBC7C4BF1}"/>
+                    </a:ext>
+                  </a:extLst>
+                </p:cNvPr>
+                <p:cNvCxnSpPr>
+                  <a:cxnSpLocks/>
+                  <a:stCxn id="127" idx="0"/>
+                </p:cNvCxnSpPr>
+                <p:nvPr/>
+              </p:nvCxnSpPr>
+              <p:spPr>
+                <a:xfrm flipV="1">
+                  <a:off x="1623310" y="5813215"/>
+                  <a:ext cx="0" cy="231058"/>
+                </a:xfrm>
+                <a:prstGeom prst="straightConnector1">
+                  <a:avLst/>
+                </a:prstGeom>
+                <a:ln w="38100">
+                  <a:solidFill>
+                    <a:schemeClr val="tx1"/>
+                  </a:solidFill>
+                  <a:tailEnd type="triangle"/>
+                </a:ln>
+              </p:spPr>
+              <p:style>
+                <a:lnRef idx="1">
+                  <a:schemeClr val="accent1"/>
+                </a:lnRef>
+                <a:fillRef idx="0">
+                  <a:schemeClr val="accent1"/>
+                </a:fillRef>
+                <a:effectRef idx="0">
+                  <a:schemeClr val="accent1"/>
+                </a:effectRef>
+                <a:fontRef idx="minor">
+                  <a:schemeClr val="tx1"/>
+                </a:fontRef>
+              </p:style>
+            </p:cxnSp>
+          </p:grpSp>
+        </p:grpSp>
+        <p:grpSp>
+          <p:nvGrpSpPr>
+            <p:cNvPr id="129" name="Group 128">
+              <a:extLst>
+                <a:ext uri="{FF2B5EF4-FFF2-40B4-BE49-F238E27FC236}">
+                  <a16:creationId xmlns:a16="http://schemas.microsoft.com/office/drawing/2014/main" id="{C9055900-6DA7-6B36-966D-7F69597BF83A}"/>
+                </a:ext>
+              </a:extLst>
+            </p:cNvPr>
+            <p:cNvGrpSpPr/>
+            <p:nvPr/>
+          </p:nvGrpSpPr>
+          <p:grpSpPr>
+            <a:xfrm>
+              <a:off x="2971536" y="-530063"/>
+              <a:ext cx="473926" cy="992471"/>
+              <a:chOff x="8382772" y="-504870"/>
+              <a:chExt cx="473926" cy="992471"/>
+            </a:xfrm>
+          </p:grpSpPr>
+          <p:cxnSp>
+            <p:nvCxnSpPr>
+              <p:cNvPr id="130" name="Straight Arrow Connector 129">
+                <a:extLst>
+                  <a:ext uri="{FF2B5EF4-FFF2-40B4-BE49-F238E27FC236}">
+                    <a16:creationId xmlns:a16="http://schemas.microsoft.com/office/drawing/2014/main" id="{91B13739-EE15-D124-AA2F-44940E686F9D}"/>
+                  </a:ext>
+                </a:extLst>
+              </p:cNvPr>
+              <p:cNvCxnSpPr>
+                <a:cxnSpLocks/>
+              </p:cNvCxnSpPr>
+              <p:nvPr/>
+            </p:nvCxnSpPr>
+            <p:spPr>
+              <a:xfrm flipV="1">
+                <a:off x="8612050" y="218389"/>
+                <a:ext cx="0" cy="269212"/>
+              </a:xfrm>
+              <a:prstGeom prst="straightConnector1">
+                <a:avLst/>
+              </a:prstGeom>
+              <a:ln w="38100">
+                <a:solidFill>
+                  <a:schemeClr val="tx1"/>
+                </a:solidFill>
+                <a:tailEnd type="triangle"/>
+              </a:ln>
+            </p:spPr>
+            <p:style>
+              <a:lnRef idx="1">
+                <a:schemeClr val="accent1"/>
+              </a:lnRef>
+              <a:fillRef idx="0">
+                <a:schemeClr val="accent1"/>
+              </a:fillRef>
+              <a:effectRef idx="0">
+                <a:schemeClr val="accent1"/>
+              </a:effectRef>
+              <a:fontRef idx="minor">
+                <a:schemeClr val="tx1"/>
+              </a:fontRef>
+            </p:style>
+          </p:cxnSp>
+          <p:grpSp>
+            <p:nvGrpSpPr>
+              <p:cNvPr id="131" name="Group 130">
+                <a:extLst>
+                  <a:ext uri="{FF2B5EF4-FFF2-40B4-BE49-F238E27FC236}">
+                    <a16:creationId xmlns:a16="http://schemas.microsoft.com/office/drawing/2014/main" id="{04D8FACB-3311-F326-70CB-8621E2977E63}"/>
+                  </a:ext>
+                </a:extLst>
+              </p:cNvPr>
+              <p:cNvGrpSpPr/>
+              <p:nvPr/>
+            </p:nvGrpSpPr>
+            <p:grpSpPr>
+              <a:xfrm>
+                <a:off x="8382772" y="-504870"/>
+                <a:ext cx="473926" cy="720319"/>
+                <a:chOff x="1386347" y="5813215"/>
+                <a:chExt cx="473926" cy="720319"/>
+              </a:xfrm>
+            </p:grpSpPr>
+            <p:sp>
+              <p:nvSpPr>
+                <p:cNvPr id="132" name="Oval 131">
+                  <a:extLst>
+                    <a:ext uri="{FF2B5EF4-FFF2-40B4-BE49-F238E27FC236}">
+                      <a16:creationId xmlns:a16="http://schemas.microsoft.com/office/drawing/2014/main" id="{A66F86C9-EA82-BAC1-D094-8568143B8FD1}"/>
+                    </a:ext>
+                  </a:extLst>
+                </p:cNvPr>
+                <p:cNvSpPr/>
+                <p:nvPr/>
+              </p:nvSpPr>
+              <p:spPr>
+                <a:xfrm>
+                  <a:off x="1386347" y="6044273"/>
+                  <a:ext cx="473926" cy="489261"/>
+                </a:xfrm>
+                <a:prstGeom prst="ellipse">
+                  <a:avLst/>
+                </a:prstGeom>
+                <a:noFill/>
+                <a:ln>
+                  <a:solidFill>
+                    <a:schemeClr val="tx1"/>
+                  </a:solidFill>
+                </a:ln>
+              </p:spPr>
+              <p:style>
+                <a:lnRef idx="2">
+                  <a:schemeClr val="accent1">
+                    <a:shade val="50000"/>
+                  </a:schemeClr>
+                </a:lnRef>
+                <a:fillRef idx="1">
+                  <a:schemeClr val="accent1"/>
+                </a:fillRef>
+                <a:effectRef idx="0">
+                  <a:schemeClr val="accent1"/>
+                </a:effectRef>
+                <a:fontRef idx="minor">
+                  <a:schemeClr val="lt1"/>
+                </a:fontRef>
+              </p:style>
+              <p:txBody>
+                <a:bodyPr rtlCol="0" anchor="ctr"/>
+                <a:lstStyle/>
+                <a:p>
+                  <a:pPr algn="ctr"/>
+                  <a:r>
+                    <a:rPr lang="en-US" dirty="0">
+                      <a:solidFill>
+                        <a:sysClr val="windowText" lastClr="000000"/>
+                      </a:solidFill>
+                    </a:rPr>
+                    <a:t>%</a:t>
+                  </a:r>
+                </a:p>
+              </p:txBody>
+            </p:sp>
+            <p:cxnSp>
+              <p:nvCxnSpPr>
+                <p:cNvPr id="133" name="Straight Arrow Connector 132">
+                  <a:extLst>
+                    <a:ext uri="{FF2B5EF4-FFF2-40B4-BE49-F238E27FC236}">
+                      <a16:creationId xmlns:a16="http://schemas.microsoft.com/office/drawing/2014/main" id="{919D401A-EB18-BED1-CC70-AC13E616F0A6}"/>
+                    </a:ext>
+                  </a:extLst>
+                </p:cNvPr>
+                <p:cNvCxnSpPr>
+                  <a:cxnSpLocks/>
+                  <a:stCxn id="132" idx="0"/>
+                </p:cNvCxnSpPr>
+                <p:nvPr/>
+              </p:nvCxnSpPr>
+              <p:spPr>
+                <a:xfrm flipV="1">
+                  <a:off x="1623310" y="5813215"/>
+                  <a:ext cx="0" cy="231058"/>
+                </a:xfrm>
+                <a:prstGeom prst="straightConnector1">
+                  <a:avLst/>
+                </a:prstGeom>
+                <a:ln w="38100">
+                  <a:solidFill>
+                    <a:schemeClr val="tx1"/>
+                  </a:solidFill>
+                  <a:tailEnd type="triangle"/>
+                </a:ln>
+              </p:spPr>
+              <p:style>
+                <a:lnRef idx="1">
+                  <a:schemeClr val="accent1"/>
+                </a:lnRef>
+                <a:fillRef idx="0">
+                  <a:schemeClr val="accent1"/>
+                </a:fillRef>
+                <a:effectRef idx="0">
+                  <a:schemeClr val="accent1"/>
+                </a:effectRef>
+                <a:fontRef idx="minor">
+                  <a:schemeClr val="tx1"/>
+                </a:fontRef>
+              </p:style>
+            </p:cxnSp>
+          </p:grpSp>
+        </p:grpSp>
+        <p:grpSp>
+          <p:nvGrpSpPr>
+            <p:cNvPr id="134" name="Group 133">
+              <a:extLst>
+                <a:ext uri="{FF2B5EF4-FFF2-40B4-BE49-F238E27FC236}">
+                  <a16:creationId xmlns:a16="http://schemas.microsoft.com/office/drawing/2014/main" id="{E66ED73B-DC51-8C07-8A4D-754102F0DA13}"/>
+                </a:ext>
+              </a:extLst>
+            </p:cNvPr>
+            <p:cNvGrpSpPr/>
+            <p:nvPr/>
+          </p:nvGrpSpPr>
+          <p:grpSpPr>
+            <a:xfrm>
+              <a:off x="1883612" y="-532965"/>
+              <a:ext cx="473926" cy="992471"/>
+              <a:chOff x="8382772" y="-504870"/>
+              <a:chExt cx="473926" cy="992471"/>
+            </a:xfrm>
+          </p:grpSpPr>
+          <p:cxnSp>
+            <p:nvCxnSpPr>
+              <p:cNvPr id="135" name="Straight Arrow Connector 134">
+                <a:extLst>
+                  <a:ext uri="{FF2B5EF4-FFF2-40B4-BE49-F238E27FC236}">
+                    <a16:creationId xmlns:a16="http://schemas.microsoft.com/office/drawing/2014/main" id="{58243866-7313-0815-F5EA-B7F18073B7F4}"/>
+                  </a:ext>
+                </a:extLst>
+              </p:cNvPr>
+              <p:cNvCxnSpPr>
+                <a:cxnSpLocks/>
+              </p:cNvCxnSpPr>
+              <p:nvPr/>
+            </p:nvCxnSpPr>
+            <p:spPr>
+              <a:xfrm flipV="1">
+                <a:off x="8612050" y="218389"/>
+                <a:ext cx="0" cy="269212"/>
+              </a:xfrm>
+              <a:prstGeom prst="straightConnector1">
+                <a:avLst/>
+              </a:prstGeom>
+              <a:ln w="38100">
+                <a:solidFill>
+                  <a:schemeClr val="tx1"/>
+                </a:solidFill>
+                <a:tailEnd type="triangle"/>
+              </a:ln>
+            </p:spPr>
+            <p:style>
+              <a:lnRef idx="1">
+                <a:schemeClr val="accent1"/>
+              </a:lnRef>
+              <a:fillRef idx="0">
+                <a:schemeClr val="accent1"/>
+              </a:fillRef>
+              <a:effectRef idx="0">
+                <a:schemeClr val="accent1"/>
+              </a:effectRef>
+              <a:fontRef idx="minor">
+                <a:schemeClr val="tx1"/>
+              </a:fontRef>
+            </p:style>
+          </p:cxnSp>
+          <p:grpSp>
+            <p:nvGrpSpPr>
+              <p:cNvPr id="136" name="Group 135">
+                <a:extLst>
+                  <a:ext uri="{FF2B5EF4-FFF2-40B4-BE49-F238E27FC236}">
+                    <a16:creationId xmlns:a16="http://schemas.microsoft.com/office/drawing/2014/main" id="{BD68E610-58F0-ECB5-C1F6-98181CB60F36}"/>
+                  </a:ext>
+                </a:extLst>
+              </p:cNvPr>
+              <p:cNvGrpSpPr/>
+              <p:nvPr/>
+            </p:nvGrpSpPr>
+            <p:grpSpPr>
+              <a:xfrm>
+                <a:off x="8382772" y="-504870"/>
+                <a:ext cx="473926" cy="720319"/>
+                <a:chOff x="1386347" y="5813215"/>
+                <a:chExt cx="473926" cy="720319"/>
+              </a:xfrm>
+            </p:grpSpPr>
+            <p:sp>
+              <p:nvSpPr>
+                <p:cNvPr id="137" name="Oval 136">
+                  <a:extLst>
+                    <a:ext uri="{FF2B5EF4-FFF2-40B4-BE49-F238E27FC236}">
+                      <a16:creationId xmlns:a16="http://schemas.microsoft.com/office/drawing/2014/main" id="{310516B1-3FD6-EEA3-200B-B9D76FFA0D99}"/>
+                    </a:ext>
+                  </a:extLst>
+                </p:cNvPr>
+                <p:cNvSpPr/>
+                <p:nvPr/>
+              </p:nvSpPr>
+              <p:spPr>
+                <a:xfrm>
+                  <a:off x="1386347" y="6044273"/>
+                  <a:ext cx="473926" cy="489261"/>
+                </a:xfrm>
+                <a:prstGeom prst="ellipse">
+                  <a:avLst/>
+                </a:prstGeom>
+                <a:noFill/>
+                <a:ln>
+                  <a:solidFill>
+                    <a:schemeClr val="tx1"/>
+                  </a:solidFill>
+                </a:ln>
+              </p:spPr>
+              <p:style>
+                <a:lnRef idx="2">
+                  <a:schemeClr val="accent1">
+                    <a:shade val="50000"/>
+                  </a:schemeClr>
+                </a:lnRef>
+                <a:fillRef idx="1">
+                  <a:schemeClr val="accent1"/>
+                </a:fillRef>
+                <a:effectRef idx="0">
+                  <a:schemeClr val="accent1"/>
+                </a:effectRef>
+                <a:fontRef idx="minor">
+                  <a:schemeClr val="lt1"/>
+                </a:fontRef>
+              </p:style>
+              <p:txBody>
+                <a:bodyPr rtlCol="0" anchor="ctr"/>
+                <a:lstStyle/>
+                <a:p>
+                  <a:pPr algn="ctr"/>
+                  <a:r>
+                    <a:rPr lang="en-US" dirty="0">
+                      <a:solidFill>
+                        <a:sysClr val="windowText" lastClr="000000"/>
+                      </a:solidFill>
+                    </a:rPr>
+                    <a:t>%</a:t>
+                  </a:r>
+                </a:p>
+              </p:txBody>
+            </p:sp>
+            <p:cxnSp>
+              <p:nvCxnSpPr>
+                <p:cNvPr id="138" name="Straight Arrow Connector 137">
+                  <a:extLst>
+                    <a:ext uri="{FF2B5EF4-FFF2-40B4-BE49-F238E27FC236}">
+                      <a16:creationId xmlns:a16="http://schemas.microsoft.com/office/drawing/2014/main" id="{A1655AFF-8AF3-EB85-8723-B81552239F5D}"/>
+                    </a:ext>
+                  </a:extLst>
+                </p:cNvPr>
+                <p:cNvCxnSpPr>
+                  <a:cxnSpLocks/>
+                  <a:stCxn id="137" idx="0"/>
+                </p:cNvCxnSpPr>
+                <p:nvPr/>
+              </p:nvCxnSpPr>
+              <p:spPr>
+                <a:xfrm flipV="1">
+                  <a:off x="1623310" y="5813215"/>
+                  <a:ext cx="0" cy="231058"/>
+                </a:xfrm>
+                <a:prstGeom prst="straightConnector1">
+                  <a:avLst/>
+                </a:prstGeom>
+                <a:ln w="38100">
+                  <a:solidFill>
+                    <a:schemeClr val="tx1"/>
+                  </a:solidFill>
+                  <a:tailEnd type="triangle"/>
+                </a:ln>
+              </p:spPr>
+              <p:style>
+                <a:lnRef idx="1">
+                  <a:schemeClr val="accent1"/>
+                </a:lnRef>
+                <a:fillRef idx="0">
+                  <a:schemeClr val="accent1"/>
+                </a:fillRef>
+                <a:effectRef idx="0">
+                  <a:schemeClr val="accent1"/>
+                </a:effectRef>
+                <a:fontRef idx="minor">
+                  <a:schemeClr val="tx1"/>
+                </a:fontRef>
+              </p:style>
+            </p:cxnSp>
+          </p:grpSp>
+        </p:grpSp>
+        <p:grpSp>
+          <p:nvGrpSpPr>
+            <p:cNvPr id="139" name="Group 138">
+              <a:extLst>
+                <a:ext uri="{FF2B5EF4-FFF2-40B4-BE49-F238E27FC236}">
+                  <a16:creationId xmlns:a16="http://schemas.microsoft.com/office/drawing/2014/main" id="{10EB5982-8DAB-D2CE-F2B3-EF46560F790A}"/>
+                </a:ext>
+              </a:extLst>
+            </p:cNvPr>
+            <p:cNvGrpSpPr/>
+            <p:nvPr/>
+          </p:nvGrpSpPr>
+          <p:grpSpPr>
+            <a:xfrm>
+              <a:off x="806002" y="-527706"/>
+              <a:ext cx="473926" cy="992471"/>
+              <a:chOff x="8382772" y="-504870"/>
+              <a:chExt cx="473926" cy="992471"/>
+            </a:xfrm>
+          </p:grpSpPr>
+          <p:cxnSp>
+            <p:nvCxnSpPr>
+              <p:cNvPr id="140" name="Straight Arrow Connector 139">
+                <a:extLst>
+                  <a:ext uri="{FF2B5EF4-FFF2-40B4-BE49-F238E27FC236}">
+                    <a16:creationId xmlns:a16="http://schemas.microsoft.com/office/drawing/2014/main" id="{7BD4F351-6920-FA8E-1000-B1B4FD70441B}"/>
+                  </a:ext>
+                </a:extLst>
+              </p:cNvPr>
+              <p:cNvCxnSpPr>
+                <a:cxnSpLocks/>
+              </p:cNvCxnSpPr>
+              <p:nvPr/>
+            </p:nvCxnSpPr>
+            <p:spPr>
+              <a:xfrm flipV="1">
+                <a:off x="8612050" y="218389"/>
+                <a:ext cx="0" cy="269212"/>
+              </a:xfrm>
+              <a:prstGeom prst="straightConnector1">
+                <a:avLst/>
+              </a:prstGeom>
+              <a:ln w="38100">
+                <a:solidFill>
+                  <a:schemeClr val="tx1"/>
+                </a:solidFill>
+                <a:tailEnd type="triangle"/>
+              </a:ln>
+            </p:spPr>
+            <p:style>
+              <a:lnRef idx="1">
+                <a:schemeClr val="accent1"/>
+              </a:lnRef>
+              <a:fillRef idx="0">
+                <a:schemeClr val="accent1"/>
+              </a:fillRef>
+              <a:effectRef idx="0">
+                <a:schemeClr val="accent1"/>
+              </a:effectRef>
+              <a:fontRef idx="minor">
+                <a:schemeClr val="tx1"/>
+              </a:fontRef>
+            </p:style>
+          </p:cxnSp>
+          <p:grpSp>
+            <p:nvGrpSpPr>
+              <p:cNvPr id="141" name="Group 140">
+                <a:extLst>
+                  <a:ext uri="{FF2B5EF4-FFF2-40B4-BE49-F238E27FC236}">
+                    <a16:creationId xmlns:a16="http://schemas.microsoft.com/office/drawing/2014/main" id="{0271352F-4279-5A2A-DE7E-4C432E2F5E53}"/>
+                  </a:ext>
+                </a:extLst>
+              </p:cNvPr>
+              <p:cNvGrpSpPr/>
+              <p:nvPr/>
+            </p:nvGrpSpPr>
+            <p:grpSpPr>
+              <a:xfrm>
+                <a:off x="8382772" y="-504870"/>
+                <a:ext cx="473926" cy="720319"/>
+                <a:chOff x="1386347" y="5813215"/>
+                <a:chExt cx="473926" cy="720319"/>
+              </a:xfrm>
+            </p:grpSpPr>
+            <p:sp>
+              <p:nvSpPr>
+                <p:cNvPr id="142" name="Oval 141">
+                  <a:extLst>
+                    <a:ext uri="{FF2B5EF4-FFF2-40B4-BE49-F238E27FC236}">
+                      <a16:creationId xmlns:a16="http://schemas.microsoft.com/office/drawing/2014/main" id="{FEC14F0A-D141-CF92-2EEB-037C6CCD01FB}"/>
+                    </a:ext>
+                  </a:extLst>
+                </p:cNvPr>
+                <p:cNvSpPr/>
+                <p:nvPr/>
+              </p:nvSpPr>
+              <p:spPr>
+                <a:xfrm>
+                  <a:off x="1386347" y="6044273"/>
+                  <a:ext cx="473926" cy="489261"/>
+                </a:xfrm>
+                <a:prstGeom prst="ellipse">
+                  <a:avLst/>
+                </a:prstGeom>
+                <a:noFill/>
+                <a:ln>
+                  <a:solidFill>
+                    <a:schemeClr val="tx1"/>
+                  </a:solidFill>
+                </a:ln>
+              </p:spPr>
+              <p:style>
+                <a:lnRef idx="2">
+                  <a:schemeClr val="accent1">
+                    <a:shade val="50000"/>
+                  </a:schemeClr>
+                </a:lnRef>
+                <a:fillRef idx="1">
+                  <a:schemeClr val="accent1"/>
+                </a:fillRef>
+                <a:effectRef idx="0">
+                  <a:schemeClr val="accent1"/>
+                </a:effectRef>
+                <a:fontRef idx="minor">
+                  <a:schemeClr val="lt1"/>
+                </a:fontRef>
+              </p:style>
+              <p:txBody>
+                <a:bodyPr rtlCol="0" anchor="ctr"/>
+                <a:lstStyle/>
+                <a:p>
+                  <a:pPr algn="ctr"/>
+                  <a:r>
+                    <a:rPr lang="en-US" dirty="0">
+                      <a:solidFill>
+                        <a:sysClr val="windowText" lastClr="000000"/>
+                      </a:solidFill>
+                    </a:rPr>
+                    <a:t>%</a:t>
+                  </a:r>
+                </a:p>
+              </p:txBody>
+            </p:sp>
+            <p:cxnSp>
+              <p:nvCxnSpPr>
+                <p:cNvPr id="143" name="Straight Arrow Connector 142">
+                  <a:extLst>
+                    <a:ext uri="{FF2B5EF4-FFF2-40B4-BE49-F238E27FC236}">
+                      <a16:creationId xmlns:a16="http://schemas.microsoft.com/office/drawing/2014/main" id="{C3D53B24-D858-F6E7-DFCD-DF1EF42029DD}"/>
+                    </a:ext>
+                  </a:extLst>
+                </p:cNvPr>
+                <p:cNvCxnSpPr>
+                  <a:cxnSpLocks/>
+                  <a:stCxn id="142" idx="0"/>
+                </p:cNvCxnSpPr>
+                <p:nvPr/>
+              </p:nvCxnSpPr>
+              <p:spPr>
+                <a:xfrm flipV="1">
+                  <a:off x="1623310" y="5813215"/>
+                  <a:ext cx="0" cy="231058"/>
+                </a:xfrm>
+                <a:prstGeom prst="straightConnector1">
+                  <a:avLst/>
+                </a:prstGeom>
+                <a:ln w="38100">
+                  <a:solidFill>
+                    <a:schemeClr val="tx1"/>
+                  </a:solidFill>
+                  <a:tailEnd type="triangle"/>
+                </a:ln>
+              </p:spPr>
+              <p:style>
+                <a:lnRef idx="1">
+                  <a:schemeClr val="accent1"/>
+                </a:lnRef>
+                <a:fillRef idx="0">
+                  <a:schemeClr val="accent1"/>
+                </a:fillRef>
+                <a:effectRef idx="0">
+                  <a:schemeClr val="accent1"/>
+                </a:effectRef>
+                <a:fontRef idx="minor">
+                  <a:schemeClr val="tx1"/>
+                </a:fontRef>
+              </p:style>
+            </p:cxnSp>
+          </p:grpSp>
+        </p:grpSp>
+      </p:grpSp>
+    </p:spTree>
+    <p:extLst>
+      <p:ext uri="{BB962C8B-B14F-4D97-AF65-F5344CB8AC3E}">
+        <p14:creationId xmlns:p14="http://schemas.microsoft.com/office/powerpoint/2010/main" val="2506476663"/>
+      </p:ext>
+    </p:extLst>
+  </p:cSld>
+  <p:clrMapOvr>
+    <a:masterClrMapping/>
+  </p:clrMapOvr>
+</p:sld>
+</file>
+
 <file path=ppt/slides/slide2.xml><?xml version="1.0" encoding="utf-8"?>
 <p:sld xmlns:a="http://schemas.openxmlformats.org/drawingml/2006/main" xmlns:r="http://schemas.openxmlformats.org/officeDocument/2006/relationships" xmlns:p="http://schemas.openxmlformats.org/presentationml/2006/main">
   <p:cSld>
